--- a/Problem2/SAD_Problem_2.pptx
+++ b/Problem2/SAD_Problem_2.pptx
@@ -9,12 +9,23 @@
     <p:sldId id="257" r:id="rId3"/>
     <p:sldId id="262" r:id="rId4"/>
     <p:sldId id="259" r:id="rId5"/>
-    <p:sldId id="260" r:id="rId6"/>
-    <p:sldId id="261" r:id="rId7"/>
-    <p:sldId id="263" r:id="rId8"/>
-    <p:sldId id="264" r:id="rId9"/>
-    <p:sldId id="265" r:id="rId10"/>
-    <p:sldId id="266" r:id="rId11"/>
+    <p:sldId id="267" r:id="rId6"/>
+    <p:sldId id="268" r:id="rId7"/>
+    <p:sldId id="260" r:id="rId8"/>
+    <p:sldId id="270" r:id="rId9"/>
+    <p:sldId id="269" r:id="rId10"/>
+    <p:sldId id="261" r:id="rId11"/>
+    <p:sldId id="263" r:id="rId12"/>
+    <p:sldId id="265" r:id="rId13"/>
+    <p:sldId id="278" r:id="rId14"/>
+    <p:sldId id="271" r:id="rId15"/>
+    <p:sldId id="266" r:id="rId16"/>
+    <p:sldId id="272" r:id="rId17"/>
+    <p:sldId id="273" r:id="rId18"/>
+    <p:sldId id="274" r:id="rId19"/>
+    <p:sldId id="275" r:id="rId20"/>
+    <p:sldId id="276" r:id="rId21"/>
+    <p:sldId id="277" r:id="rId22"/>
   </p:sldIdLst>
   <p:sldSz cx="12192000" cy="6858000"/>
   <p:notesSz cx="6858000" cy="9144000"/>
@@ -113,6 +124,22 @@
       </a:defRPr>
     </a:lvl9pPr>
   </p:defaultTextStyle>
+  <p:extLst>
+    <p:ext uri="{EFAFB233-063F-42B5-8137-9DF3F51BA10A}">
+      <p15:sldGuideLst xmlns:p15="http://schemas.microsoft.com/office/powerpoint/2012/main">
+        <p15:guide id="1" orient="horz" pos="2160" userDrawn="1">
+          <p15:clr>
+            <a:srgbClr val="A4A3A4"/>
+          </p15:clr>
+        </p15:guide>
+        <p15:guide id="2" pos="3840" userDrawn="1">
+          <p15:clr>
+            <a:srgbClr val="A4A3A4"/>
+          </p15:clr>
+        </p15:guide>
+      </p15:sldGuideLst>
+    </p:ext>
+  </p:extLst>
 </p:presentation>
 </file>
 
@@ -4479,6 +4506,1200 @@
           <a:chExt cx="0" cy="0"/>
         </a:xfrm>
       </p:grpSpPr>
+      <p:pic>
+        <p:nvPicPr>
+          <p:cNvPr id="5" name="Picture 4">
+            <a:extLst>
+              <a:ext uri="{FF2B5EF4-FFF2-40B4-BE49-F238E27FC236}">
+                <a16:creationId xmlns:a16="http://schemas.microsoft.com/office/drawing/2014/main" id="{FECD71C4-F52A-4AEB-8C00-1EAA67A3F4C2}"/>
+              </a:ext>
+            </a:extLst>
+          </p:cNvPr>
+          <p:cNvPicPr>
+            <a:picLocks noChangeAspect="1"/>
+          </p:cNvPicPr>
+          <p:nvPr/>
+        </p:nvPicPr>
+        <p:blipFill>
+          <a:blip r:embed="rId2">
+            <a:extLst>
+              <a:ext uri="{28A0092B-C50C-407E-A947-70E740481C1C}">
+                <a14:useLocalDpi xmlns:a14="http://schemas.microsoft.com/office/drawing/2010/main" val="0"/>
+              </a:ext>
+            </a:extLst>
+          </a:blip>
+          <a:stretch>
+            <a:fillRect/>
+          </a:stretch>
+        </p:blipFill>
+        <p:spPr>
+          <a:xfrm>
+            <a:off x="2374896" y="4399807"/>
+            <a:ext cx="1181188" cy="1181188"/>
+          </a:xfrm>
+          <a:prstGeom prst="rect">
+            <a:avLst/>
+          </a:prstGeom>
+        </p:spPr>
+      </p:pic>
+      <p:pic>
+        <p:nvPicPr>
+          <p:cNvPr id="7" name="Picture 6">
+            <a:extLst>
+              <a:ext uri="{FF2B5EF4-FFF2-40B4-BE49-F238E27FC236}">
+                <a16:creationId xmlns:a16="http://schemas.microsoft.com/office/drawing/2014/main" id="{91BA16DA-6E24-45E9-A280-FEC7ED2CAE60}"/>
+              </a:ext>
+            </a:extLst>
+          </p:cNvPr>
+          <p:cNvPicPr>
+            <a:picLocks noChangeAspect="1"/>
+          </p:cNvPicPr>
+          <p:nvPr/>
+        </p:nvPicPr>
+        <p:blipFill>
+          <a:blip r:embed="rId3">
+            <a:extLst>
+              <a:ext uri="{28A0092B-C50C-407E-A947-70E740481C1C}">
+                <a14:useLocalDpi xmlns:a14="http://schemas.microsoft.com/office/drawing/2010/main" val="0"/>
+              </a:ext>
+            </a:extLst>
+          </a:blip>
+          <a:stretch>
+            <a:fillRect/>
+          </a:stretch>
+        </p:blipFill>
+        <p:spPr>
+          <a:xfrm>
+            <a:off x="9294829" y="4399807"/>
+            <a:ext cx="1181188" cy="1181188"/>
+          </a:xfrm>
+          <a:prstGeom prst="rect">
+            <a:avLst/>
+          </a:prstGeom>
+        </p:spPr>
+      </p:pic>
+      <p:pic>
+        <p:nvPicPr>
+          <p:cNvPr id="9" name="Picture 8">
+            <a:extLst>
+              <a:ext uri="{FF2B5EF4-FFF2-40B4-BE49-F238E27FC236}">
+                <a16:creationId xmlns:a16="http://schemas.microsoft.com/office/drawing/2014/main" id="{E66EECF9-6B73-4C5C-857D-37CFDEF26F4B}"/>
+              </a:ext>
+            </a:extLst>
+          </p:cNvPr>
+          <p:cNvPicPr>
+            <a:picLocks noChangeAspect="1"/>
+          </p:cNvPicPr>
+          <p:nvPr/>
+        </p:nvPicPr>
+        <p:blipFill>
+          <a:blip r:embed="rId4">
+            <a:extLst>
+              <a:ext uri="{28A0092B-C50C-407E-A947-70E740481C1C}">
+                <a14:useLocalDpi xmlns:a14="http://schemas.microsoft.com/office/drawing/2010/main" val="0"/>
+              </a:ext>
+            </a:extLst>
+          </a:blip>
+          <a:stretch>
+            <a:fillRect/>
+          </a:stretch>
+        </p:blipFill>
+        <p:spPr>
+          <a:xfrm>
+            <a:off x="2559974" y="5789306"/>
+            <a:ext cx="811031" cy="811031"/>
+          </a:xfrm>
+          <a:prstGeom prst="rect">
+            <a:avLst/>
+          </a:prstGeom>
+        </p:spPr>
+      </p:pic>
+      <p:pic>
+        <p:nvPicPr>
+          <p:cNvPr id="10" name="Picture 9">
+            <a:extLst>
+              <a:ext uri="{FF2B5EF4-FFF2-40B4-BE49-F238E27FC236}">
+                <a16:creationId xmlns:a16="http://schemas.microsoft.com/office/drawing/2014/main" id="{FA5144B6-5879-4F50-8B0A-B28D56F9BBB9}"/>
+              </a:ext>
+            </a:extLst>
+          </p:cNvPr>
+          <p:cNvPicPr>
+            <a:picLocks noChangeAspect="1"/>
+          </p:cNvPicPr>
+          <p:nvPr/>
+        </p:nvPicPr>
+        <p:blipFill>
+          <a:blip r:embed="rId4">
+            <a:extLst>
+              <a:ext uri="{28A0092B-C50C-407E-A947-70E740481C1C}">
+                <a14:useLocalDpi xmlns:a14="http://schemas.microsoft.com/office/drawing/2010/main" val="0"/>
+              </a:ext>
+            </a:extLst>
+          </a:blip>
+          <a:stretch>
+            <a:fillRect/>
+          </a:stretch>
+        </p:blipFill>
+        <p:spPr>
+          <a:xfrm>
+            <a:off x="9398524" y="5800143"/>
+            <a:ext cx="811031" cy="811031"/>
+          </a:xfrm>
+          <a:prstGeom prst="rect">
+            <a:avLst/>
+          </a:prstGeom>
+        </p:spPr>
+      </p:pic>
+      <p:pic>
+        <p:nvPicPr>
+          <p:cNvPr id="11" name="Picture 10">
+            <a:extLst>
+              <a:ext uri="{FF2B5EF4-FFF2-40B4-BE49-F238E27FC236}">
+                <a16:creationId xmlns:a16="http://schemas.microsoft.com/office/drawing/2014/main" id="{6591A6D3-B862-41A9-BAB8-25D9D74E9BE0}"/>
+              </a:ext>
+            </a:extLst>
+          </p:cNvPr>
+          <p:cNvPicPr>
+            <a:picLocks noChangeAspect="1"/>
+          </p:cNvPicPr>
+          <p:nvPr/>
+        </p:nvPicPr>
+        <p:blipFill>
+          <a:blip r:embed="rId5"/>
+          <a:stretch>
+            <a:fillRect/>
+          </a:stretch>
+        </p:blipFill>
+        <p:spPr>
+          <a:xfrm>
+            <a:off x="654769" y="615592"/>
+            <a:ext cx="5074820" cy="3504958"/>
+          </a:xfrm>
+          <a:prstGeom prst="rect">
+            <a:avLst/>
+          </a:prstGeom>
+        </p:spPr>
+      </p:pic>
+      <p:pic>
+        <p:nvPicPr>
+          <p:cNvPr id="12" name="Picture 11">
+            <a:extLst>
+              <a:ext uri="{FF2B5EF4-FFF2-40B4-BE49-F238E27FC236}">
+                <a16:creationId xmlns:a16="http://schemas.microsoft.com/office/drawing/2014/main" id="{C31A6A71-53D4-4540-B8E2-222E811922F1}"/>
+              </a:ext>
+            </a:extLst>
+          </p:cNvPr>
+          <p:cNvPicPr>
+            <a:picLocks noChangeAspect="1"/>
+          </p:cNvPicPr>
+          <p:nvPr/>
+        </p:nvPicPr>
+        <p:blipFill>
+          <a:blip r:embed="rId6"/>
+          <a:stretch>
+            <a:fillRect/>
+          </a:stretch>
+        </p:blipFill>
+        <p:spPr>
+          <a:xfrm>
+            <a:off x="6551629" y="615592"/>
+            <a:ext cx="5074821" cy="3504958"/>
+          </a:xfrm>
+          <a:prstGeom prst="rect">
+            <a:avLst/>
+          </a:prstGeom>
+        </p:spPr>
+      </p:pic>
+    </p:spTree>
+    <p:extLst>
+      <p:ext uri="{BB962C8B-B14F-4D97-AF65-F5344CB8AC3E}">
+        <p14:creationId xmlns:p14="http://schemas.microsoft.com/office/powerpoint/2010/main" val="708649623"/>
+      </p:ext>
+    </p:extLst>
+  </p:cSld>
+  <p:clrMapOvr>
+    <a:masterClrMapping/>
+  </p:clrMapOvr>
+  <p:transition spd="slow">
+    <p:push dir="u"/>
+  </p:transition>
+</p:sld>
+</file>
+
+<file path=ppt/slides/slide11.xml><?xml version="1.0" encoding="utf-8"?>
+<p:sld xmlns:a="http://schemas.openxmlformats.org/drawingml/2006/main" xmlns:r="http://schemas.openxmlformats.org/officeDocument/2006/relationships" xmlns:p="http://schemas.openxmlformats.org/presentationml/2006/main">
+  <p:cSld>
+    <p:spTree>
+      <p:nvGrpSpPr>
+        <p:cNvPr id="1" name=""/>
+        <p:cNvGrpSpPr/>
+        <p:nvPr/>
+      </p:nvGrpSpPr>
+      <p:grpSpPr>
+        <a:xfrm>
+          <a:off x="0" y="0"/>
+          <a:ext cx="0" cy="0"/>
+          <a:chOff x="0" y="0"/>
+          <a:chExt cx="0" cy="0"/>
+        </a:xfrm>
+      </p:grpSpPr>
+      <p:pic>
+        <p:nvPicPr>
+          <p:cNvPr id="2" name="Picture 1">
+            <a:extLst>
+              <a:ext uri="{FF2B5EF4-FFF2-40B4-BE49-F238E27FC236}">
+                <a16:creationId xmlns:a16="http://schemas.microsoft.com/office/drawing/2014/main" id="{FA98B724-5A4A-4EC8-8828-DB9447E6AAC5}"/>
+              </a:ext>
+            </a:extLst>
+          </p:cNvPr>
+          <p:cNvPicPr>
+            <a:picLocks noChangeAspect="1"/>
+          </p:cNvPicPr>
+          <p:nvPr/>
+        </p:nvPicPr>
+        <p:blipFill>
+          <a:blip r:embed="rId2">
+            <a:extLst>
+              <a:ext uri="{28A0092B-C50C-407E-A947-70E740481C1C}">
+                <a14:useLocalDpi xmlns:a14="http://schemas.microsoft.com/office/drawing/2010/main" val="0"/>
+              </a:ext>
+            </a:extLst>
+          </a:blip>
+          <a:stretch>
+            <a:fillRect/>
+          </a:stretch>
+        </p:blipFill>
+        <p:spPr>
+          <a:xfrm>
+            <a:off x="2440884" y="911890"/>
+            <a:ext cx="2293224" cy="2293224"/>
+          </a:xfrm>
+          <a:prstGeom prst="rect">
+            <a:avLst/>
+          </a:prstGeom>
+        </p:spPr>
+      </p:pic>
+      <p:pic>
+        <p:nvPicPr>
+          <p:cNvPr id="3" name="Picture 2">
+            <a:extLst>
+              <a:ext uri="{FF2B5EF4-FFF2-40B4-BE49-F238E27FC236}">
+                <a16:creationId xmlns:a16="http://schemas.microsoft.com/office/drawing/2014/main" id="{155C2EFC-590D-4832-BE93-DE39709AEC54}"/>
+              </a:ext>
+            </a:extLst>
+          </p:cNvPr>
+          <p:cNvPicPr>
+            <a:picLocks noChangeAspect="1"/>
+          </p:cNvPicPr>
+          <p:nvPr/>
+        </p:nvPicPr>
+        <p:blipFill>
+          <a:blip r:embed="rId3">
+            <a:extLst>
+              <a:ext uri="{28A0092B-C50C-407E-A947-70E740481C1C}">
+                <a14:useLocalDpi xmlns:a14="http://schemas.microsoft.com/office/drawing/2010/main" val="0"/>
+              </a:ext>
+            </a:extLst>
+          </a:blip>
+          <a:stretch>
+            <a:fillRect/>
+          </a:stretch>
+        </p:blipFill>
+        <p:spPr>
+          <a:xfrm>
+            <a:off x="2611226" y="3843626"/>
+            <a:ext cx="2198956" cy="2198956"/>
+          </a:xfrm>
+          <a:prstGeom prst="rect">
+            <a:avLst/>
+          </a:prstGeom>
+        </p:spPr>
+      </p:pic>
+      <p:sp>
+        <p:nvSpPr>
+          <p:cNvPr id="4" name="Rectangle 3">
+            <a:extLst>
+              <a:ext uri="{FF2B5EF4-FFF2-40B4-BE49-F238E27FC236}">
+                <a16:creationId xmlns:a16="http://schemas.microsoft.com/office/drawing/2014/main" id="{313559E2-0466-499B-BFAC-0BFCFD46D06F}"/>
+              </a:ext>
+            </a:extLst>
+          </p:cNvPr>
+          <p:cNvSpPr/>
+          <p:nvPr/>
+        </p:nvSpPr>
+        <p:spPr>
+          <a:xfrm>
+            <a:off x="1645574" y="3407791"/>
+            <a:ext cx="3883843" cy="101339"/>
+          </a:xfrm>
+          <a:prstGeom prst="rect">
+            <a:avLst/>
+          </a:prstGeom>
+        </p:spPr>
+        <p:style>
+          <a:lnRef idx="3">
+            <a:schemeClr val="lt1"/>
+          </a:lnRef>
+          <a:fillRef idx="1">
+            <a:schemeClr val="accent3"/>
+          </a:fillRef>
+          <a:effectRef idx="1">
+            <a:schemeClr val="accent3"/>
+          </a:effectRef>
+          <a:fontRef idx="minor">
+            <a:schemeClr val="lt1"/>
+          </a:fontRef>
+        </p:style>
+        <p:txBody>
+          <a:bodyPr rtlCol="0" anchor="ctr"/>
+          <a:lstStyle/>
+          <a:p>
+            <a:pPr algn="ctr"/>
+            <a:endParaRPr lang="en-US"/>
+          </a:p>
+        </p:txBody>
+      </p:sp>
+      <p:sp>
+        <p:nvSpPr>
+          <p:cNvPr id="5" name="Equals 4">
+            <a:extLst>
+              <a:ext uri="{FF2B5EF4-FFF2-40B4-BE49-F238E27FC236}">
+                <a16:creationId xmlns:a16="http://schemas.microsoft.com/office/drawing/2014/main" id="{B7497AAA-A3D5-4495-90AA-B9D257AC4FD6}"/>
+              </a:ext>
+            </a:extLst>
+          </p:cNvPr>
+          <p:cNvSpPr/>
+          <p:nvPr/>
+        </p:nvSpPr>
+        <p:spPr>
+          <a:xfrm>
+            <a:off x="5963680" y="2938808"/>
+            <a:ext cx="1615126" cy="1140643"/>
+          </a:xfrm>
+          <a:prstGeom prst="mathEqual">
+            <a:avLst/>
+          </a:prstGeom>
+        </p:spPr>
+        <p:style>
+          <a:lnRef idx="2">
+            <a:schemeClr val="accent3">
+              <a:shade val="50000"/>
+            </a:schemeClr>
+          </a:lnRef>
+          <a:fillRef idx="1">
+            <a:schemeClr val="accent3"/>
+          </a:fillRef>
+          <a:effectRef idx="0">
+            <a:schemeClr val="accent3"/>
+          </a:effectRef>
+          <a:fontRef idx="minor">
+            <a:schemeClr val="lt1"/>
+          </a:fontRef>
+        </p:style>
+        <p:txBody>
+          <a:bodyPr rtlCol="0" anchor="ctr"/>
+          <a:lstStyle/>
+          <a:p>
+            <a:pPr algn="ctr"/>
+            <a:endParaRPr lang="en-US">
+              <a:solidFill>
+                <a:schemeClr val="tx1"/>
+              </a:solidFill>
+            </a:endParaRPr>
+          </a:p>
+        </p:txBody>
+      </p:sp>
+      <p:pic>
+        <p:nvPicPr>
+          <p:cNvPr id="7" name="Picture 6">
+            <a:extLst>
+              <a:ext uri="{FF2B5EF4-FFF2-40B4-BE49-F238E27FC236}">
+                <a16:creationId xmlns:a16="http://schemas.microsoft.com/office/drawing/2014/main" id="{CB4F5531-91FC-4BBF-B653-8264E0189FB0}"/>
+              </a:ext>
+            </a:extLst>
+          </p:cNvPr>
+          <p:cNvPicPr>
+            <a:picLocks noChangeAspect="1"/>
+          </p:cNvPicPr>
+          <p:nvPr/>
+        </p:nvPicPr>
+        <p:blipFill>
+          <a:blip r:embed="rId4">
+            <a:extLst>
+              <a:ext uri="{28A0092B-C50C-407E-A947-70E740481C1C}">
+                <a14:useLocalDpi xmlns:a14="http://schemas.microsoft.com/office/drawing/2010/main" val="0"/>
+              </a:ext>
+            </a:extLst>
+          </a:blip>
+          <a:stretch>
+            <a:fillRect/>
+          </a:stretch>
+        </p:blipFill>
+        <p:spPr>
+          <a:xfrm>
+            <a:off x="7230664" y="1376466"/>
+            <a:ext cx="3657295" cy="3657295"/>
+          </a:xfrm>
+          <a:prstGeom prst="rect">
+            <a:avLst/>
+          </a:prstGeom>
+        </p:spPr>
+      </p:pic>
+    </p:spTree>
+    <p:extLst>
+      <p:ext uri="{BB962C8B-B14F-4D97-AF65-F5344CB8AC3E}">
+        <p14:creationId xmlns:p14="http://schemas.microsoft.com/office/powerpoint/2010/main" val="3256864059"/>
+      </p:ext>
+    </p:extLst>
+  </p:cSld>
+  <p:clrMapOvr>
+    <a:masterClrMapping/>
+  </p:clrMapOvr>
+  <p:transition spd="slow">
+    <p:push dir="u"/>
+  </p:transition>
+</p:sld>
+</file>
+
+<file path=ppt/slides/slide12.xml><?xml version="1.0" encoding="utf-8"?>
+<p:sld xmlns:a="http://schemas.openxmlformats.org/drawingml/2006/main" xmlns:r="http://schemas.openxmlformats.org/officeDocument/2006/relationships" xmlns:p="http://schemas.openxmlformats.org/presentationml/2006/main">
+  <p:cSld>
+    <p:spTree>
+      <p:nvGrpSpPr>
+        <p:cNvPr id="1" name=""/>
+        <p:cNvGrpSpPr/>
+        <p:nvPr/>
+      </p:nvGrpSpPr>
+      <p:grpSpPr>
+        <a:xfrm>
+          <a:off x="0" y="0"/>
+          <a:ext cx="0" cy="0"/>
+          <a:chOff x="0" y="0"/>
+          <a:chExt cx="0" cy="0"/>
+        </a:xfrm>
+      </p:grpSpPr>
+      <p:pic>
+        <p:nvPicPr>
+          <p:cNvPr id="7" name="Picture 6">
+            <a:extLst>
+              <a:ext uri="{FF2B5EF4-FFF2-40B4-BE49-F238E27FC236}">
+                <a16:creationId xmlns:a16="http://schemas.microsoft.com/office/drawing/2014/main" id="{44D9AB94-2AA6-4874-91F9-78A231FC1141}"/>
+              </a:ext>
+            </a:extLst>
+          </p:cNvPr>
+          <p:cNvPicPr>
+            <a:picLocks noChangeAspect="1"/>
+          </p:cNvPicPr>
+          <p:nvPr/>
+        </p:nvPicPr>
+        <p:blipFill>
+          <a:blip r:embed="rId2"/>
+          <a:stretch>
+            <a:fillRect/>
+          </a:stretch>
+        </p:blipFill>
+        <p:spPr>
+          <a:xfrm>
+            <a:off x="1131159" y="0"/>
+            <a:ext cx="9929682" cy="6858000"/>
+          </a:xfrm>
+          <a:prstGeom prst="rect">
+            <a:avLst/>
+          </a:prstGeom>
+        </p:spPr>
+      </p:pic>
+    </p:spTree>
+    <p:extLst>
+      <p:ext uri="{BB962C8B-B14F-4D97-AF65-F5344CB8AC3E}">
+        <p14:creationId xmlns:p14="http://schemas.microsoft.com/office/powerpoint/2010/main" val="1684603955"/>
+      </p:ext>
+    </p:extLst>
+  </p:cSld>
+  <p:clrMapOvr>
+    <a:masterClrMapping/>
+  </p:clrMapOvr>
+  <p:transition spd="slow">
+    <p:push dir="u"/>
+  </p:transition>
+</p:sld>
+</file>
+
+<file path=ppt/slides/slide13.xml><?xml version="1.0" encoding="utf-8"?>
+<p:sld xmlns:a="http://schemas.openxmlformats.org/drawingml/2006/main" xmlns:r="http://schemas.openxmlformats.org/officeDocument/2006/relationships" xmlns:p="http://schemas.openxmlformats.org/presentationml/2006/main">
+  <p:cSld>
+    <p:spTree>
+      <p:nvGrpSpPr>
+        <p:cNvPr id="1" name=""/>
+        <p:cNvGrpSpPr/>
+        <p:nvPr/>
+      </p:nvGrpSpPr>
+      <p:grpSpPr>
+        <a:xfrm>
+          <a:off x="0" y="0"/>
+          <a:ext cx="0" cy="0"/>
+          <a:chOff x="0" y="0"/>
+          <a:chExt cx="0" cy="0"/>
+        </a:xfrm>
+      </p:grpSpPr>
+      <p:pic>
+        <p:nvPicPr>
+          <p:cNvPr id="7" name="Picture 6">
+            <a:extLst>
+              <a:ext uri="{FF2B5EF4-FFF2-40B4-BE49-F238E27FC236}">
+                <a16:creationId xmlns:a16="http://schemas.microsoft.com/office/drawing/2014/main" id="{44D9AB94-2AA6-4874-91F9-78A231FC1141}"/>
+              </a:ext>
+            </a:extLst>
+          </p:cNvPr>
+          <p:cNvPicPr>
+            <a:picLocks noChangeAspect="1"/>
+          </p:cNvPicPr>
+          <p:nvPr/>
+        </p:nvPicPr>
+        <p:blipFill>
+          <a:blip r:embed="rId2"/>
+          <a:stretch>
+            <a:fillRect/>
+          </a:stretch>
+        </p:blipFill>
+        <p:spPr>
+          <a:xfrm>
+            <a:off x="1131159" y="0"/>
+            <a:ext cx="9929682" cy="6858000"/>
+          </a:xfrm>
+          <a:prstGeom prst="rect">
+            <a:avLst/>
+          </a:prstGeom>
+        </p:spPr>
+      </p:pic>
+      <p:sp>
+        <p:nvSpPr>
+          <p:cNvPr id="3" name="Rectangle 2">
+            <a:extLst>
+              <a:ext uri="{FF2B5EF4-FFF2-40B4-BE49-F238E27FC236}">
+                <a16:creationId xmlns:a16="http://schemas.microsoft.com/office/drawing/2014/main" id="{408768C6-487E-41B1-AE4B-7D34BB63A077}"/>
+              </a:ext>
+            </a:extLst>
+          </p:cNvPr>
+          <p:cNvSpPr/>
+          <p:nvPr/>
+        </p:nvSpPr>
+        <p:spPr>
+          <a:xfrm>
+            <a:off x="2677211" y="1178351"/>
+            <a:ext cx="6825007" cy="4421171"/>
+          </a:xfrm>
+          <a:prstGeom prst="rect">
+            <a:avLst/>
+          </a:prstGeom>
+          <a:solidFill>
+            <a:srgbClr val="92D050">
+              <a:alpha val="60000"/>
+            </a:srgbClr>
+          </a:solidFill>
+          <a:ln>
+            <a:noFill/>
+          </a:ln>
+        </p:spPr>
+        <p:style>
+          <a:lnRef idx="2">
+            <a:schemeClr val="accent2"/>
+          </a:lnRef>
+          <a:fillRef idx="1">
+            <a:schemeClr val="lt1"/>
+          </a:fillRef>
+          <a:effectRef idx="0">
+            <a:schemeClr val="accent2"/>
+          </a:effectRef>
+          <a:fontRef idx="minor">
+            <a:schemeClr val="dk1"/>
+          </a:fontRef>
+        </p:style>
+        <p:txBody>
+          <a:bodyPr rtlCol="0" anchor="ctr"/>
+          <a:lstStyle/>
+          <a:p>
+            <a:pPr algn="ctr"/>
+            <a:endParaRPr lang="en-US" dirty="0"/>
+          </a:p>
+        </p:txBody>
+      </p:sp>
+      <p:sp>
+        <p:nvSpPr>
+          <p:cNvPr id="4" name="Rectangle 3">
+            <a:extLst>
+              <a:ext uri="{FF2B5EF4-FFF2-40B4-BE49-F238E27FC236}">
+                <a16:creationId xmlns:a16="http://schemas.microsoft.com/office/drawing/2014/main" id="{1323E44B-D5D7-4453-8F2C-D35CAA069620}"/>
+              </a:ext>
+            </a:extLst>
+          </p:cNvPr>
+          <p:cNvSpPr/>
+          <p:nvPr/>
+        </p:nvSpPr>
+        <p:spPr>
+          <a:xfrm>
+            <a:off x="9502218" y="1173637"/>
+            <a:ext cx="631596" cy="4421171"/>
+          </a:xfrm>
+          <a:prstGeom prst="rect">
+            <a:avLst/>
+          </a:prstGeom>
+          <a:solidFill>
+            <a:srgbClr val="FFC412">
+              <a:alpha val="60000"/>
+            </a:srgbClr>
+          </a:solidFill>
+          <a:ln>
+            <a:noFill/>
+          </a:ln>
+        </p:spPr>
+        <p:style>
+          <a:lnRef idx="2">
+            <a:schemeClr val="accent2"/>
+          </a:lnRef>
+          <a:fillRef idx="1">
+            <a:schemeClr val="lt1"/>
+          </a:fillRef>
+          <a:effectRef idx="0">
+            <a:schemeClr val="accent2"/>
+          </a:effectRef>
+          <a:fontRef idx="minor">
+            <a:schemeClr val="dk1"/>
+          </a:fontRef>
+        </p:style>
+        <p:txBody>
+          <a:bodyPr rtlCol="0" anchor="ctr"/>
+          <a:lstStyle/>
+          <a:p>
+            <a:pPr algn="ctr"/>
+            <a:endParaRPr lang="en-US"/>
+          </a:p>
+        </p:txBody>
+      </p:sp>
+      <p:sp>
+        <p:nvSpPr>
+          <p:cNvPr id="5" name="Rectangle 4">
+            <a:extLst>
+              <a:ext uri="{FF2B5EF4-FFF2-40B4-BE49-F238E27FC236}">
+                <a16:creationId xmlns:a16="http://schemas.microsoft.com/office/drawing/2014/main" id="{E490BA1B-37FD-41AF-98DF-EFC9D223902C}"/>
+              </a:ext>
+            </a:extLst>
+          </p:cNvPr>
+          <p:cNvSpPr/>
+          <p:nvPr/>
+        </p:nvSpPr>
+        <p:spPr>
+          <a:xfrm>
+            <a:off x="10133815" y="1173637"/>
+            <a:ext cx="471340" cy="4421171"/>
+          </a:xfrm>
+          <a:prstGeom prst="rect">
+            <a:avLst/>
+          </a:prstGeom>
+          <a:solidFill>
+            <a:srgbClr val="FF0000">
+              <a:alpha val="60000"/>
+            </a:srgbClr>
+          </a:solidFill>
+          <a:ln>
+            <a:noFill/>
+          </a:ln>
+        </p:spPr>
+        <p:style>
+          <a:lnRef idx="2">
+            <a:schemeClr val="accent2"/>
+          </a:lnRef>
+          <a:fillRef idx="1">
+            <a:schemeClr val="lt1"/>
+          </a:fillRef>
+          <a:effectRef idx="0">
+            <a:schemeClr val="accent2"/>
+          </a:effectRef>
+          <a:fontRef idx="minor">
+            <a:schemeClr val="dk1"/>
+          </a:fontRef>
+        </p:style>
+        <p:txBody>
+          <a:bodyPr rtlCol="0" anchor="ctr"/>
+          <a:lstStyle/>
+          <a:p>
+            <a:pPr algn="ctr"/>
+            <a:endParaRPr lang="en-US"/>
+          </a:p>
+        </p:txBody>
+      </p:sp>
+    </p:spTree>
+    <p:extLst>
+      <p:ext uri="{BB962C8B-B14F-4D97-AF65-F5344CB8AC3E}">
+        <p14:creationId xmlns:p14="http://schemas.microsoft.com/office/powerpoint/2010/main" val="3986634595"/>
+      </p:ext>
+    </p:extLst>
+  </p:cSld>
+  <p:clrMapOvr>
+    <a:masterClrMapping/>
+  </p:clrMapOvr>
+</p:sld>
+</file>
+
+<file path=ppt/slides/slide14.xml><?xml version="1.0" encoding="utf-8"?>
+<p:sld xmlns:a="http://schemas.openxmlformats.org/drawingml/2006/main" xmlns:r="http://schemas.openxmlformats.org/officeDocument/2006/relationships" xmlns:p="http://schemas.openxmlformats.org/presentationml/2006/main">
+  <p:cSld>
+    <p:spTree>
+      <p:nvGrpSpPr>
+        <p:cNvPr id="1" name=""/>
+        <p:cNvGrpSpPr/>
+        <p:nvPr/>
+      </p:nvGrpSpPr>
+      <p:grpSpPr>
+        <a:xfrm>
+          <a:off x="0" y="0"/>
+          <a:ext cx="0" cy="0"/>
+          <a:chOff x="0" y="0"/>
+          <a:chExt cx="0" cy="0"/>
+        </a:xfrm>
+      </p:grpSpPr>
+      <p:pic>
+        <p:nvPicPr>
+          <p:cNvPr id="9" name="Picture 8">
+            <a:extLst>
+              <a:ext uri="{FF2B5EF4-FFF2-40B4-BE49-F238E27FC236}">
+                <a16:creationId xmlns:a16="http://schemas.microsoft.com/office/drawing/2014/main" id="{7D0BC9ED-4AE9-4F1D-8A49-A2B4BE8717F6}"/>
+              </a:ext>
+            </a:extLst>
+          </p:cNvPr>
+          <p:cNvPicPr>
+            <a:picLocks noChangeAspect="1"/>
+          </p:cNvPicPr>
+          <p:nvPr/>
+        </p:nvPicPr>
+        <p:blipFill>
+          <a:blip r:embed="rId2">
+            <a:extLst>
+              <a:ext uri="{28A0092B-C50C-407E-A947-70E740481C1C}">
+                <a14:useLocalDpi xmlns:a14="http://schemas.microsoft.com/office/drawing/2010/main" val="0"/>
+              </a:ext>
+            </a:extLst>
+          </a:blip>
+          <a:stretch>
+            <a:fillRect/>
+          </a:stretch>
+        </p:blipFill>
+        <p:spPr>
+          <a:xfrm>
+            <a:off x="4440952" y="3021040"/>
+            <a:ext cx="1128584" cy="1128584"/>
+          </a:xfrm>
+          <a:prstGeom prst="rect">
+            <a:avLst/>
+          </a:prstGeom>
+        </p:spPr>
+      </p:pic>
+      <p:pic>
+        <p:nvPicPr>
+          <p:cNvPr id="11" name="Picture 10">
+            <a:extLst>
+              <a:ext uri="{FF2B5EF4-FFF2-40B4-BE49-F238E27FC236}">
+                <a16:creationId xmlns:a16="http://schemas.microsoft.com/office/drawing/2014/main" id="{0E56CEDB-0587-41FD-A487-69B99B96ECFF}"/>
+              </a:ext>
+            </a:extLst>
+          </p:cNvPr>
+          <p:cNvPicPr>
+            <a:picLocks noChangeAspect="1"/>
+          </p:cNvPicPr>
+          <p:nvPr/>
+        </p:nvPicPr>
+        <p:blipFill>
+          <a:blip r:embed="rId3">
+            <a:extLst>
+              <a:ext uri="{28A0092B-C50C-407E-A947-70E740481C1C}">
+                <a14:useLocalDpi xmlns:a14="http://schemas.microsoft.com/office/drawing/2010/main" val="0"/>
+              </a:ext>
+            </a:extLst>
+          </a:blip>
+          <a:stretch>
+            <a:fillRect/>
+          </a:stretch>
+        </p:blipFill>
+        <p:spPr>
+          <a:xfrm>
+            <a:off x="6578864" y="3021041"/>
+            <a:ext cx="1128583" cy="1128583"/>
+          </a:xfrm>
+          <a:prstGeom prst="rect">
+            <a:avLst/>
+          </a:prstGeom>
+        </p:spPr>
+      </p:pic>
+      <p:pic>
+        <p:nvPicPr>
+          <p:cNvPr id="2" name="Picture 1">
+            <a:extLst>
+              <a:ext uri="{FF2B5EF4-FFF2-40B4-BE49-F238E27FC236}">
+                <a16:creationId xmlns:a16="http://schemas.microsoft.com/office/drawing/2014/main" id="{D692306A-440B-4AD4-A18B-735338F8BE57}"/>
+              </a:ext>
+            </a:extLst>
+          </p:cNvPr>
+          <p:cNvPicPr>
+            <a:picLocks noChangeAspect="1"/>
+          </p:cNvPicPr>
+          <p:nvPr/>
+        </p:nvPicPr>
+        <p:blipFill>
+          <a:blip r:embed="rId4">
+            <a:extLst>
+              <a:ext uri="{28A0092B-C50C-407E-A947-70E740481C1C}">
+                <a14:useLocalDpi xmlns:a14="http://schemas.microsoft.com/office/drawing/2010/main" val="0"/>
+              </a:ext>
+            </a:extLst>
+          </a:blip>
+          <a:stretch>
+            <a:fillRect/>
+          </a:stretch>
+        </p:blipFill>
+        <p:spPr>
+          <a:xfrm>
+            <a:off x="5542070" y="360394"/>
+            <a:ext cx="1107860" cy="1107860"/>
+          </a:xfrm>
+          <a:prstGeom prst="rect">
+            <a:avLst/>
+          </a:prstGeom>
+        </p:spPr>
+      </p:pic>
+      <p:pic>
+        <p:nvPicPr>
+          <p:cNvPr id="3" name="Picture 2">
+            <a:extLst>
+              <a:ext uri="{FF2B5EF4-FFF2-40B4-BE49-F238E27FC236}">
+                <a16:creationId xmlns:a16="http://schemas.microsoft.com/office/drawing/2014/main" id="{8B542071-450A-4BCD-9319-B8B26AA7FD4E}"/>
+              </a:ext>
+            </a:extLst>
+          </p:cNvPr>
+          <p:cNvPicPr>
+            <a:picLocks noChangeAspect="1"/>
+          </p:cNvPicPr>
+          <p:nvPr/>
+        </p:nvPicPr>
+        <p:blipFill>
+          <a:blip r:embed="rId5">
+            <a:extLst>
+              <a:ext uri="{28A0092B-C50C-407E-A947-70E740481C1C}">
+                <a14:useLocalDpi xmlns:a14="http://schemas.microsoft.com/office/drawing/2010/main" val="0"/>
+              </a:ext>
+            </a:extLst>
+          </a:blip>
+          <a:stretch>
+            <a:fillRect/>
+          </a:stretch>
+        </p:blipFill>
+        <p:spPr>
+          <a:xfrm>
+            <a:off x="2518654" y="4930224"/>
+            <a:ext cx="1181188" cy="1181188"/>
+          </a:xfrm>
+          <a:prstGeom prst="rect">
+            <a:avLst/>
+          </a:prstGeom>
+        </p:spPr>
+      </p:pic>
+      <p:pic>
+        <p:nvPicPr>
+          <p:cNvPr id="4" name="Picture 3">
+            <a:extLst>
+              <a:ext uri="{FF2B5EF4-FFF2-40B4-BE49-F238E27FC236}">
+                <a16:creationId xmlns:a16="http://schemas.microsoft.com/office/drawing/2014/main" id="{688A849E-99BC-4779-8655-DBB1E1D07394}"/>
+              </a:ext>
+            </a:extLst>
+          </p:cNvPr>
+          <p:cNvPicPr>
+            <a:picLocks noChangeAspect="1"/>
+          </p:cNvPicPr>
+          <p:nvPr/>
+        </p:nvPicPr>
+        <p:blipFill>
+          <a:blip r:embed="rId6">
+            <a:extLst>
+              <a:ext uri="{28A0092B-C50C-407E-A947-70E740481C1C}">
+                <a14:useLocalDpi xmlns:a14="http://schemas.microsoft.com/office/drawing/2010/main" val="0"/>
+              </a:ext>
+            </a:extLst>
+          </a:blip>
+          <a:stretch>
+            <a:fillRect/>
+          </a:stretch>
+        </p:blipFill>
+        <p:spPr>
+          <a:xfrm>
+            <a:off x="8492158" y="4927155"/>
+            <a:ext cx="1181188" cy="1181188"/>
+          </a:xfrm>
+          <a:prstGeom prst="rect">
+            <a:avLst/>
+          </a:prstGeom>
+        </p:spPr>
+      </p:pic>
+      <p:pic>
+        <p:nvPicPr>
+          <p:cNvPr id="6" name="Picture 5">
+            <a:extLst>
+              <a:ext uri="{FF2B5EF4-FFF2-40B4-BE49-F238E27FC236}">
+                <a16:creationId xmlns:a16="http://schemas.microsoft.com/office/drawing/2014/main" id="{32A37A09-C93A-4419-ACB0-2D26C53EB17F}"/>
+              </a:ext>
+            </a:extLst>
+          </p:cNvPr>
+          <p:cNvPicPr>
+            <a:picLocks noChangeAspect="1"/>
+          </p:cNvPicPr>
+          <p:nvPr/>
+        </p:nvPicPr>
+        <p:blipFill>
+          <a:blip r:embed="rId7">
+            <a:extLst>
+              <a:ext uri="{28A0092B-C50C-407E-A947-70E740481C1C}">
+                <a14:useLocalDpi xmlns:a14="http://schemas.microsoft.com/office/drawing/2010/main" val="0"/>
+              </a:ext>
+            </a:extLst>
+          </a:blip>
+          <a:stretch>
+            <a:fillRect/>
+          </a:stretch>
+        </p:blipFill>
+        <p:spPr>
+          <a:xfrm>
+            <a:off x="5542070" y="3021040"/>
+            <a:ext cx="1036794" cy="1036794"/>
+          </a:xfrm>
+          <a:prstGeom prst="rect">
+            <a:avLst/>
+          </a:prstGeom>
+        </p:spPr>
+      </p:pic>
+      <p:pic>
+        <p:nvPicPr>
+          <p:cNvPr id="13" name="Picture 2" descr="Free vector map of europe">
+            <a:extLst>
+              <a:ext uri="{FF2B5EF4-FFF2-40B4-BE49-F238E27FC236}">
+                <a16:creationId xmlns:a16="http://schemas.microsoft.com/office/drawing/2014/main" id="{D7621E10-7D28-4BE0-AF74-DEB19883EC56}"/>
+              </a:ext>
+            </a:extLst>
+          </p:cNvPr>
+          <p:cNvPicPr>
+            <a:picLocks noChangeAspect="1" noChangeArrowheads="1"/>
+          </p:cNvPicPr>
+          <p:nvPr/>
+        </p:nvPicPr>
+        <p:blipFill rotWithShape="1">
+          <a:blip r:embed="rId8">
+            <a:extLst>
+              <a:ext uri="{28A0092B-C50C-407E-A947-70E740481C1C}">
+                <a14:useLocalDpi xmlns:a14="http://schemas.microsoft.com/office/drawing/2010/main" val="0"/>
+              </a:ext>
+            </a:extLst>
+          </a:blip>
+          <a:srcRect l="7517" t="6670" r="5821" b="10142"/>
+          <a:stretch/>
+        </p:blipFill>
+        <p:spPr bwMode="auto">
+          <a:xfrm>
+            <a:off x="4337084" y="1811350"/>
+            <a:ext cx="3370363" cy="3235300"/>
+          </a:xfrm>
+          <a:prstGeom prst="rect">
+            <a:avLst/>
+          </a:prstGeom>
+          <a:noFill/>
+          <a:extLst>
+            <a:ext uri="{909E8E84-426E-40DD-AFC4-6F175D3DCCD1}">
+              <a14:hiddenFill xmlns:a14="http://schemas.microsoft.com/office/drawing/2010/main">
+                <a:solidFill>
+                  <a:srgbClr val="FFFFFF"/>
+                </a:solidFill>
+              </a14:hiddenFill>
+            </a:ext>
+          </a:extLst>
+        </p:spPr>
+      </p:pic>
+    </p:spTree>
+    <p:extLst>
+      <p:ext uri="{BB962C8B-B14F-4D97-AF65-F5344CB8AC3E}">
+        <p14:creationId xmlns:p14="http://schemas.microsoft.com/office/powerpoint/2010/main" val="3851024133"/>
+      </p:ext>
+    </p:extLst>
+  </p:cSld>
+  <p:clrMapOvr>
+    <a:masterClrMapping/>
+  </p:clrMapOvr>
+  <p:transition spd="slow">
+    <p:push dir="u"/>
+  </p:transition>
+  <p:timing>
+    <p:tnLst>
+      <p:par>
+        <p:cTn id="1" dur="indefinite" restart="never" nodeType="tmRoot">
+          <p:childTnLst>
+            <p:seq concurrent="1" nextAc="seek">
+              <p:cTn id="2" dur="indefinite" nodeType="mainSeq">
+                <p:childTnLst>
+                  <p:par>
+                    <p:cTn id="3" fill="hold">
+                      <p:stCondLst>
+                        <p:cond delay="indefinite"/>
+                      </p:stCondLst>
+                      <p:childTnLst>
+                        <p:par>
+                          <p:cTn id="4" fill="hold">
+                            <p:stCondLst>
+                              <p:cond delay="0"/>
+                            </p:stCondLst>
+                            <p:childTnLst>
+                              <p:par>
+                                <p:cTn id="5" presetID="10" presetClass="exit" presetSubtype="0" fill="hold" nodeType="clickEffect">
+                                  <p:stCondLst>
+                                    <p:cond delay="0"/>
+                                  </p:stCondLst>
+                                  <p:childTnLst>
+                                    <p:animEffect transition="out" filter="fade">
+                                      <p:cBhvr>
+                                        <p:cTn id="6" dur="500"/>
+                                        <p:tgtEl>
+                                          <p:spTgt spid="13"/>
+                                        </p:tgtEl>
+                                      </p:cBhvr>
+                                    </p:animEffect>
+                                    <p:set>
+                                      <p:cBhvr>
+                                        <p:cTn id="7" dur="1" fill="hold">
+                                          <p:stCondLst>
+                                            <p:cond delay="499"/>
+                                          </p:stCondLst>
+                                        </p:cTn>
+                                        <p:tgtEl>
+                                          <p:spTgt spid="13"/>
+                                        </p:tgtEl>
+                                        <p:attrNameLst>
+                                          <p:attrName>style.visibility</p:attrName>
+                                        </p:attrNameLst>
+                                      </p:cBhvr>
+                                      <p:to>
+                                        <p:strVal val="hidden"/>
+                                      </p:to>
+                                    </p:set>
+                                  </p:childTnLst>
+                                </p:cTn>
+                              </p:par>
+                            </p:childTnLst>
+                          </p:cTn>
+                        </p:par>
+                      </p:childTnLst>
+                    </p:cTn>
+                  </p:par>
+                </p:childTnLst>
+              </p:cTn>
+              <p:prevCondLst>
+                <p:cond evt="onPrev" delay="0">
+                  <p:tgtEl>
+                    <p:sldTgt/>
+                  </p:tgtEl>
+                </p:cond>
+              </p:prevCondLst>
+              <p:nextCondLst>
+                <p:cond evt="onNext" delay="0">
+                  <p:tgtEl>
+                    <p:sldTgt/>
+                  </p:tgtEl>
+                </p:cond>
+              </p:nextCondLst>
+            </p:seq>
+          </p:childTnLst>
+        </p:cTn>
+      </p:par>
+    </p:tnLst>
+  </p:timing>
+</p:sld>
+</file>
+
+<file path=ppt/slides/slide15.xml><?xml version="1.0" encoding="utf-8"?>
+<p:sld xmlns:a="http://schemas.openxmlformats.org/drawingml/2006/main" xmlns:r="http://schemas.openxmlformats.org/officeDocument/2006/relationships" xmlns:p="http://schemas.openxmlformats.org/presentationml/2006/main">
+  <p:cSld>
+    <p:spTree>
+      <p:nvGrpSpPr>
+        <p:cNvPr id="1" name=""/>
+        <p:cNvGrpSpPr/>
+        <p:nvPr/>
+      </p:nvGrpSpPr>
+      <p:grpSpPr>
+        <a:xfrm>
+          <a:off x="0" y="0"/>
+          <a:ext cx="0" cy="0"/>
+          <a:chOff x="0" y="0"/>
+          <a:chExt cx="0" cy="0"/>
+        </a:xfrm>
+      </p:grpSpPr>
+      <p:pic>
+        <p:nvPicPr>
+          <p:cNvPr id="2" name="Picture 1">
+            <a:extLst>
+              <a:ext uri="{FF2B5EF4-FFF2-40B4-BE49-F238E27FC236}">
+                <a16:creationId xmlns:a16="http://schemas.microsoft.com/office/drawing/2014/main" id="{C1648C97-555B-44B1-893C-C5E9BF342DDD}"/>
+              </a:ext>
+            </a:extLst>
+          </p:cNvPr>
+          <p:cNvPicPr>
+            <a:picLocks noChangeAspect="1"/>
+          </p:cNvPicPr>
+          <p:nvPr/>
+        </p:nvPicPr>
+        <p:blipFill>
+          <a:blip r:embed="rId2">
+            <a:extLst>
+              <a:ext uri="{28A0092B-C50C-407E-A947-70E740481C1C}">
+                <a14:useLocalDpi xmlns:a14="http://schemas.microsoft.com/office/drawing/2010/main" val="0"/>
+              </a:ext>
+            </a:extLst>
+          </a:blip>
+          <a:stretch>
+            <a:fillRect/>
+          </a:stretch>
+        </p:blipFill>
+        <p:spPr>
+          <a:xfrm>
+            <a:off x="423316" y="5460295"/>
+            <a:ext cx="1107860" cy="1107860"/>
+          </a:xfrm>
+          <a:prstGeom prst="rect">
+            <a:avLst/>
+          </a:prstGeom>
+        </p:spPr>
+      </p:pic>
+      <p:pic>
+        <p:nvPicPr>
+          <p:cNvPr id="5" name="Picture 4">
+            <a:extLst>
+              <a:ext uri="{FF2B5EF4-FFF2-40B4-BE49-F238E27FC236}">
+                <a16:creationId xmlns:a16="http://schemas.microsoft.com/office/drawing/2014/main" id="{FA6109DD-046D-4165-A77C-68C1F47AAA13}"/>
+              </a:ext>
+            </a:extLst>
+          </p:cNvPr>
+          <p:cNvPicPr>
+            <a:picLocks noChangeAspect="1"/>
+          </p:cNvPicPr>
+          <p:nvPr/>
+        </p:nvPicPr>
+        <p:blipFill>
+          <a:blip r:embed="rId3"/>
+          <a:stretch>
+            <a:fillRect/>
+          </a:stretch>
+        </p:blipFill>
+        <p:spPr>
+          <a:xfrm>
+            <a:off x="1602445" y="139075"/>
+            <a:ext cx="9847718" cy="6429080"/>
+          </a:xfrm>
+          <a:prstGeom prst="rect">
+            <a:avLst/>
+          </a:prstGeom>
+        </p:spPr>
+      </p:pic>
     </p:spTree>
     <p:extLst>
       <p:ext uri="{BB962C8B-B14F-4D97-AF65-F5344CB8AC3E}">
@@ -4489,6 +5710,384 @@
   <p:clrMapOvr>
     <a:masterClrMapping/>
   </p:clrMapOvr>
+  <p:transition spd="slow">
+    <p:push dir="u"/>
+  </p:transition>
+</p:sld>
+</file>
+
+<file path=ppt/slides/slide16.xml><?xml version="1.0" encoding="utf-8"?>
+<p:sld xmlns:a="http://schemas.openxmlformats.org/drawingml/2006/main" xmlns:r="http://schemas.openxmlformats.org/officeDocument/2006/relationships" xmlns:p="http://schemas.openxmlformats.org/presentationml/2006/main">
+  <p:cSld>
+    <p:spTree>
+      <p:nvGrpSpPr>
+        <p:cNvPr id="1" name=""/>
+        <p:cNvGrpSpPr/>
+        <p:nvPr/>
+      </p:nvGrpSpPr>
+      <p:grpSpPr>
+        <a:xfrm>
+          <a:off x="0" y="0"/>
+          <a:ext cx="0" cy="0"/>
+          <a:chOff x="0" y="0"/>
+          <a:chExt cx="0" cy="0"/>
+        </a:xfrm>
+      </p:grpSpPr>
+      <p:pic>
+        <p:nvPicPr>
+          <p:cNvPr id="3" name="Picture 2">
+            <a:extLst>
+              <a:ext uri="{FF2B5EF4-FFF2-40B4-BE49-F238E27FC236}">
+                <a16:creationId xmlns:a16="http://schemas.microsoft.com/office/drawing/2014/main" id="{04536279-D739-443C-9C70-1CB693A82D57}"/>
+              </a:ext>
+            </a:extLst>
+          </p:cNvPr>
+          <p:cNvPicPr>
+            <a:picLocks noChangeAspect="1"/>
+          </p:cNvPicPr>
+          <p:nvPr/>
+        </p:nvPicPr>
+        <p:blipFill>
+          <a:blip r:embed="rId2">
+            <a:extLst>
+              <a:ext uri="{28A0092B-C50C-407E-A947-70E740481C1C}">
+                <a14:useLocalDpi xmlns:a14="http://schemas.microsoft.com/office/drawing/2010/main" val="0"/>
+              </a:ext>
+            </a:extLst>
+          </a:blip>
+          <a:stretch>
+            <a:fillRect/>
+          </a:stretch>
+        </p:blipFill>
+        <p:spPr>
+          <a:xfrm>
+            <a:off x="423316" y="5386967"/>
+            <a:ext cx="1181188" cy="1181188"/>
+          </a:xfrm>
+          <a:prstGeom prst="rect">
+            <a:avLst/>
+          </a:prstGeom>
+        </p:spPr>
+      </p:pic>
+      <p:pic>
+        <p:nvPicPr>
+          <p:cNvPr id="5" name="Picture 4">
+            <a:extLst>
+              <a:ext uri="{FF2B5EF4-FFF2-40B4-BE49-F238E27FC236}">
+                <a16:creationId xmlns:a16="http://schemas.microsoft.com/office/drawing/2014/main" id="{B44B7FFA-2D24-47ED-AB73-F9EC9E237FFF}"/>
+              </a:ext>
+            </a:extLst>
+          </p:cNvPr>
+          <p:cNvPicPr>
+            <a:picLocks noChangeAspect="1"/>
+          </p:cNvPicPr>
+          <p:nvPr/>
+        </p:nvPicPr>
+        <p:blipFill>
+          <a:blip r:embed="rId3"/>
+          <a:stretch>
+            <a:fillRect/>
+          </a:stretch>
+        </p:blipFill>
+        <p:spPr>
+          <a:xfrm>
+            <a:off x="1901693" y="236756"/>
+            <a:ext cx="9548470" cy="6233717"/>
+          </a:xfrm>
+          <a:prstGeom prst="rect">
+            <a:avLst/>
+          </a:prstGeom>
+        </p:spPr>
+      </p:pic>
+    </p:spTree>
+    <p:extLst>
+      <p:ext uri="{BB962C8B-B14F-4D97-AF65-F5344CB8AC3E}">
+        <p14:creationId xmlns:p14="http://schemas.microsoft.com/office/powerpoint/2010/main" val="926063029"/>
+      </p:ext>
+    </p:extLst>
+  </p:cSld>
+  <p:clrMapOvr>
+    <a:masterClrMapping/>
+  </p:clrMapOvr>
+  <p:transition spd="slow">
+    <p:push dir="u"/>
+  </p:transition>
+</p:sld>
+</file>
+
+<file path=ppt/slides/slide17.xml><?xml version="1.0" encoding="utf-8"?>
+<p:sld xmlns:a="http://schemas.openxmlformats.org/drawingml/2006/main" xmlns:r="http://schemas.openxmlformats.org/officeDocument/2006/relationships" xmlns:p="http://schemas.openxmlformats.org/presentationml/2006/main">
+  <p:cSld>
+    <p:spTree>
+      <p:nvGrpSpPr>
+        <p:cNvPr id="1" name=""/>
+        <p:cNvGrpSpPr/>
+        <p:nvPr/>
+      </p:nvGrpSpPr>
+      <p:grpSpPr>
+        <a:xfrm>
+          <a:off x="0" y="0"/>
+          <a:ext cx="0" cy="0"/>
+          <a:chOff x="0" y="0"/>
+          <a:chExt cx="0" cy="0"/>
+        </a:xfrm>
+      </p:grpSpPr>
+      <p:pic>
+        <p:nvPicPr>
+          <p:cNvPr id="3" name="Picture 2">
+            <a:extLst>
+              <a:ext uri="{FF2B5EF4-FFF2-40B4-BE49-F238E27FC236}">
+                <a16:creationId xmlns:a16="http://schemas.microsoft.com/office/drawing/2014/main" id="{F6F5801D-A097-408C-A330-043FFE4724CA}"/>
+              </a:ext>
+            </a:extLst>
+          </p:cNvPr>
+          <p:cNvPicPr>
+            <a:picLocks noChangeAspect="1"/>
+          </p:cNvPicPr>
+          <p:nvPr/>
+        </p:nvPicPr>
+        <p:blipFill>
+          <a:blip r:embed="rId2">
+            <a:extLst>
+              <a:ext uri="{28A0092B-C50C-407E-A947-70E740481C1C}">
+                <a14:useLocalDpi xmlns:a14="http://schemas.microsoft.com/office/drawing/2010/main" val="0"/>
+              </a:ext>
+            </a:extLst>
+          </a:blip>
+          <a:stretch>
+            <a:fillRect/>
+          </a:stretch>
+        </p:blipFill>
+        <p:spPr>
+          <a:xfrm>
+            <a:off x="501318" y="5386967"/>
+            <a:ext cx="1181188" cy="1181188"/>
+          </a:xfrm>
+          <a:prstGeom prst="rect">
+            <a:avLst/>
+          </a:prstGeom>
+        </p:spPr>
+      </p:pic>
+      <p:pic>
+        <p:nvPicPr>
+          <p:cNvPr id="7" name="Picture 6">
+            <a:extLst>
+              <a:ext uri="{FF2B5EF4-FFF2-40B4-BE49-F238E27FC236}">
+                <a16:creationId xmlns:a16="http://schemas.microsoft.com/office/drawing/2014/main" id="{4A74094A-A0D5-4FFF-AF87-7326207414CF}"/>
+              </a:ext>
+            </a:extLst>
+          </p:cNvPr>
+          <p:cNvPicPr>
+            <a:picLocks noChangeAspect="1"/>
+          </p:cNvPicPr>
+          <p:nvPr/>
+        </p:nvPicPr>
+        <p:blipFill>
+          <a:blip r:embed="rId3"/>
+          <a:stretch>
+            <a:fillRect/>
+          </a:stretch>
+        </p:blipFill>
+        <p:spPr>
+          <a:xfrm>
+            <a:off x="2008414" y="306429"/>
+            <a:ext cx="9441749" cy="6164044"/>
+          </a:xfrm>
+          <a:prstGeom prst="rect">
+            <a:avLst/>
+          </a:prstGeom>
+        </p:spPr>
+      </p:pic>
+    </p:spTree>
+    <p:extLst>
+      <p:ext uri="{BB962C8B-B14F-4D97-AF65-F5344CB8AC3E}">
+        <p14:creationId xmlns:p14="http://schemas.microsoft.com/office/powerpoint/2010/main" val="2105198873"/>
+      </p:ext>
+    </p:extLst>
+  </p:cSld>
+  <p:clrMapOvr>
+    <a:masterClrMapping/>
+  </p:clrMapOvr>
+  <p:transition spd="slow">
+    <p:push dir="u"/>
+  </p:transition>
+</p:sld>
+</file>
+
+<file path=ppt/slides/slide18.xml><?xml version="1.0" encoding="utf-8"?>
+<p:sld xmlns:a="http://schemas.openxmlformats.org/drawingml/2006/main" xmlns:r="http://schemas.openxmlformats.org/officeDocument/2006/relationships" xmlns:p="http://schemas.openxmlformats.org/presentationml/2006/main">
+  <p:cSld>
+    <p:spTree>
+      <p:nvGrpSpPr>
+        <p:cNvPr id="1" name=""/>
+        <p:cNvGrpSpPr/>
+        <p:nvPr/>
+      </p:nvGrpSpPr>
+      <p:grpSpPr>
+        <a:xfrm>
+          <a:off x="0" y="0"/>
+          <a:ext cx="0" cy="0"/>
+          <a:chOff x="0" y="0"/>
+          <a:chExt cx="0" cy="0"/>
+        </a:xfrm>
+      </p:grpSpPr>
+      <p:pic>
+        <p:nvPicPr>
+          <p:cNvPr id="3" name="Picture 2">
+            <a:extLst>
+              <a:ext uri="{FF2B5EF4-FFF2-40B4-BE49-F238E27FC236}">
+                <a16:creationId xmlns:a16="http://schemas.microsoft.com/office/drawing/2014/main" id="{380B64F6-AB14-423B-9AB1-53CBD8A14B0C}"/>
+              </a:ext>
+            </a:extLst>
+          </p:cNvPr>
+          <p:cNvPicPr>
+            <a:picLocks noChangeAspect="1"/>
+          </p:cNvPicPr>
+          <p:nvPr/>
+        </p:nvPicPr>
+        <p:blipFill>
+          <a:blip r:embed="rId2"/>
+          <a:stretch>
+            <a:fillRect/>
+          </a:stretch>
+        </p:blipFill>
+        <p:spPr>
+          <a:xfrm>
+            <a:off x="843643" y="0"/>
+            <a:ext cx="10504714" cy="6858000"/>
+          </a:xfrm>
+          <a:prstGeom prst="rect">
+            <a:avLst/>
+          </a:prstGeom>
+        </p:spPr>
+      </p:pic>
+    </p:spTree>
+    <p:extLst>
+      <p:ext uri="{BB962C8B-B14F-4D97-AF65-F5344CB8AC3E}">
+        <p14:creationId xmlns:p14="http://schemas.microsoft.com/office/powerpoint/2010/main" val="854324733"/>
+      </p:ext>
+    </p:extLst>
+  </p:cSld>
+  <p:clrMapOvr>
+    <a:masterClrMapping/>
+  </p:clrMapOvr>
+  <p:transition spd="slow">
+    <p:push dir="u"/>
+  </p:transition>
+</p:sld>
+</file>
+
+<file path=ppt/slides/slide19.xml><?xml version="1.0" encoding="utf-8"?>
+<p:sld xmlns:a="http://schemas.openxmlformats.org/drawingml/2006/main" xmlns:r="http://schemas.openxmlformats.org/officeDocument/2006/relationships" xmlns:p="http://schemas.openxmlformats.org/presentationml/2006/main">
+  <p:cSld>
+    <p:spTree>
+      <p:nvGrpSpPr>
+        <p:cNvPr id="1" name=""/>
+        <p:cNvGrpSpPr/>
+        <p:nvPr/>
+      </p:nvGrpSpPr>
+      <p:grpSpPr>
+        <a:xfrm>
+          <a:off x="0" y="0"/>
+          <a:ext cx="0" cy="0"/>
+          <a:chOff x="0" y="0"/>
+          <a:chExt cx="0" cy="0"/>
+        </a:xfrm>
+      </p:grpSpPr>
+      <p:sp>
+        <p:nvSpPr>
+          <p:cNvPr id="2" name="TextBox 1">
+            <a:extLst>
+              <a:ext uri="{FF2B5EF4-FFF2-40B4-BE49-F238E27FC236}">
+                <a16:creationId xmlns:a16="http://schemas.microsoft.com/office/drawing/2014/main" id="{275CC6E7-12DD-45D7-B146-9D4253A73A5A}"/>
+              </a:ext>
+            </a:extLst>
+          </p:cNvPr>
+          <p:cNvSpPr txBox="1"/>
+          <p:nvPr/>
+        </p:nvSpPr>
+        <p:spPr>
+          <a:xfrm>
+            <a:off x="1613553" y="1159497"/>
+            <a:ext cx="8964891" cy="1015663"/>
+          </a:xfrm>
+          <a:prstGeom prst="rect">
+            <a:avLst/>
+          </a:prstGeom>
+          <a:noFill/>
+        </p:spPr>
+        <p:txBody>
+          <a:bodyPr wrap="square" rtlCol="0">
+            <a:spAutoFit/>
+          </a:bodyPr>
+          <a:lstStyle/>
+          <a:p>
+            <a:pPr algn="ctr"/>
+            <a:r>
+              <a:rPr lang="pl-PL" sz="6000" b="1" i="1" dirty="0" err="1">
+                <a:solidFill>
+                  <a:srgbClr val="002060"/>
+                </a:solidFill>
+              </a:rPr>
+              <a:t>Summary</a:t>
+            </a:r>
+            <a:endParaRPr lang="en-US" sz="6000" b="1" i="1" dirty="0">
+              <a:solidFill>
+                <a:srgbClr val="002060"/>
+              </a:solidFill>
+            </a:endParaRPr>
+          </a:p>
+        </p:txBody>
+      </p:sp>
+      <p:pic>
+        <p:nvPicPr>
+          <p:cNvPr id="4" name="Picture 3">
+            <a:extLst>
+              <a:ext uri="{FF2B5EF4-FFF2-40B4-BE49-F238E27FC236}">
+                <a16:creationId xmlns:a16="http://schemas.microsoft.com/office/drawing/2014/main" id="{1F8C62AD-0CD8-4321-B0BF-A8DB6A54EEF9}"/>
+              </a:ext>
+            </a:extLst>
+          </p:cNvPr>
+          <p:cNvPicPr>
+            <a:picLocks noChangeAspect="1"/>
+          </p:cNvPicPr>
+          <p:nvPr/>
+        </p:nvPicPr>
+        <p:blipFill>
+          <a:blip r:embed="rId2">
+            <a:extLst>
+              <a:ext uri="{28A0092B-C50C-407E-A947-70E740481C1C}">
+                <a14:useLocalDpi xmlns:a14="http://schemas.microsoft.com/office/drawing/2010/main" val="0"/>
+              </a:ext>
+            </a:extLst>
+          </a:blip>
+          <a:stretch>
+            <a:fillRect/>
+          </a:stretch>
+        </p:blipFill>
+        <p:spPr>
+          <a:xfrm>
+            <a:off x="4722981" y="2781692"/>
+            <a:ext cx="2746037" cy="2746037"/>
+          </a:xfrm>
+          <a:prstGeom prst="rect">
+            <a:avLst/>
+          </a:prstGeom>
+        </p:spPr>
+      </p:pic>
+    </p:spTree>
+    <p:extLst>
+      <p:ext uri="{BB962C8B-B14F-4D97-AF65-F5344CB8AC3E}">
+        <p14:creationId xmlns:p14="http://schemas.microsoft.com/office/powerpoint/2010/main" val="157505588"/>
+      </p:ext>
+    </p:extLst>
+  </p:cSld>
+  <p:clrMapOvr>
+    <a:masterClrMapping/>
+  </p:clrMapOvr>
+  <p:transition spd="slow">
+    <p:push dir="u"/>
+  </p:transition>
 </p:sld>
 </file>
 
@@ -4509,251 +6108,12 @@
           <a:chExt cx="0" cy="0"/>
         </a:xfrm>
       </p:grpSpPr>
-      <p:sp>
-        <p:nvSpPr>
-          <p:cNvPr id="2" name="TextBox 1">
-            <a:extLst>
-              <a:ext uri="{FF2B5EF4-FFF2-40B4-BE49-F238E27FC236}">
-                <a16:creationId xmlns:a16="http://schemas.microsoft.com/office/drawing/2014/main" id="{EF82BF8B-DD30-4A63-8C22-6B347C597F59}"/>
-              </a:ext>
-            </a:extLst>
-          </p:cNvPr>
-          <p:cNvSpPr txBox="1"/>
-          <p:nvPr/>
-        </p:nvSpPr>
-        <p:spPr>
-          <a:xfrm>
-            <a:off x="2127315" y="263951"/>
-            <a:ext cx="7937369" cy="584775"/>
-          </a:xfrm>
-          <a:prstGeom prst="rect">
-            <a:avLst/>
-          </a:prstGeom>
-          <a:noFill/>
-        </p:spPr>
-        <p:txBody>
-          <a:bodyPr wrap="square" rtlCol="0">
-            <a:spAutoFit/>
-          </a:bodyPr>
-          <a:lstStyle/>
-          <a:p>
-            <a:pPr algn="ctr"/>
-            <a:r>
-              <a:rPr lang="en-US" sz="3200" b="1" i="1" dirty="0" err="1">
-                <a:latin typeface="Arial" panose="020B0604020202020204" pitchFamily="34" charset="0"/>
-                <a:cs typeface="Arial" panose="020B0604020202020204" pitchFamily="34" charset="0"/>
-              </a:rPr>
-              <a:t>Inflacja</a:t>
-            </a:r>
-            <a:r>
-              <a:rPr lang="en-US" sz="3200" b="1" i="1" dirty="0">
-                <a:latin typeface="Arial" panose="020B0604020202020204" pitchFamily="34" charset="0"/>
-                <a:cs typeface="Arial" panose="020B0604020202020204" pitchFamily="34" charset="0"/>
-              </a:rPr>
-              <a:t> w </a:t>
-            </a:r>
-            <a:r>
-              <a:rPr lang="en-US" sz="3200" b="1" i="1" dirty="0" err="1">
-                <a:latin typeface="Arial" panose="020B0604020202020204" pitchFamily="34" charset="0"/>
-                <a:cs typeface="Arial" panose="020B0604020202020204" pitchFamily="34" charset="0"/>
-              </a:rPr>
-              <a:t>Polsce</a:t>
-            </a:r>
-            <a:endParaRPr lang="en-US" sz="3200" b="1" i="1" dirty="0">
-              <a:latin typeface="Arial" panose="020B0604020202020204" pitchFamily="34" charset="0"/>
-              <a:cs typeface="Arial" panose="020B0604020202020204" pitchFamily="34" charset="0"/>
-            </a:endParaRPr>
-          </a:p>
-        </p:txBody>
-      </p:sp>
-      <p:sp>
-        <p:nvSpPr>
-          <p:cNvPr id="3" name="TextBox 2">
-            <a:extLst>
-              <a:ext uri="{FF2B5EF4-FFF2-40B4-BE49-F238E27FC236}">
-                <a16:creationId xmlns:a16="http://schemas.microsoft.com/office/drawing/2014/main" id="{40672C79-A8C7-41BA-9D6D-AEE1D35260A0}"/>
-              </a:ext>
-            </a:extLst>
-          </p:cNvPr>
-          <p:cNvSpPr txBox="1"/>
-          <p:nvPr/>
-        </p:nvSpPr>
-        <p:spPr>
-          <a:xfrm>
-            <a:off x="664590" y="1208188"/>
-            <a:ext cx="6815579" cy="2693045"/>
-          </a:xfrm>
-          <a:prstGeom prst="rect">
-            <a:avLst/>
-          </a:prstGeom>
-          <a:noFill/>
-        </p:spPr>
-        <p:txBody>
-          <a:bodyPr wrap="square" rtlCol="0">
-            <a:spAutoFit/>
-          </a:bodyPr>
-          <a:lstStyle/>
-          <a:p>
-            <a:pPr marL="285750" indent="-285750">
-              <a:spcBef>
-                <a:spcPts val="600"/>
-              </a:spcBef>
-              <a:buFont typeface="Arial" panose="020B0604020202020204" pitchFamily="34" charset="0"/>
-              <a:buChar char="•"/>
-            </a:pPr>
-            <a:r>
-              <a:rPr lang="pl-PL" b="1" dirty="0">
-                <a:latin typeface="Arial" panose="020B0604020202020204" pitchFamily="34" charset="0"/>
-                <a:cs typeface="Arial" panose="020B0604020202020204" pitchFamily="34" charset="0"/>
-              </a:rPr>
-              <a:t>Inflacja</a:t>
-            </a:r>
-            <a:r>
-              <a:rPr lang="pl-PL" dirty="0">
-                <a:latin typeface="Arial" panose="020B0604020202020204" pitchFamily="34" charset="0"/>
-                <a:cs typeface="Arial" panose="020B0604020202020204" pitchFamily="34" charset="0"/>
-              </a:rPr>
-              <a:t> – jest wzrostem poziomu cen w gospodarce</a:t>
-            </a:r>
-          </a:p>
-          <a:p>
-            <a:pPr marL="285750" indent="-285750">
-              <a:spcBef>
-                <a:spcPts val="600"/>
-              </a:spcBef>
-              <a:buFont typeface="Arial" panose="020B0604020202020204" pitchFamily="34" charset="0"/>
-              <a:buChar char="•"/>
-            </a:pPr>
-            <a:r>
-              <a:rPr lang="pl-PL" dirty="0">
-                <a:latin typeface="Arial" panose="020B0604020202020204" pitchFamily="34" charset="0"/>
-                <a:cs typeface="Arial" panose="020B0604020202020204" pitchFamily="34" charset="0"/>
-              </a:rPr>
-              <a:t>W literaturze ekonomicznej często spotyka się podział inflacji na cztery kategorie:</a:t>
-            </a:r>
-          </a:p>
-          <a:p>
-            <a:pPr marL="742950" lvl="1" indent="-285750">
-              <a:spcBef>
-                <a:spcPts val="600"/>
-              </a:spcBef>
-              <a:buFont typeface="Courier New" panose="02070309020205020404" pitchFamily="49" charset="0"/>
-              <a:buChar char="o"/>
-            </a:pPr>
-            <a:r>
-              <a:rPr lang="pl-PL" dirty="0">
-                <a:solidFill>
-                  <a:srgbClr val="92D050"/>
-                </a:solidFill>
-                <a:latin typeface="Arial" panose="020B0604020202020204" pitchFamily="34" charset="0"/>
-                <a:cs typeface="Arial" panose="020B0604020202020204" pitchFamily="34" charset="0"/>
-              </a:rPr>
-              <a:t>Pełzająca </a:t>
-            </a:r>
-            <a:r>
-              <a:rPr lang="pl-PL" dirty="0">
-                <a:latin typeface="Arial" panose="020B0604020202020204" pitchFamily="34" charset="0"/>
-                <a:cs typeface="Arial" panose="020B0604020202020204" pitchFamily="34" charset="0"/>
-              </a:rPr>
-              <a:t>(&lt; 5%)</a:t>
-            </a:r>
-          </a:p>
-          <a:p>
-            <a:pPr marL="742950" lvl="1" indent="-285750">
-              <a:spcBef>
-                <a:spcPts val="600"/>
-              </a:spcBef>
-              <a:buFont typeface="Courier New" panose="02070309020205020404" pitchFamily="49" charset="0"/>
-              <a:buChar char="o"/>
-            </a:pPr>
-            <a:r>
-              <a:rPr lang="pl-PL" dirty="0">
-                <a:solidFill>
-                  <a:srgbClr val="FFC000"/>
-                </a:solidFill>
-                <a:latin typeface="Arial" panose="020B0604020202020204" pitchFamily="34" charset="0"/>
-                <a:cs typeface="Arial" panose="020B0604020202020204" pitchFamily="34" charset="0"/>
-              </a:rPr>
-              <a:t>Krocząca </a:t>
-            </a:r>
-            <a:r>
-              <a:rPr lang="pl-PL" dirty="0">
-                <a:latin typeface="Arial" panose="020B0604020202020204" pitchFamily="34" charset="0"/>
-                <a:cs typeface="Arial" panose="020B0604020202020204" pitchFamily="34" charset="0"/>
-              </a:rPr>
-              <a:t>(5-10%)</a:t>
-            </a:r>
-          </a:p>
-          <a:p>
-            <a:pPr marL="742950" lvl="1" indent="-285750">
-              <a:spcBef>
-                <a:spcPts val="600"/>
-              </a:spcBef>
-              <a:buFont typeface="Courier New" panose="02070309020205020404" pitchFamily="49" charset="0"/>
-              <a:buChar char="o"/>
-            </a:pPr>
-            <a:r>
-              <a:rPr lang="pl-PL" dirty="0">
-                <a:solidFill>
-                  <a:srgbClr val="FF0000"/>
-                </a:solidFill>
-                <a:latin typeface="Arial" panose="020B0604020202020204" pitchFamily="34" charset="0"/>
-                <a:cs typeface="Arial" panose="020B0604020202020204" pitchFamily="34" charset="0"/>
-              </a:rPr>
-              <a:t>Galopująca </a:t>
-            </a:r>
-            <a:r>
-              <a:rPr lang="pl-PL" dirty="0">
-                <a:latin typeface="Arial" panose="020B0604020202020204" pitchFamily="34" charset="0"/>
-                <a:cs typeface="Arial" panose="020B0604020202020204" pitchFamily="34" charset="0"/>
-              </a:rPr>
-              <a:t>(10-100%)</a:t>
-            </a:r>
-          </a:p>
-          <a:p>
-            <a:pPr marL="742950" lvl="1" indent="-285750">
-              <a:spcBef>
-                <a:spcPts val="600"/>
-              </a:spcBef>
-              <a:buFont typeface="Courier New" panose="02070309020205020404" pitchFamily="49" charset="0"/>
-              <a:buChar char="o"/>
-            </a:pPr>
-            <a:r>
-              <a:rPr lang="pl-PL" dirty="0">
-                <a:solidFill>
-                  <a:srgbClr val="C00000"/>
-                </a:solidFill>
-                <a:latin typeface="Arial" panose="020B0604020202020204" pitchFamily="34" charset="0"/>
-                <a:cs typeface="Arial" panose="020B0604020202020204" pitchFamily="34" charset="0"/>
-              </a:rPr>
-              <a:t>Hiperinflacja </a:t>
-            </a:r>
-            <a:r>
-              <a:rPr lang="pl-PL" dirty="0">
-                <a:latin typeface="Arial" panose="020B0604020202020204" pitchFamily="34" charset="0"/>
-                <a:cs typeface="Arial" panose="020B0604020202020204" pitchFamily="34" charset="0"/>
-              </a:rPr>
-              <a:t>(&gt; 100%)</a:t>
-            </a:r>
-          </a:p>
-          <a:p>
-            <a:pPr marL="742950" lvl="1" indent="-285750">
-              <a:buFont typeface="Arial" panose="020B0604020202020204" pitchFamily="34" charset="0"/>
-              <a:buChar char="•"/>
-            </a:pPr>
-            <a:endParaRPr lang="en-US" dirty="0">
-              <a:latin typeface="Arial" panose="020B0604020202020204" pitchFamily="34" charset="0"/>
-              <a:cs typeface="Arial" panose="020B0604020202020204" pitchFamily="34" charset="0"/>
-            </a:endParaRPr>
-          </a:p>
-        </p:txBody>
-      </p:sp>
       <p:pic>
         <p:nvPicPr>
-          <p:cNvPr id="5" name="Picture 4">
+          <p:cNvPr id="10" name="Picture 9">
             <a:extLst>
               <a:ext uri="{FF2B5EF4-FFF2-40B4-BE49-F238E27FC236}">
-                <a16:creationId xmlns:a16="http://schemas.microsoft.com/office/drawing/2014/main" id="{9A37142D-DCD7-4EDE-9F45-2833AC02AD85}"/>
+                <a16:creationId xmlns:a16="http://schemas.microsoft.com/office/drawing/2014/main" id="{B3E75CC2-B0EB-4B9B-B9FB-345F1F82A270}"/>
               </a:ext>
             </a:extLst>
           </p:cNvPr>
@@ -4770,14 +6130,293 @@
         </p:blipFill>
         <p:spPr>
           <a:xfrm>
-            <a:off x="3858215" y="1894788"/>
-            <a:ext cx="8013275" cy="4963212"/>
+            <a:off x="4549946" y="2071115"/>
+            <a:ext cx="7194280" cy="4968777"/>
           </a:xfrm>
           <a:prstGeom prst="rect">
             <a:avLst/>
           </a:prstGeom>
         </p:spPr>
       </p:pic>
+      <p:sp>
+        <p:nvSpPr>
+          <p:cNvPr id="2" name="TextBox 1">
+            <a:extLst>
+              <a:ext uri="{FF2B5EF4-FFF2-40B4-BE49-F238E27FC236}">
+                <a16:creationId xmlns:a16="http://schemas.microsoft.com/office/drawing/2014/main" id="{EF82BF8B-DD30-4A63-8C22-6B347C597F59}"/>
+              </a:ext>
+            </a:extLst>
+          </p:cNvPr>
+          <p:cNvSpPr txBox="1"/>
+          <p:nvPr/>
+        </p:nvSpPr>
+        <p:spPr>
+          <a:xfrm>
+            <a:off x="2127315" y="263951"/>
+            <a:ext cx="7937369" cy="584775"/>
+          </a:xfrm>
+          <a:prstGeom prst="rect">
+            <a:avLst/>
+          </a:prstGeom>
+          <a:noFill/>
+        </p:spPr>
+        <p:txBody>
+          <a:bodyPr wrap="square" rtlCol="0">
+            <a:spAutoFit/>
+          </a:bodyPr>
+          <a:lstStyle/>
+          <a:p>
+            <a:pPr algn="ctr"/>
+            <a:r>
+              <a:rPr lang="en-US" sz="3200" b="1" i="1" dirty="0" err="1">
+                <a:latin typeface="Arial" panose="020B0604020202020204" pitchFamily="34" charset="0"/>
+                <a:cs typeface="Arial" panose="020B0604020202020204" pitchFamily="34" charset="0"/>
+              </a:rPr>
+              <a:t>Inflacja</a:t>
+            </a:r>
+            <a:r>
+              <a:rPr lang="en-US" sz="3200" b="1" i="1" dirty="0">
+                <a:latin typeface="Arial" panose="020B0604020202020204" pitchFamily="34" charset="0"/>
+                <a:cs typeface="Arial" panose="020B0604020202020204" pitchFamily="34" charset="0"/>
+              </a:rPr>
+              <a:t> w </a:t>
+            </a:r>
+            <a:r>
+              <a:rPr lang="en-US" sz="3200" b="1" i="1" dirty="0" err="1">
+                <a:latin typeface="Arial" panose="020B0604020202020204" pitchFamily="34" charset="0"/>
+                <a:cs typeface="Arial" panose="020B0604020202020204" pitchFamily="34" charset="0"/>
+              </a:rPr>
+              <a:t>Polsce</a:t>
+            </a:r>
+            <a:endParaRPr lang="en-US" sz="3200" b="1" i="1" dirty="0">
+              <a:latin typeface="Arial" panose="020B0604020202020204" pitchFamily="34" charset="0"/>
+              <a:cs typeface="Arial" panose="020B0604020202020204" pitchFamily="34" charset="0"/>
+            </a:endParaRPr>
+          </a:p>
+        </p:txBody>
+      </p:sp>
+      <p:sp>
+        <p:nvSpPr>
+          <p:cNvPr id="3" name="TextBox 2">
+            <a:extLst>
+              <a:ext uri="{FF2B5EF4-FFF2-40B4-BE49-F238E27FC236}">
+                <a16:creationId xmlns:a16="http://schemas.microsoft.com/office/drawing/2014/main" id="{40672C79-A8C7-41BA-9D6D-AEE1D35260A0}"/>
+              </a:ext>
+            </a:extLst>
+          </p:cNvPr>
+          <p:cNvSpPr txBox="1"/>
+          <p:nvPr/>
+        </p:nvSpPr>
+        <p:spPr>
+          <a:xfrm>
+            <a:off x="664590" y="1208188"/>
+            <a:ext cx="6815579" cy="2693045"/>
+          </a:xfrm>
+          <a:prstGeom prst="rect">
+            <a:avLst/>
+          </a:prstGeom>
+          <a:noFill/>
+        </p:spPr>
+        <p:txBody>
+          <a:bodyPr wrap="square" rtlCol="0">
+            <a:spAutoFit/>
+          </a:bodyPr>
+          <a:lstStyle/>
+          <a:p>
+            <a:pPr marL="285750" indent="-285750">
+              <a:spcBef>
+                <a:spcPts val="600"/>
+              </a:spcBef>
+              <a:buFont typeface="Arial" panose="020B0604020202020204" pitchFamily="34" charset="0"/>
+              <a:buChar char="•"/>
+            </a:pPr>
+            <a:r>
+              <a:rPr lang="pl-PL" b="1" dirty="0">
+                <a:latin typeface="Arial" panose="020B0604020202020204" pitchFamily="34" charset="0"/>
+                <a:cs typeface="Arial" panose="020B0604020202020204" pitchFamily="34" charset="0"/>
+              </a:rPr>
+              <a:t>Inflacja</a:t>
+            </a:r>
+            <a:r>
+              <a:rPr lang="pl-PL" dirty="0">
+                <a:latin typeface="Arial" panose="020B0604020202020204" pitchFamily="34" charset="0"/>
+                <a:cs typeface="Arial" panose="020B0604020202020204" pitchFamily="34" charset="0"/>
+              </a:rPr>
+              <a:t> – jest wzrostem poziomu cen w gospodarce</a:t>
+            </a:r>
+          </a:p>
+          <a:p>
+            <a:pPr marL="285750" indent="-285750">
+              <a:spcBef>
+                <a:spcPts val="600"/>
+              </a:spcBef>
+              <a:buFont typeface="Arial" panose="020B0604020202020204" pitchFamily="34" charset="0"/>
+              <a:buChar char="•"/>
+            </a:pPr>
+            <a:r>
+              <a:rPr lang="pl-PL" dirty="0">
+                <a:latin typeface="Arial" panose="020B0604020202020204" pitchFamily="34" charset="0"/>
+                <a:cs typeface="Arial" panose="020B0604020202020204" pitchFamily="34" charset="0"/>
+              </a:rPr>
+              <a:t>W literaturze ekonomicznej często spotyka się podział inflacji na cztery kategorie:</a:t>
+            </a:r>
+          </a:p>
+          <a:p>
+            <a:pPr marL="742950" lvl="1" indent="-285750">
+              <a:spcBef>
+                <a:spcPts val="600"/>
+              </a:spcBef>
+              <a:buFont typeface="Courier New" panose="02070309020205020404" pitchFamily="49" charset="0"/>
+              <a:buChar char="o"/>
+            </a:pPr>
+            <a:r>
+              <a:rPr lang="pl-PL" b="1" dirty="0">
+                <a:solidFill>
+                  <a:srgbClr val="92D050"/>
+                </a:solidFill>
+                <a:latin typeface="Arial" panose="020B0604020202020204" pitchFamily="34" charset="0"/>
+                <a:cs typeface="Arial" panose="020B0604020202020204" pitchFamily="34" charset="0"/>
+              </a:rPr>
+              <a:t>Pełzająca</a:t>
+            </a:r>
+            <a:r>
+              <a:rPr lang="pl-PL" dirty="0">
+                <a:solidFill>
+                  <a:srgbClr val="92D050"/>
+                </a:solidFill>
+                <a:latin typeface="Arial" panose="020B0604020202020204" pitchFamily="34" charset="0"/>
+                <a:cs typeface="Arial" panose="020B0604020202020204" pitchFamily="34" charset="0"/>
+              </a:rPr>
+              <a:t> </a:t>
+            </a:r>
+            <a:r>
+              <a:rPr lang="pl-PL" dirty="0">
+                <a:latin typeface="Arial" panose="020B0604020202020204" pitchFamily="34" charset="0"/>
+                <a:cs typeface="Arial" panose="020B0604020202020204" pitchFamily="34" charset="0"/>
+              </a:rPr>
+              <a:t>(&lt; 5%)</a:t>
+            </a:r>
+          </a:p>
+          <a:p>
+            <a:pPr marL="742950" lvl="1" indent="-285750">
+              <a:spcBef>
+                <a:spcPts val="600"/>
+              </a:spcBef>
+              <a:buFont typeface="Courier New" panose="02070309020205020404" pitchFamily="49" charset="0"/>
+              <a:buChar char="o"/>
+            </a:pPr>
+            <a:r>
+              <a:rPr lang="pl-PL" b="1" dirty="0">
+                <a:solidFill>
+                  <a:srgbClr val="FFC000"/>
+                </a:solidFill>
+                <a:latin typeface="Arial" panose="020B0604020202020204" pitchFamily="34" charset="0"/>
+                <a:cs typeface="Arial" panose="020B0604020202020204" pitchFamily="34" charset="0"/>
+              </a:rPr>
+              <a:t>Krocząca</a:t>
+            </a:r>
+            <a:r>
+              <a:rPr lang="pl-PL" dirty="0">
+                <a:solidFill>
+                  <a:srgbClr val="FFC000"/>
+                </a:solidFill>
+                <a:latin typeface="Arial" panose="020B0604020202020204" pitchFamily="34" charset="0"/>
+                <a:cs typeface="Arial" panose="020B0604020202020204" pitchFamily="34" charset="0"/>
+              </a:rPr>
+              <a:t> </a:t>
+            </a:r>
+            <a:r>
+              <a:rPr lang="pl-PL" dirty="0">
+                <a:latin typeface="Arial" panose="020B0604020202020204" pitchFamily="34" charset="0"/>
+                <a:cs typeface="Arial" panose="020B0604020202020204" pitchFamily="34" charset="0"/>
+              </a:rPr>
+              <a:t>(5-10%)</a:t>
+            </a:r>
+          </a:p>
+          <a:p>
+            <a:pPr marL="742950" lvl="1" indent="-285750">
+              <a:spcBef>
+                <a:spcPts val="600"/>
+              </a:spcBef>
+              <a:buFont typeface="Courier New" panose="02070309020205020404" pitchFamily="49" charset="0"/>
+              <a:buChar char="o"/>
+            </a:pPr>
+            <a:r>
+              <a:rPr lang="pl-PL" b="1" dirty="0">
+                <a:solidFill>
+                  <a:srgbClr val="FF0000"/>
+                </a:solidFill>
+                <a:latin typeface="Arial" panose="020B0604020202020204" pitchFamily="34" charset="0"/>
+                <a:cs typeface="Arial" panose="020B0604020202020204" pitchFamily="34" charset="0"/>
+              </a:rPr>
+              <a:t>Galopująca</a:t>
+            </a:r>
+            <a:r>
+              <a:rPr lang="pl-PL" dirty="0">
+                <a:solidFill>
+                  <a:srgbClr val="FF0000"/>
+                </a:solidFill>
+                <a:latin typeface="Arial" panose="020B0604020202020204" pitchFamily="34" charset="0"/>
+                <a:cs typeface="Arial" panose="020B0604020202020204" pitchFamily="34" charset="0"/>
+              </a:rPr>
+              <a:t> </a:t>
+            </a:r>
+            <a:r>
+              <a:rPr lang="pl-PL" dirty="0">
+                <a:latin typeface="Arial" panose="020B0604020202020204" pitchFamily="34" charset="0"/>
+                <a:cs typeface="Arial" panose="020B0604020202020204" pitchFamily="34" charset="0"/>
+              </a:rPr>
+              <a:t>(10-100%)</a:t>
+            </a:r>
+          </a:p>
+          <a:p>
+            <a:pPr marL="742950" lvl="1" indent="-285750">
+              <a:spcBef>
+                <a:spcPts val="600"/>
+              </a:spcBef>
+              <a:buFont typeface="Courier New" panose="02070309020205020404" pitchFamily="49" charset="0"/>
+              <a:buChar char="o"/>
+            </a:pPr>
+            <a:r>
+              <a:rPr lang="pl-PL" b="1" dirty="0">
+                <a:solidFill>
+                  <a:srgbClr val="C00000"/>
+                </a:solidFill>
+                <a:latin typeface="Arial" panose="020B0604020202020204" pitchFamily="34" charset="0"/>
+                <a:cs typeface="Arial" panose="020B0604020202020204" pitchFamily="34" charset="0"/>
+              </a:rPr>
+              <a:t>Hiperinflacja</a:t>
+            </a:r>
+            <a:r>
+              <a:rPr lang="pl-PL" dirty="0">
+                <a:solidFill>
+                  <a:srgbClr val="C00000"/>
+                </a:solidFill>
+                <a:latin typeface="Arial" panose="020B0604020202020204" pitchFamily="34" charset="0"/>
+                <a:cs typeface="Arial" panose="020B0604020202020204" pitchFamily="34" charset="0"/>
+              </a:rPr>
+              <a:t> </a:t>
+            </a:r>
+            <a:r>
+              <a:rPr lang="pl-PL" dirty="0">
+                <a:latin typeface="Arial" panose="020B0604020202020204" pitchFamily="34" charset="0"/>
+                <a:cs typeface="Arial" panose="020B0604020202020204" pitchFamily="34" charset="0"/>
+              </a:rPr>
+              <a:t>(&gt; 100%)</a:t>
+            </a:r>
+          </a:p>
+          <a:p>
+            <a:pPr marL="742950" lvl="1" indent="-285750">
+              <a:buFont typeface="Arial" panose="020B0604020202020204" pitchFamily="34" charset="0"/>
+              <a:buChar char="•"/>
+            </a:pPr>
+            <a:endParaRPr lang="en-US" dirty="0">
+              <a:latin typeface="Arial" panose="020B0604020202020204" pitchFamily="34" charset="0"/>
+              <a:cs typeface="Arial" panose="020B0604020202020204" pitchFamily="34" charset="0"/>
+            </a:endParaRPr>
+          </a:p>
+        </p:txBody>
+      </p:sp>
       <p:sp>
         <p:nvSpPr>
           <p:cNvPr id="6" name="Rectangle 5">
@@ -4792,8 +6431,8 @@
         </p:nvSpPr>
         <p:spPr>
           <a:xfrm>
-            <a:off x="4666268" y="2677214"/>
-            <a:ext cx="5910606" cy="3436072"/>
+            <a:off x="5656082" y="2922310"/>
+            <a:ext cx="4986780" cy="3190976"/>
           </a:xfrm>
           <a:prstGeom prst="rect">
             <a:avLst/>
@@ -4844,8 +6483,8 @@
         </p:nvSpPr>
         <p:spPr>
           <a:xfrm>
-            <a:off x="10576874" y="2677213"/>
-            <a:ext cx="622169" cy="3436073"/>
+            <a:off x="10642863" y="2922310"/>
+            <a:ext cx="471340" cy="3190976"/>
           </a:xfrm>
           <a:prstGeom prst="rect">
             <a:avLst/>
@@ -4896,8 +6535,8 @@
         </p:nvSpPr>
         <p:spPr>
           <a:xfrm>
-            <a:off x="11199043" y="2677213"/>
-            <a:ext cx="311085" cy="3436072"/>
+            <a:off x="11114204" y="2922309"/>
+            <a:ext cx="320510" cy="3190976"/>
           </a:xfrm>
           <a:prstGeom prst="rect">
             <a:avLst/>
@@ -4944,6 +6583,1291 @@
   <p:clrMapOvr>
     <a:masterClrMapping/>
   </p:clrMapOvr>
+  <p:transition spd="slow">
+    <p:push dir="u"/>
+  </p:transition>
+  <p:timing>
+    <p:tnLst>
+      <p:par>
+        <p:cTn id="1" dur="indefinite" restart="never" nodeType="tmRoot">
+          <p:childTnLst>
+            <p:seq concurrent="1" nextAc="seek">
+              <p:cTn id="2" dur="indefinite" nodeType="mainSeq">
+                <p:childTnLst>
+                  <p:par>
+                    <p:cTn id="3" fill="hold">
+                      <p:stCondLst>
+                        <p:cond delay="indefinite"/>
+                      </p:stCondLst>
+                      <p:childTnLst>
+                        <p:par>
+                          <p:cTn id="4" fill="hold">
+                            <p:stCondLst>
+                              <p:cond delay="0"/>
+                            </p:stCondLst>
+                            <p:childTnLst>
+                              <p:par>
+                                <p:cTn id="5" presetID="2" presetClass="entr" presetSubtype="2" fill="hold" grpId="0" nodeType="clickEffect">
+                                  <p:stCondLst>
+                                    <p:cond delay="0"/>
+                                  </p:stCondLst>
+                                  <p:childTnLst>
+                                    <p:set>
+                                      <p:cBhvr>
+                                        <p:cTn id="6" dur="1" fill="hold">
+                                          <p:stCondLst>
+                                            <p:cond delay="0"/>
+                                          </p:stCondLst>
+                                        </p:cTn>
+                                        <p:tgtEl>
+                                          <p:spTgt spid="3">
+                                            <p:txEl>
+                                              <p:pRg st="0" end="0"/>
+                                            </p:txEl>
+                                          </p:spTgt>
+                                        </p:tgtEl>
+                                        <p:attrNameLst>
+                                          <p:attrName>style.visibility</p:attrName>
+                                        </p:attrNameLst>
+                                      </p:cBhvr>
+                                      <p:to>
+                                        <p:strVal val="visible"/>
+                                      </p:to>
+                                    </p:set>
+                                    <p:anim calcmode="lin" valueType="num">
+                                      <p:cBhvr additive="base">
+                                        <p:cTn id="7" dur="750" fill="hold"/>
+                                        <p:tgtEl>
+                                          <p:spTgt spid="3">
+                                            <p:txEl>
+                                              <p:pRg st="0" end="0"/>
+                                            </p:txEl>
+                                          </p:spTgt>
+                                        </p:tgtEl>
+                                        <p:attrNameLst>
+                                          <p:attrName>ppt_x</p:attrName>
+                                        </p:attrNameLst>
+                                      </p:cBhvr>
+                                      <p:tavLst>
+                                        <p:tav tm="0">
+                                          <p:val>
+                                            <p:strVal val="1+#ppt_w/2"/>
+                                          </p:val>
+                                        </p:tav>
+                                        <p:tav tm="100000">
+                                          <p:val>
+                                            <p:strVal val="#ppt_x"/>
+                                          </p:val>
+                                        </p:tav>
+                                      </p:tavLst>
+                                    </p:anim>
+                                    <p:anim calcmode="lin" valueType="num">
+                                      <p:cBhvr additive="base">
+                                        <p:cTn id="8" dur="750" fill="hold"/>
+                                        <p:tgtEl>
+                                          <p:spTgt spid="3">
+                                            <p:txEl>
+                                              <p:pRg st="0" end="0"/>
+                                            </p:txEl>
+                                          </p:spTgt>
+                                        </p:tgtEl>
+                                        <p:attrNameLst>
+                                          <p:attrName>ppt_y</p:attrName>
+                                        </p:attrNameLst>
+                                      </p:cBhvr>
+                                      <p:tavLst>
+                                        <p:tav tm="0">
+                                          <p:val>
+                                            <p:strVal val="#ppt_y"/>
+                                          </p:val>
+                                        </p:tav>
+                                        <p:tav tm="100000">
+                                          <p:val>
+                                            <p:strVal val="#ppt_y"/>
+                                          </p:val>
+                                        </p:tav>
+                                      </p:tavLst>
+                                    </p:anim>
+                                  </p:childTnLst>
+                                </p:cTn>
+                              </p:par>
+                              <p:par>
+                                <p:cTn id="9" presetID="10" presetClass="entr" presetSubtype="0" fill="hold" nodeType="withEffect">
+                                  <p:stCondLst>
+                                    <p:cond delay="0"/>
+                                  </p:stCondLst>
+                                  <p:childTnLst>
+                                    <p:set>
+                                      <p:cBhvr>
+                                        <p:cTn id="10" dur="1" fill="hold">
+                                          <p:stCondLst>
+                                            <p:cond delay="0"/>
+                                          </p:stCondLst>
+                                        </p:cTn>
+                                        <p:tgtEl>
+                                          <p:spTgt spid="10"/>
+                                        </p:tgtEl>
+                                        <p:attrNameLst>
+                                          <p:attrName>style.visibility</p:attrName>
+                                        </p:attrNameLst>
+                                      </p:cBhvr>
+                                      <p:to>
+                                        <p:strVal val="visible"/>
+                                      </p:to>
+                                    </p:set>
+                                    <p:animEffect transition="in" filter="fade">
+                                      <p:cBhvr>
+                                        <p:cTn id="11" dur="500"/>
+                                        <p:tgtEl>
+                                          <p:spTgt spid="10"/>
+                                        </p:tgtEl>
+                                      </p:cBhvr>
+                                    </p:animEffect>
+                                  </p:childTnLst>
+                                </p:cTn>
+                              </p:par>
+                            </p:childTnLst>
+                          </p:cTn>
+                        </p:par>
+                      </p:childTnLst>
+                    </p:cTn>
+                  </p:par>
+                  <p:par>
+                    <p:cTn id="12" fill="hold">
+                      <p:stCondLst>
+                        <p:cond delay="indefinite"/>
+                      </p:stCondLst>
+                      <p:childTnLst>
+                        <p:par>
+                          <p:cTn id="13" fill="hold">
+                            <p:stCondLst>
+                              <p:cond delay="0"/>
+                            </p:stCondLst>
+                            <p:childTnLst>
+                              <p:par>
+                                <p:cTn id="14" presetID="2" presetClass="entr" presetSubtype="2" fill="hold" grpId="0" nodeType="clickEffect">
+                                  <p:stCondLst>
+                                    <p:cond delay="0"/>
+                                  </p:stCondLst>
+                                  <p:childTnLst>
+                                    <p:set>
+                                      <p:cBhvr>
+                                        <p:cTn id="15" dur="1" fill="hold">
+                                          <p:stCondLst>
+                                            <p:cond delay="0"/>
+                                          </p:stCondLst>
+                                        </p:cTn>
+                                        <p:tgtEl>
+                                          <p:spTgt spid="3">
+                                            <p:txEl>
+                                              <p:pRg st="1" end="1"/>
+                                            </p:txEl>
+                                          </p:spTgt>
+                                        </p:tgtEl>
+                                        <p:attrNameLst>
+                                          <p:attrName>style.visibility</p:attrName>
+                                        </p:attrNameLst>
+                                      </p:cBhvr>
+                                      <p:to>
+                                        <p:strVal val="visible"/>
+                                      </p:to>
+                                    </p:set>
+                                    <p:anim calcmode="lin" valueType="num">
+                                      <p:cBhvr additive="base">
+                                        <p:cTn id="16" dur="750" fill="hold"/>
+                                        <p:tgtEl>
+                                          <p:spTgt spid="3">
+                                            <p:txEl>
+                                              <p:pRg st="1" end="1"/>
+                                            </p:txEl>
+                                          </p:spTgt>
+                                        </p:tgtEl>
+                                        <p:attrNameLst>
+                                          <p:attrName>ppt_x</p:attrName>
+                                        </p:attrNameLst>
+                                      </p:cBhvr>
+                                      <p:tavLst>
+                                        <p:tav tm="0">
+                                          <p:val>
+                                            <p:strVal val="1+#ppt_w/2"/>
+                                          </p:val>
+                                        </p:tav>
+                                        <p:tav tm="100000">
+                                          <p:val>
+                                            <p:strVal val="#ppt_x"/>
+                                          </p:val>
+                                        </p:tav>
+                                      </p:tavLst>
+                                    </p:anim>
+                                    <p:anim calcmode="lin" valueType="num">
+                                      <p:cBhvr additive="base">
+                                        <p:cTn id="17" dur="750" fill="hold"/>
+                                        <p:tgtEl>
+                                          <p:spTgt spid="3">
+                                            <p:txEl>
+                                              <p:pRg st="1" end="1"/>
+                                            </p:txEl>
+                                          </p:spTgt>
+                                        </p:tgtEl>
+                                        <p:attrNameLst>
+                                          <p:attrName>ppt_y</p:attrName>
+                                        </p:attrNameLst>
+                                      </p:cBhvr>
+                                      <p:tavLst>
+                                        <p:tav tm="0">
+                                          <p:val>
+                                            <p:strVal val="#ppt_y"/>
+                                          </p:val>
+                                        </p:tav>
+                                        <p:tav tm="100000">
+                                          <p:val>
+                                            <p:strVal val="#ppt_y"/>
+                                          </p:val>
+                                        </p:tav>
+                                      </p:tavLst>
+                                    </p:anim>
+                                  </p:childTnLst>
+                                </p:cTn>
+                              </p:par>
+                            </p:childTnLst>
+                          </p:cTn>
+                        </p:par>
+                      </p:childTnLst>
+                    </p:cTn>
+                  </p:par>
+                  <p:par>
+                    <p:cTn id="18" fill="hold">
+                      <p:stCondLst>
+                        <p:cond delay="indefinite"/>
+                      </p:stCondLst>
+                      <p:childTnLst>
+                        <p:par>
+                          <p:cTn id="19" fill="hold">
+                            <p:stCondLst>
+                              <p:cond delay="0"/>
+                            </p:stCondLst>
+                            <p:childTnLst>
+                              <p:par>
+                                <p:cTn id="20" presetID="2" presetClass="entr" presetSubtype="2" fill="hold" grpId="0" nodeType="clickEffect">
+                                  <p:stCondLst>
+                                    <p:cond delay="0"/>
+                                  </p:stCondLst>
+                                  <p:childTnLst>
+                                    <p:set>
+                                      <p:cBhvr>
+                                        <p:cTn id="21" dur="1" fill="hold">
+                                          <p:stCondLst>
+                                            <p:cond delay="0"/>
+                                          </p:stCondLst>
+                                        </p:cTn>
+                                        <p:tgtEl>
+                                          <p:spTgt spid="3">
+                                            <p:txEl>
+                                              <p:pRg st="2" end="2"/>
+                                            </p:txEl>
+                                          </p:spTgt>
+                                        </p:tgtEl>
+                                        <p:attrNameLst>
+                                          <p:attrName>style.visibility</p:attrName>
+                                        </p:attrNameLst>
+                                      </p:cBhvr>
+                                      <p:to>
+                                        <p:strVal val="visible"/>
+                                      </p:to>
+                                    </p:set>
+                                    <p:anim calcmode="lin" valueType="num">
+                                      <p:cBhvr additive="base">
+                                        <p:cTn id="22" dur="750" fill="hold"/>
+                                        <p:tgtEl>
+                                          <p:spTgt spid="3">
+                                            <p:txEl>
+                                              <p:pRg st="2" end="2"/>
+                                            </p:txEl>
+                                          </p:spTgt>
+                                        </p:tgtEl>
+                                        <p:attrNameLst>
+                                          <p:attrName>ppt_x</p:attrName>
+                                        </p:attrNameLst>
+                                      </p:cBhvr>
+                                      <p:tavLst>
+                                        <p:tav tm="0">
+                                          <p:val>
+                                            <p:strVal val="1+#ppt_w/2"/>
+                                          </p:val>
+                                        </p:tav>
+                                        <p:tav tm="100000">
+                                          <p:val>
+                                            <p:strVal val="#ppt_x"/>
+                                          </p:val>
+                                        </p:tav>
+                                      </p:tavLst>
+                                    </p:anim>
+                                    <p:anim calcmode="lin" valueType="num">
+                                      <p:cBhvr additive="base">
+                                        <p:cTn id="23" dur="750" fill="hold"/>
+                                        <p:tgtEl>
+                                          <p:spTgt spid="3">
+                                            <p:txEl>
+                                              <p:pRg st="2" end="2"/>
+                                            </p:txEl>
+                                          </p:spTgt>
+                                        </p:tgtEl>
+                                        <p:attrNameLst>
+                                          <p:attrName>ppt_y</p:attrName>
+                                        </p:attrNameLst>
+                                      </p:cBhvr>
+                                      <p:tavLst>
+                                        <p:tav tm="0">
+                                          <p:val>
+                                            <p:strVal val="#ppt_y"/>
+                                          </p:val>
+                                        </p:tav>
+                                        <p:tav tm="100000">
+                                          <p:val>
+                                            <p:strVal val="#ppt_y"/>
+                                          </p:val>
+                                        </p:tav>
+                                      </p:tavLst>
+                                    </p:anim>
+                                  </p:childTnLst>
+                                </p:cTn>
+                              </p:par>
+                              <p:par>
+                                <p:cTn id="24" presetID="10" presetClass="entr" presetSubtype="0" fill="hold" grpId="0" nodeType="withEffect">
+                                  <p:stCondLst>
+                                    <p:cond delay="0"/>
+                                  </p:stCondLst>
+                                  <p:childTnLst>
+                                    <p:set>
+                                      <p:cBhvr>
+                                        <p:cTn id="25" dur="1" fill="hold">
+                                          <p:stCondLst>
+                                            <p:cond delay="0"/>
+                                          </p:stCondLst>
+                                        </p:cTn>
+                                        <p:tgtEl>
+                                          <p:spTgt spid="6"/>
+                                        </p:tgtEl>
+                                        <p:attrNameLst>
+                                          <p:attrName>style.visibility</p:attrName>
+                                        </p:attrNameLst>
+                                      </p:cBhvr>
+                                      <p:to>
+                                        <p:strVal val="visible"/>
+                                      </p:to>
+                                    </p:set>
+                                    <p:animEffect transition="in" filter="fade">
+                                      <p:cBhvr>
+                                        <p:cTn id="26" dur="500"/>
+                                        <p:tgtEl>
+                                          <p:spTgt spid="6"/>
+                                        </p:tgtEl>
+                                      </p:cBhvr>
+                                    </p:animEffect>
+                                  </p:childTnLst>
+                                </p:cTn>
+                              </p:par>
+                            </p:childTnLst>
+                          </p:cTn>
+                        </p:par>
+                      </p:childTnLst>
+                    </p:cTn>
+                  </p:par>
+                  <p:par>
+                    <p:cTn id="27" fill="hold">
+                      <p:stCondLst>
+                        <p:cond delay="indefinite"/>
+                      </p:stCondLst>
+                      <p:childTnLst>
+                        <p:par>
+                          <p:cTn id="28" fill="hold">
+                            <p:stCondLst>
+                              <p:cond delay="0"/>
+                            </p:stCondLst>
+                            <p:childTnLst>
+                              <p:par>
+                                <p:cTn id="29" presetID="2" presetClass="entr" presetSubtype="2" fill="hold" grpId="0" nodeType="clickEffect">
+                                  <p:stCondLst>
+                                    <p:cond delay="0"/>
+                                  </p:stCondLst>
+                                  <p:childTnLst>
+                                    <p:set>
+                                      <p:cBhvr>
+                                        <p:cTn id="30" dur="1" fill="hold">
+                                          <p:stCondLst>
+                                            <p:cond delay="0"/>
+                                          </p:stCondLst>
+                                        </p:cTn>
+                                        <p:tgtEl>
+                                          <p:spTgt spid="3">
+                                            <p:txEl>
+                                              <p:pRg st="3" end="3"/>
+                                            </p:txEl>
+                                          </p:spTgt>
+                                        </p:tgtEl>
+                                        <p:attrNameLst>
+                                          <p:attrName>style.visibility</p:attrName>
+                                        </p:attrNameLst>
+                                      </p:cBhvr>
+                                      <p:to>
+                                        <p:strVal val="visible"/>
+                                      </p:to>
+                                    </p:set>
+                                    <p:anim calcmode="lin" valueType="num">
+                                      <p:cBhvr additive="base">
+                                        <p:cTn id="31" dur="750" fill="hold"/>
+                                        <p:tgtEl>
+                                          <p:spTgt spid="3">
+                                            <p:txEl>
+                                              <p:pRg st="3" end="3"/>
+                                            </p:txEl>
+                                          </p:spTgt>
+                                        </p:tgtEl>
+                                        <p:attrNameLst>
+                                          <p:attrName>ppt_x</p:attrName>
+                                        </p:attrNameLst>
+                                      </p:cBhvr>
+                                      <p:tavLst>
+                                        <p:tav tm="0">
+                                          <p:val>
+                                            <p:strVal val="1+#ppt_w/2"/>
+                                          </p:val>
+                                        </p:tav>
+                                        <p:tav tm="100000">
+                                          <p:val>
+                                            <p:strVal val="#ppt_x"/>
+                                          </p:val>
+                                        </p:tav>
+                                      </p:tavLst>
+                                    </p:anim>
+                                    <p:anim calcmode="lin" valueType="num">
+                                      <p:cBhvr additive="base">
+                                        <p:cTn id="32" dur="750" fill="hold"/>
+                                        <p:tgtEl>
+                                          <p:spTgt spid="3">
+                                            <p:txEl>
+                                              <p:pRg st="3" end="3"/>
+                                            </p:txEl>
+                                          </p:spTgt>
+                                        </p:tgtEl>
+                                        <p:attrNameLst>
+                                          <p:attrName>ppt_y</p:attrName>
+                                        </p:attrNameLst>
+                                      </p:cBhvr>
+                                      <p:tavLst>
+                                        <p:tav tm="0">
+                                          <p:val>
+                                            <p:strVal val="#ppt_y"/>
+                                          </p:val>
+                                        </p:tav>
+                                        <p:tav tm="100000">
+                                          <p:val>
+                                            <p:strVal val="#ppt_y"/>
+                                          </p:val>
+                                        </p:tav>
+                                      </p:tavLst>
+                                    </p:anim>
+                                  </p:childTnLst>
+                                </p:cTn>
+                              </p:par>
+                              <p:par>
+                                <p:cTn id="33" presetID="10" presetClass="entr" presetSubtype="0" fill="hold" grpId="0" nodeType="withEffect">
+                                  <p:stCondLst>
+                                    <p:cond delay="0"/>
+                                  </p:stCondLst>
+                                  <p:childTnLst>
+                                    <p:set>
+                                      <p:cBhvr>
+                                        <p:cTn id="34" dur="1" fill="hold">
+                                          <p:stCondLst>
+                                            <p:cond delay="0"/>
+                                          </p:stCondLst>
+                                        </p:cTn>
+                                        <p:tgtEl>
+                                          <p:spTgt spid="7"/>
+                                        </p:tgtEl>
+                                        <p:attrNameLst>
+                                          <p:attrName>style.visibility</p:attrName>
+                                        </p:attrNameLst>
+                                      </p:cBhvr>
+                                      <p:to>
+                                        <p:strVal val="visible"/>
+                                      </p:to>
+                                    </p:set>
+                                    <p:animEffect transition="in" filter="fade">
+                                      <p:cBhvr>
+                                        <p:cTn id="35" dur="500"/>
+                                        <p:tgtEl>
+                                          <p:spTgt spid="7"/>
+                                        </p:tgtEl>
+                                      </p:cBhvr>
+                                    </p:animEffect>
+                                  </p:childTnLst>
+                                </p:cTn>
+                              </p:par>
+                            </p:childTnLst>
+                          </p:cTn>
+                        </p:par>
+                      </p:childTnLst>
+                    </p:cTn>
+                  </p:par>
+                  <p:par>
+                    <p:cTn id="36" fill="hold">
+                      <p:stCondLst>
+                        <p:cond delay="indefinite"/>
+                      </p:stCondLst>
+                      <p:childTnLst>
+                        <p:par>
+                          <p:cTn id="37" fill="hold">
+                            <p:stCondLst>
+                              <p:cond delay="0"/>
+                            </p:stCondLst>
+                            <p:childTnLst>
+                              <p:par>
+                                <p:cTn id="38" presetID="2" presetClass="entr" presetSubtype="2" fill="hold" grpId="0" nodeType="clickEffect">
+                                  <p:stCondLst>
+                                    <p:cond delay="0"/>
+                                  </p:stCondLst>
+                                  <p:childTnLst>
+                                    <p:set>
+                                      <p:cBhvr>
+                                        <p:cTn id="39" dur="1" fill="hold">
+                                          <p:stCondLst>
+                                            <p:cond delay="0"/>
+                                          </p:stCondLst>
+                                        </p:cTn>
+                                        <p:tgtEl>
+                                          <p:spTgt spid="3">
+                                            <p:txEl>
+                                              <p:pRg st="4" end="4"/>
+                                            </p:txEl>
+                                          </p:spTgt>
+                                        </p:tgtEl>
+                                        <p:attrNameLst>
+                                          <p:attrName>style.visibility</p:attrName>
+                                        </p:attrNameLst>
+                                      </p:cBhvr>
+                                      <p:to>
+                                        <p:strVal val="visible"/>
+                                      </p:to>
+                                    </p:set>
+                                    <p:anim calcmode="lin" valueType="num">
+                                      <p:cBhvr additive="base">
+                                        <p:cTn id="40" dur="750" fill="hold"/>
+                                        <p:tgtEl>
+                                          <p:spTgt spid="3">
+                                            <p:txEl>
+                                              <p:pRg st="4" end="4"/>
+                                            </p:txEl>
+                                          </p:spTgt>
+                                        </p:tgtEl>
+                                        <p:attrNameLst>
+                                          <p:attrName>ppt_x</p:attrName>
+                                        </p:attrNameLst>
+                                      </p:cBhvr>
+                                      <p:tavLst>
+                                        <p:tav tm="0">
+                                          <p:val>
+                                            <p:strVal val="1+#ppt_w/2"/>
+                                          </p:val>
+                                        </p:tav>
+                                        <p:tav tm="100000">
+                                          <p:val>
+                                            <p:strVal val="#ppt_x"/>
+                                          </p:val>
+                                        </p:tav>
+                                      </p:tavLst>
+                                    </p:anim>
+                                    <p:anim calcmode="lin" valueType="num">
+                                      <p:cBhvr additive="base">
+                                        <p:cTn id="41" dur="750" fill="hold"/>
+                                        <p:tgtEl>
+                                          <p:spTgt spid="3">
+                                            <p:txEl>
+                                              <p:pRg st="4" end="4"/>
+                                            </p:txEl>
+                                          </p:spTgt>
+                                        </p:tgtEl>
+                                        <p:attrNameLst>
+                                          <p:attrName>ppt_y</p:attrName>
+                                        </p:attrNameLst>
+                                      </p:cBhvr>
+                                      <p:tavLst>
+                                        <p:tav tm="0">
+                                          <p:val>
+                                            <p:strVal val="#ppt_y"/>
+                                          </p:val>
+                                        </p:tav>
+                                        <p:tav tm="100000">
+                                          <p:val>
+                                            <p:strVal val="#ppt_y"/>
+                                          </p:val>
+                                        </p:tav>
+                                      </p:tavLst>
+                                    </p:anim>
+                                  </p:childTnLst>
+                                </p:cTn>
+                              </p:par>
+                              <p:par>
+                                <p:cTn id="42" presetID="10" presetClass="entr" presetSubtype="0" fill="hold" grpId="0" nodeType="withEffect">
+                                  <p:stCondLst>
+                                    <p:cond delay="0"/>
+                                  </p:stCondLst>
+                                  <p:childTnLst>
+                                    <p:set>
+                                      <p:cBhvr>
+                                        <p:cTn id="43" dur="1" fill="hold">
+                                          <p:stCondLst>
+                                            <p:cond delay="0"/>
+                                          </p:stCondLst>
+                                        </p:cTn>
+                                        <p:tgtEl>
+                                          <p:spTgt spid="8"/>
+                                        </p:tgtEl>
+                                        <p:attrNameLst>
+                                          <p:attrName>style.visibility</p:attrName>
+                                        </p:attrNameLst>
+                                      </p:cBhvr>
+                                      <p:to>
+                                        <p:strVal val="visible"/>
+                                      </p:to>
+                                    </p:set>
+                                    <p:animEffect transition="in" filter="fade">
+                                      <p:cBhvr>
+                                        <p:cTn id="44" dur="500"/>
+                                        <p:tgtEl>
+                                          <p:spTgt spid="8"/>
+                                        </p:tgtEl>
+                                      </p:cBhvr>
+                                    </p:animEffect>
+                                  </p:childTnLst>
+                                </p:cTn>
+                              </p:par>
+                            </p:childTnLst>
+                          </p:cTn>
+                        </p:par>
+                      </p:childTnLst>
+                    </p:cTn>
+                  </p:par>
+                  <p:par>
+                    <p:cTn id="45" fill="hold">
+                      <p:stCondLst>
+                        <p:cond delay="indefinite"/>
+                      </p:stCondLst>
+                      <p:childTnLst>
+                        <p:par>
+                          <p:cTn id="46" fill="hold">
+                            <p:stCondLst>
+                              <p:cond delay="0"/>
+                            </p:stCondLst>
+                            <p:childTnLst>
+                              <p:par>
+                                <p:cTn id="47" presetID="2" presetClass="entr" presetSubtype="2" fill="hold" grpId="0" nodeType="clickEffect">
+                                  <p:stCondLst>
+                                    <p:cond delay="0"/>
+                                  </p:stCondLst>
+                                  <p:childTnLst>
+                                    <p:set>
+                                      <p:cBhvr>
+                                        <p:cTn id="48" dur="1" fill="hold">
+                                          <p:stCondLst>
+                                            <p:cond delay="0"/>
+                                          </p:stCondLst>
+                                        </p:cTn>
+                                        <p:tgtEl>
+                                          <p:spTgt spid="3">
+                                            <p:txEl>
+                                              <p:pRg st="5" end="5"/>
+                                            </p:txEl>
+                                          </p:spTgt>
+                                        </p:tgtEl>
+                                        <p:attrNameLst>
+                                          <p:attrName>style.visibility</p:attrName>
+                                        </p:attrNameLst>
+                                      </p:cBhvr>
+                                      <p:to>
+                                        <p:strVal val="visible"/>
+                                      </p:to>
+                                    </p:set>
+                                    <p:anim calcmode="lin" valueType="num">
+                                      <p:cBhvr additive="base">
+                                        <p:cTn id="49" dur="750" fill="hold"/>
+                                        <p:tgtEl>
+                                          <p:spTgt spid="3">
+                                            <p:txEl>
+                                              <p:pRg st="5" end="5"/>
+                                            </p:txEl>
+                                          </p:spTgt>
+                                        </p:tgtEl>
+                                        <p:attrNameLst>
+                                          <p:attrName>ppt_x</p:attrName>
+                                        </p:attrNameLst>
+                                      </p:cBhvr>
+                                      <p:tavLst>
+                                        <p:tav tm="0">
+                                          <p:val>
+                                            <p:strVal val="1+#ppt_w/2"/>
+                                          </p:val>
+                                        </p:tav>
+                                        <p:tav tm="100000">
+                                          <p:val>
+                                            <p:strVal val="#ppt_x"/>
+                                          </p:val>
+                                        </p:tav>
+                                      </p:tavLst>
+                                    </p:anim>
+                                    <p:anim calcmode="lin" valueType="num">
+                                      <p:cBhvr additive="base">
+                                        <p:cTn id="50" dur="750" fill="hold"/>
+                                        <p:tgtEl>
+                                          <p:spTgt spid="3">
+                                            <p:txEl>
+                                              <p:pRg st="5" end="5"/>
+                                            </p:txEl>
+                                          </p:spTgt>
+                                        </p:tgtEl>
+                                        <p:attrNameLst>
+                                          <p:attrName>ppt_y</p:attrName>
+                                        </p:attrNameLst>
+                                      </p:cBhvr>
+                                      <p:tavLst>
+                                        <p:tav tm="0">
+                                          <p:val>
+                                            <p:strVal val="#ppt_y"/>
+                                          </p:val>
+                                        </p:tav>
+                                        <p:tav tm="100000">
+                                          <p:val>
+                                            <p:strVal val="#ppt_y"/>
+                                          </p:val>
+                                        </p:tav>
+                                      </p:tavLst>
+                                    </p:anim>
+                                  </p:childTnLst>
+                                </p:cTn>
+                              </p:par>
+                            </p:childTnLst>
+                          </p:cTn>
+                        </p:par>
+                      </p:childTnLst>
+                    </p:cTn>
+                  </p:par>
+                </p:childTnLst>
+              </p:cTn>
+              <p:prevCondLst>
+                <p:cond evt="onPrev" delay="0">
+                  <p:tgtEl>
+                    <p:sldTgt/>
+                  </p:tgtEl>
+                </p:cond>
+              </p:prevCondLst>
+              <p:nextCondLst>
+                <p:cond evt="onNext" delay="0">
+                  <p:tgtEl>
+                    <p:sldTgt/>
+                  </p:tgtEl>
+                </p:cond>
+              </p:nextCondLst>
+            </p:seq>
+          </p:childTnLst>
+        </p:cTn>
+      </p:par>
+    </p:tnLst>
+    <p:bldLst>
+      <p:bldP spid="3" grpId="0" uiExpand="1" build="p"/>
+      <p:bldP spid="6" grpId="0" animBg="1"/>
+      <p:bldP spid="7" grpId="0" animBg="1"/>
+      <p:bldP spid="8" grpId="0" animBg="1"/>
+    </p:bldLst>
+  </p:timing>
+</p:sld>
+</file>
+
+<file path=ppt/slides/slide20.xml><?xml version="1.0" encoding="utf-8"?>
+<p:sld xmlns:a="http://schemas.openxmlformats.org/drawingml/2006/main" xmlns:r="http://schemas.openxmlformats.org/officeDocument/2006/relationships" xmlns:p="http://schemas.openxmlformats.org/presentationml/2006/main">
+  <p:cSld>
+    <p:spTree>
+      <p:nvGrpSpPr>
+        <p:cNvPr id="1" name=""/>
+        <p:cNvGrpSpPr/>
+        <p:nvPr/>
+      </p:nvGrpSpPr>
+      <p:grpSpPr>
+        <a:xfrm>
+          <a:off x="0" y="0"/>
+          <a:ext cx="0" cy="0"/>
+          <a:chOff x="0" y="0"/>
+          <a:chExt cx="0" cy="0"/>
+        </a:xfrm>
+      </p:grpSpPr>
+      <p:pic>
+        <p:nvPicPr>
+          <p:cNvPr id="3" name="Picture 2">
+            <a:extLst>
+              <a:ext uri="{FF2B5EF4-FFF2-40B4-BE49-F238E27FC236}">
+                <a16:creationId xmlns:a16="http://schemas.microsoft.com/office/drawing/2014/main" id="{77686B8A-EB40-40CD-AEC2-EAE5B19CC019}"/>
+              </a:ext>
+            </a:extLst>
+          </p:cNvPr>
+          <p:cNvPicPr>
+            <a:picLocks noChangeAspect="1"/>
+          </p:cNvPicPr>
+          <p:nvPr/>
+        </p:nvPicPr>
+        <p:blipFill>
+          <a:blip r:embed="rId2">
+            <a:extLst>
+              <a:ext uri="{28A0092B-C50C-407E-A947-70E740481C1C}">
+                <a14:useLocalDpi xmlns:a14="http://schemas.microsoft.com/office/drawing/2010/main" val="0"/>
+              </a:ext>
+            </a:extLst>
+          </a:blip>
+          <a:stretch>
+            <a:fillRect/>
+          </a:stretch>
+        </p:blipFill>
+        <p:spPr>
+          <a:xfrm>
+            <a:off x="3327967" y="745808"/>
+            <a:ext cx="4876190" cy="4876190"/>
+          </a:xfrm>
+          <a:prstGeom prst="rect">
+            <a:avLst/>
+          </a:prstGeom>
+        </p:spPr>
+      </p:pic>
+    </p:spTree>
+    <p:extLst>
+      <p:ext uri="{BB962C8B-B14F-4D97-AF65-F5344CB8AC3E}">
+        <p14:creationId xmlns:p14="http://schemas.microsoft.com/office/powerpoint/2010/main" val="4174774416"/>
+      </p:ext>
+    </p:extLst>
+  </p:cSld>
+  <p:clrMapOvr>
+    <a:masterClrMapping/>
+  </p:clrMapOvr>
+  <p:transition spd="slow">
+    <p:push dir="u"/>
+  </p:transition>
+</p:sld>
+</file>
+
+<file path=ppt/slides/slide21.xml><?xml version="1.0" encoding="utf-8"?>
+<p:sld xmlns:a="http://schemas.openxmlformats.org/drawingml/2006/main" xmlns:r="http://schemas.openxmlformats.org/officeDocument/2006/relationships" xmlns:p="http://schemas.openxmlformats.org/presentationml/2006/main">
+  <p:cSld>
+    <p:spTree>
+      <p:nvGrpSpPr>
+        <p:cNvPr id="1" name=""/>
+        <p:cNvGrpSpPr/>
+        <p:nvPr/>
+      </p:nvGrpSpPr>
+      <p:grpSpPr>
+        <a:xfrm>
+          <a:off x="0" y="0"/>
+          <a:ext cx="0" cy="0"/>
+          <a:chOff x="0" y="0"/>
+          <a:chExt cx="0" cy="0"/>
+        </a:xfrm>
+      </p:grpSpPr>
+      <p:pic>
+        <p:nvPicPr>
+          <p:cNvPr id="3" name="Picture 2">
+            <a:extLst>
+              <a:ext uri="{FF2B5EF4-FFF2-40B4-BE49-F238E27FC236}">
+                <a16:creationId xmlns:a16="http://schemas.microsoft.com/office/drawing/2014/main" id="{785F5194-D40C-45FA-A480-0C2B44A8AEFD}"/>
+              </a:ext>
+            </a:extLst>
+          </p:cNvPr>
+          <p:cNvPicPr>
+            <a:picLocks noChangeAspect="1"/>
+          </p:cNvPicPr>
+          <p:nvPr/>
+        </p:nvPicPr>
+        <p:blipFill>
+          <a:blip r:embed="rId2">
+            <a:extLst>
+              <a:ext uri="{28A0092B-C50C-407E-A947-70E740481C1C}">
+                <a14:useLocalDpi xmlns:a14="http://schemas.microsoft.com/office/drawing/2010/main" val="0"/>
+              </a:ext>
+            </a:extLst>
+          </a:blip>
+          <a:stretch>
+            <a:fillRect/>
+          </a:stretch>
+        </p:blipFill>
+        <p:spPr>
+          <a:xfrm>
+            <a:off x="377073" y="4412530"/>
+            <a:ext cx="2280501" cy="2280501"/>
+          </a:xfrm>
+          <a:prstGeom prst="rect">
+            <a:avLst/>
+          </a:prstGeom>
+        </p:spPr>
+      </p:pic>
+      <p:sp>
+        <p:nvSpPr>
+          <p:cNvPr id="5" name="TextBox 4">
+            <a:extLst>
+              <a:ext uri="{FF2B5EF4-FFF2-40B4-BE49-F238E27FC236}">
+                <a16:creationId xmlns:a16="http://schemas.microsoft.com/office/drawing/2014/main" id="{95BF4633-911D-412C-ABE1-3DC6BC1AC89A}"/>
+              </a:ext>
+            </a:extLst>
+          </p:cNvPr>
+          <p:cNvSpPr txBox="1"/>
+          <p:nvPr/>
+        </p:nvSpPr>
+        <p:spPr>
+          <a:xfrm>
+            <a:off x="3066068" y="362088"/>
+            <a:ext cx="6094428" cy="369332"/>
+          </a:xfrm>
+          <a:prstGeom prst="rect">
+            <a:avLst/>
+          </a:prstGeom>
+          <a:noFill/>
+        </p:spPr>
+        <p:txBody>
+          <a:bodyPr wrap="square">
+            <a:spAutoFit/>
+          </a:bodyPr>
+          <a:lstStyle/>
+          <a:p>
+            <a:r>
+              <a:rPr lang="en-US" dirty="0"/>
+              <a:t>https://sdw.ecb.europa.eu/browse.do?node=9691209</a:t>
+            </a:r>
+          </a:p>
+        </p:txBody>
+      </p:sp>
+      <p:sp>
+        <p:nvSpPr>
+          <p:cNvPr id="7" name="TextBox 6">
+            <a:extLst>
+              <a:ext uri="{FF2B5EF4-FFF2-40B4-BE49-F238E27FC236}">
+                <a16:creationId xmlns:a16="http://schemas.microsoft.com/office/drawing/2014/main" id="{DB06AB4B-C39C-4354-A8ED-EF3447D33842}"/>
+              </a:ext>
+            </a:extLst>
+          </p:cNvPr>
+          <p:cNvSpPr txBox="1"/>
+          <p:nvPr/>
+        </p:nvSpPr>
+        <p:spPr>
+          <a:xfrm>
+            <a:off x="3066068" y="3514614"/>
+            <a:ext cx="6094428" cy="369332"/>
+          </a:xfrm>
+          <a:prstGeom prst="rect">
+            <a:avLst/>
+          </a:prstGeom>
+          <a:noFill/>
+        </p:spPr>
+        <p:txBody>
+          <a:bodyPr wrap="square">
+            <a:spAutoFit/>
+          </a:bodyPr>
+          <a:lstStyle/>
+          <a:p>
+            <a:r>
+              <a:rPr lang="en-US" dirty="0"/>
+              <a:t>https://www.statista.com/outlook/cmo/food/czechia#revenue</a:t>
+            </a:r>
+          </a:p>
+        </p:txBody>
+      </p:sp>
+      <p:sp>
+        <p:nvSpPr>
+          <p:cNvPr id="9" name="TextBox 8">
+            <a:extLst>
+              <a:ext uri="{FF2B5EF4-FFF2-40B4-BE49-F238E27FC236}">
+                <a16:creationId xmlns:a16="http://schemas.microsoft.com/office/drawing/2014/main" id="{95CB2947-CB4F-482D-8B21-6DDA8BEE9809}"/>
+              </a:ext>
+            </a:extLst>
+          </p:cNvPr>
+          <p:cNvSpPr txBox="1"/>
+          <p:nvPr/>
+        </p:nvSpPr>
+        <p:spPr>
+          <a:xfrm>
+            <a:off x="3066068" y="1160340"/>
+            <a:ext cx="9895787" cy="369332"/>
+          </a:xfrm>
+          <a:prstGeom prst="rect">
+            <a:avLst/>
+          </a:prstGeom>
+          <a:noFill/>
+        </p:spPr>
+        <p:txBody>
+          <a:bodyPr wrap="square">
+            <a:spAutoFit/>
+          </a:bodyPr>
+          <a:lstStyle/>
+          <a:p>
+            <a:r>
+              <a:rPr lang="en-US" dirty="0"/>
+              <a:t>https://www.statista.com/statistics/1268010/czechia-average-monthly-gross-wage/</a:t>
+            </a:r>
+          </a:p>
+        </p:txBody>
+      </p:sp>
+      <p:sp>
+        <p:nvSpPr>
+          <p:cNvPr id="11" name="TextBox 10">
+            <a:extLst>
+              <a:ext uri="{FF2B5EF4-FFF2-40B4-BE49-F238E27FC236}">
+                <a16:creationId xmlns:a16="http://schemas.microsoft.com/office/drawing/2014/main" id="{A870255C-7638-4E10-9970-40A332A0022B}"/>
+              </a:ext>
+            </a:extLst>
+          </p:cNvPr>
+          <p:cNvSpPr txBox="1"/>
+          <p:nvPr/>
+        </p:nvSpPr>
+        <p:spPr>
+          <a:xfrm>
+            <a:off x="3066068" y="1557410"/>
+            <a:ext cx="10188018" cy="369332"/>
+          </a:xfrm>
+          <a:prstGeom prst="rect">
+            <a:avLst/>
+          </a:prstGeom>
+          <a:noFill/>
+        </p:spPr>
+        <p:txBody>
+          <a:bodyPr wrap="square">
+            <a:spAutoFit/>
+          </a:bodyPr>
+          <a:lstStyle/>
+          <a:p>
+            <a:r>
+              <a:rPr lang="en-US" dirty="0"/>
+              <a:t>https://www.statista.com/statistics/1096753/gross-earnings-men-monthly-average-germany/</a:t>
+            </a:r>
+          </a:p>
+        </p:txBody>
+      </p:sp>
+      <p:sp>
+        <p:nvSpPr>
+          <p:cNvPr id="13" name="TextBox 12">
+            <a:extLst>
+              <a:ext uri="{FF2B5EF4-FFF2-40B4-BE49-F238E27FC236}">
+                <a16:creationId xmlns:a16="http://schemas.microsoft.com/office/drawing/2014/main" id="{4C65340C-CB9B-4426-866B-5E0A6EA42A6F}"/>
+              </a:ext>
+            </a:extLst>
+          </p:cNvPr>
+          <p:cNvSpPr txBox="1"/>
+          <p:nvPr/>
+        </p:nvSpPr>
+        <p:spPr>
+          <a:xfrm>
+            <a:off x="3066068" y="1954480"/>
+            <a:ext cx="10188017" cy="369332"/>
+          </a:xfrm>
+          <a:prstGeom prst="rect">
+            <a:avLst/>
+          </a:prstGeom>
+          <a:noFill/>
+        </p:spPr>
+        <p:txBody>
+          <a:bodyPr wrap="square">
+            <a:spAutoFit/>
+          </a:bodyPr>
+          <a:lstStyle/>
+          <a:p>
+            <a:r>
+              <a:rPr lang="en-US" dirty="0"/>
+              <a:t>https://www.statista.com/statistics/1253996/poland-average-gross-wages-and-salaries/</a:t>
+            </a:r>
+          </a:p>
+        </p:txBody>
+      </p:sp>
+      <p:sp>
+        <p:nvSpPr>
+          <p:cNvPr id="15" name="TextBox 14">
+            <a:extLst>
+              <a:ext uri="{FF2B5EF4-FFF2-40B4-BE49-F238E27FC236}">
+                <a16:creationId xmlns:a16="http://schemas.microsoft.com/office/drawing/2014/main" id="{0A876052-1397-4085-B703-EA439163C19B}"/>
+              </a:ext>
+            </a:extLst>
+          </p:cNvPr>
+          <p:cNvSpPr txBox="1"/>
+          <p:nvPr/>
+        </p:nvSpPr>
+        <p:spPr>
+          <a:xfrm>
+            <a:off x="3066068" y="2323812"/>
+            <a:ext cx="10385981" cy="369332"/>
+          </a:xfrm>
+          <a:prstGeom prst="rect">
+            <a:avLst/>
+          </a:prstGeom>
+          <a:noFill/>
+        </p:spPr>
+        <p:txBody>
+          <a:bodyPr wrap="square">
+            <a:spAutoFit/>
+          </a:bodyPr>
+          <a:lstStyle/>
+          <a:p>
+            <a:r>
+              <a:rPr lang="en-US" dirty="0"/>
+              <a:t>https://www.macrotrends.net/2548/euro-dollar-exchange-rate-historical-chart</a:t>
+            </a:r>
+          </a:p>
+        </p:txBody>
+      </p:sp>
+      <p:sp>
+        <p:nvSpPr>
+          <p:cNvPr id="17" name="TextBox 16">
+            <a:extLst>
+              <a:ext uri="{FF2B5EF4-FFF2-40B4-BE49-F238E27FC236}">
+                <a16:creationId xmlns:a16="http://schemas.microsoft.com/office/drawing/2014/main" id="{4EA854D2-E1BB-4059-8C19-2D22C0FF3A3C}"/>
+              </a:ext>
+            </a:extLst>
+          </p:cNvPr>
+          <p:cNvSpPr txBox="1"/>
+          <p:nvPr/>
+        </p:nvSpPr>
+        <p:spPr>
+          <a:xfrm>
+            <a:off x="3066068" y="2720882"/>
+            <a:ext cx="11215540" cy="369332"/>
+          </a:xfrm>
+          <a:prstGeom prst="rect">
+            <a:avLst/>
+          </a:prstGeom>
+          <a:noFill/>
+        </p:spPr>
+        <p:txBody>
+          <a:bodyPr wrap="square">
+            <a:spAutoFit/>
+          </a:bodyPr>
+          <a:lstStyle/>
+          <a:p>
+            <a:r>
+              <a:rPr lang="en-US" dirty="0"/>
+              <a:t>https://tradingeconomics.com/czech-republic/wages#</a:t>
+            </a:r>
+          </a:p>
+        </p:txBody>
+      </p:sp>
+      <p:sp>
+        <p:nvSpPr>
+          <p:cNvPr id="19" name="TextBox 18">
+            <a:extLst>
+              <a:ext uri="{FF2B5EF4-FFF2-40B4-BE49-F238E27FC236}">
+                <a16:creationId xmlns:a16="http://schemas.microsoft.com/office/drawing/2014/main" id="{3FE06A35-75ED-4A78-8C2C-64736F1389EF}"/>
+              </a:ext>
+            </a:extLst>
+          </p:cNvPr>
+          <p:cNvSpPr txBox="1"/>
+          <p:nvPr/>
+        </p:nvSpPr>
+        <p:spPr>
+          <a:xfrm>
+            <a:off x="3066068" y="3117952"/>
+            <a:ext cx="6094428" cy="369332"/>
+          </a:xfrm>
+          <a:prstGeom prst="rect">
+            <a:avLst/>
+          </a:prstGeom>
+          <a:noFill/>
+        </p:spPr>
+        <p:txBody>
+          <a:bodyPr wrap="square">
+            <a:spAutoFit/>
+          </a:bodyPr>
+          <a:lstStyle/>
+          <a:p>
+            <a:r>
+              <a:rPr lang="en-US" dirty="0"/>
+              <a:t>https://www.statista.com/outlook/cmo/food/germany</a:t>
+            </a:r>
+          </a:p>
+        </p:txBody>
+      </p:sp>
+      <p:sp>
+        <p:nvSpPr>
+          <p:cNvPr id="21" name="TextBox 20">
+            <a:extLst>
+              <a:ext uri="{FF2B5EF4-FFF2-40B4-BE49-F238E27FC236}">
+                <a16:creationId xmlns:a16="http://schemas.microsoft.com/office/drawing/2014/main" id="{881DFBF1-317D-4C33-938D-6F1E20075064}"/>
+              </a:ext>
+            </a:extLst>
+          </p:cNvPr>
+          <p:cNvSpPr txBox="1"/>
+          <p:nvPr/>
+        </p:nvSpPr>
+        <p:spPr>
+          <a:xfrm>
+            <a:off x="3066068" y="3911276"/>
+            <a:ext cx="6094428" cy="369332"/>
+          </a:xfrm>
+          <a:prstGeom prst="rect">
+            <a:avLst/>
+          </a:prstGeom>
+          <a:noFill/>
+        </p:spPr>
+        <p:txBody>
+          <a:bodyPr wrap="square">
+            <a:spAutoFit/>
+          </a:bodyPr>
+          <a:lstStyle/>
+          <a:p>
+            <a:r>
+              <a:rPr lang="en-US" dirty="0"/>
+              <a:t>https://www.statista.com/outlook/cmo/food/poland</a:t>
+            </a:r>
+          </a:p>
+        </p:txBody>
+      </p:sp>
+      <p:sp>
+        <p:nvSpPr>
+          <p:cNvPr id="23" name="TextBox 22">
+            <a:extLst>
+              <a:ext uri="{FF2B5EF4-FFF2-40B4-BE49-F238E27FC236}">
+                <a16:creationId xmlns:a16="http://schemas.microsoft.com/office/drawing/2014/main" id="{F8BFE894-A241-4E93-8A81-F4ED0F883481}"/>
+              </a:ext>
+            </a:extLst>
+          </p:cNvPr>
+          <p:cNvSpPr txBox="1"/>
+          <p:nvPr/>
+        </p:nvSpPr>
+        <p:spPr>
+          <a:xfrm>
+            <a:off x="3066068" y="759158"/>
+            <a:ext cx="6094428" cy="369332"/>
+          </a:xfrm>
+          <a:prstGeom prst="rect">
+            <a:avLst/>
+          </a:prstGeom>
+          <a:noFill/>
+        </p:spPr>
+        <p:txBody>
+          <a:bodyPr wrap="square">
+            <a:spAutoFit/>
+          </a:bodyPr>
+          <a:lstStyle/>
+          <a:p>
+            <a:r>
+              <a:rPr lang="en-US" dirty="0"/>
+              <a:t>https://data.oecd.org/conversion/exchange-rates.htm</a:t>
+            </a:r>
+          </a:p>
+        </p:txBody>
+      </p:sp>
+    </p:spTree>
+    <p:extLst>
+      <p:ext uri="{BB962C8B-B14F-4D97-AF65-F5344CB8AC3E}">
+        <p14:creationId xmlns:p14="http://schemas.microsoft.com/office/powerpoint/2010/main" val="2723416857"/>
+      </p:ext>
+    </p:extLst>
+  </p:cSld>
+  <p:clrMapOvr>
+    <a:masterClrMapping/>
+  </p:clrMapOvr>
+  <p:transition spd="slow">
+    <p:push dir="u"/>
+  </p:transition>
 </p:sld>
 </file>
 
@@ -5002,6 +7926,9 @@
   <p:clrMapOvr>
     <a:masterClrMapping/>
   </p:clrMapOvr>
+  <p:transition spd="slow">
+    <p:push dir="u"/>
+  </p:transition>
 </p:sld>
 </file>
 
@@ -5024,10 +7951,10 @@
       </p:grpSpPr>
       <p:pic>
         <p:nvPicPr>
-          <p:cNvPr id="5" name="Picture 4">
+          <p:cNvPr id="7" name="Picture 6">
             <a:extLst>
               <a:ext uri="{FF2B5EF4-FFF2-40B4-BE49-F238E27FC236}">
-                <a16:creationId xmlns:a16="http://schemas.microsoft.com/office/drawing/2014/main" id="{0418FDE2-EE36-4F66-A4C2-09D1B1AAE520}"/>
+                <a16:creationId xmlns:a16="http://schemas.microsoft.com/office/drawing/2014/main" id="{6C0B8BF7-06C9-4B1F-B878-CAB7BD3A85D7}"/>
               </a:ext>
             </a:extLst>
           </p:cNvPr>
@@ -5037,21 +7964,15 @@
           <p:nvPr/>
         </p:nvPicPr>
         <p:blipFill>
-          <a:blip r:embed="rId2">
-            <a:extLst>
-              <a:ext uri="{28A0092B-C50C-407E-A947-70E740481C1C}">
-                <a14:useLocalDpi xmlns:a14="http://schemas.microsoft.com/office/drawing/2010/main" val="0"/>
-              </a:ext>
-            </a:extLst>
-          </a:blip>
+          <a:blip r:embed="rId2"/>
           <a:stretch>
             <a:fillRect/>
           </a:stretch>
         </p:blipFill>
         <p:spPr>
           <a:xfrm>
-            <a:off x="1651208" y="0"/>
-            <a:ext cx="8889584" cy="6858000"/>
+            <a:off x="1131159" y="0"/>
+            <a:ext cx="9929682" cy="6858000"/>
           </a:xfrm>
           <a:prstGeom prst="rect">
             <a:avLst/>
@@ -5068,6 +7989,9 @@
   <p:clrMapOvr>
     <a:masterClrMapping/>
   </p:clrMapOvr>
+  <p:transition spd="slow">
+    <p:push dir="u"/>
+  </p:transition>
 </p:sld>
 </file>
 
@@ -5090,10 +8014,10 @@
       </p:grpSpPr>
       <p:pic>
         <p:nvPicPr>
-          <p:cNvPr id="3" name="Picture 2">
+          <p:cNvPr id="2" name="Picture 1">
             <a:extLst>
               <a:ext uri="{FF2B5EF4-FFF2-40B4-BE49-F238E27FC236}">
-                <a16:creationId xmlns:a16="http://schemas.microsoft.com/office/drawing/2014/main" id="{286F6F30-2B06-4F05-B997-78BB90F0A5AE}"/>
+                <a16:creationId xmlns:a16="http://schemas.microsoft.com/office/drawing/2014/main" id="{679B0EDA-463D-4F4D-B8C7-2585FE8045A4}"/>
               </a:ext>
             </a:extLst>
           </p:cNvPr>
@@ -5116,8 +8040,140 @@
         </p:blipFill>
         <p:spPr>
           <a:xfrm>
-            <a:off x="1372322" y="0"/>
-            <a:ext cx="9447355" cy="6858000"/>
+            <a:off x="4451149" y="365626"/>
+            <a:ext cx="1181188" cy="1181188"/>
+          </a:xfrm>
+          <a:prstGeom prst="rect">
+            <a:avLst/>
+          </a:prstGeom>
+        </p:spPr>
+      </p:pic>
+      <p:pic>
+        <p:nvPicPr>
+          <p:cNvPr id="3" name="Picture 2">
+            <a:extLst>
+              <a:ext uri="{FF2B5EF4-FFF2-40B4-BE49-F238E27FC236}">
+                <a16:creationId xmlns:a16="http://schemas.microsoft.com/office/drawing/2014/main" id="{E92F7875-5337-4B04-BD67-818D949F5408}"/>
+              </a:ext>
+            </a:extLst>
+          </p:cNvPr>
+          <p:cNvPicPr>
+            <a:picLocks noChangeAspect="1"/>
+          </p:cNvPicPr>
+          <p:nvPr/>
+        </p:nvPicPr>
+        <p:blipFill>
+          <a:blip r:embed="rId3">
+            <a:extLst>
+              <a:ext uri="{28A0092B-C50C-407E-A947-70E740481C1C}">
+                <a14:useLocalDpi xmlns:a14="http://schemas.microsoft.com/office/drawing/2010/main" val="0"/>
+              </a:ext>
+            </a:extLst>
+          </a:blip>
+          <a:stretch>
+            <a:fillRect/>
+          </a:stretch>
+        </p:blipFill>
+        <p:spPr>
+          <a:xfrm>
+            <a:off x="6677159" y="402290"/>
+            <a:ext cx="1107860" cy="1107860"/>
+          </a:xfrm>
+          <a:prstGeom prst="rect">
+            <a:avLst/>
+          </a:prstGeom>
+        </p:spPr>
+      </p:pic>
+      <p:pic>
+        <p:nvPicPr>
+          <p:cNvPr id="5" name="Picture 4">
+            <a:extLst>
+              <a:ext uri="{FF2B5EF4-FFF2-40B4-BE49-F238E27FC236}">
+                <a16:creationId xmlns:a16="http://schemas.microsoft.com/office/drawing/2014/main" id="{11859ECC-BA3C-4E22-B3E2-4B26DD4FEE36}"/>
+              </a:ext>
+            </a:extLst>
+          </p:cNvPr>
+          <p:cNvPicPr>
+            <a:picLocks noChangeAspect="1"/>
+          </p:cNvPicPr>
+          <p:nvPr/>
+        </p:nvPicPr>
+        <p:blipFill>
+          <a:blip r:embed="rId4">
+            <a:extLst>
+              <a:ext uri="{28A0092B-C50C-407E-A947-70E740481C1C}">
+                <a14:useLocalDpi xmlns:a14="http://schemas.microsoft.com/office/drawing/2010/main" val="0"/>
+              </a:ext>
+            </a:extLst>
+          </a:blip>
+          <a:stretch>
+            <a:fillRect/>
+          </a:stretch>
+        </p:blipFill>
+        <p:spPr>
+          <a:xfrm>
+            <a:off x="5836909" y="795366"/>
+            <a:ext cx="635678" cy="635678"/>
+          </a:xfrm>
+          <a:prstGeom prst="rect">
+            <a:avLst/>
+          </a:prstGeom>
+        </p:spPr>
+      </p:pic>
+      <p:pic>
+        <p:nvPicPr>
+          <p:cNvPr id="6" name="Picture 5">
+            <a:extLst>
+              <a:ext uri="{FF2B5EF4-FFF2-40B4-BE49-F238E27FC236}">
+                <a16:creationId xmlns:a16="http://schemas.microsoft.com/office/drawing/2014/main" id="{110A5F71-37F8-4227-BEA6-E617FAFD397A}"/>
+              </a:ext>
+            </a:extLst>
+          </p:cNvPr>
+          <p:cNvPicPr>
+            <a:picLocks noChangeAspect="1"/>
+          </p:cNvPicPr>
+          <p:nvPr/>
+        </p:nvPicPr>
+        <p:blipFill>
+          <a:blip r:embed="rId5"/>
+          <a:stretch>
+            <a:fillRect/>
+          </a:stretch>
+        </p:blipFill>
+        <p:spPr>
+          <a:xfrm>
+            <a:off x="332171" y="2159936"/>
+            <a:ext cx="5650708" cy="3902698"/>
+          </a:xfrm>
+          <a:prstGeom prst="rect">
+            <a:avLst/>
+          </a:prstGeom>
+        </p:spPr>
+      </p:pic>
+      <p:pic>
+        <p:nvPicPr>
+          <p:cNvPr id="7" name="Picture 6">
+            <a:extLst>
+              <a:ext uri="{FF2B5EF4-FFF2-40B4-BE49-F238E27FC236}">
+                <a16:creationId xmlns:a16="http://schemas.microsoft.com/office/drawing/2014/main" id="{D3751CA5-E9D0-4334-88A5-BB29C9253F4D}"/>
+              </a:ext>
+            </a:extLst>
+          </p:cNvPr>
+          <p:cNvPicPr>
+            <a:picLocks noChangeAspect="1"/>
+          </p:cNvPicPr>
+          <p:nvPr/>
+        </p:nvPicPr>
+        <p:blipFill>
+          <a:blip r:embed="rId6"/>
+          <a:stretch>
+            <a:fillRect/>
+          </a:stretch>
+        </p:blipFill>
+        <p:spPr>
+          <a:xfrm>
+            <a:off x="6286723" y="2159936"/>
+            <a:ext cx="5650708" cy="3902699"/>
           </a:xfrm>
           <a:prstGeom prst="rect">
             <a:avLst/>
@@ -5127,13 +8183,16 @@
     </p:spTree>
     <p:extLst>
       <p:ext uri="{BB962C8B-B14F-4D97-AF65-F5344CB8AC3E}">
-        <p14:creationId xmlns:p14="http://schemas.microsoft.com/office/powerpoint/2010/main" val="1801314820"/>
+        <p14:creationId xmlns:p14="http://schemas.microsoft.com/office/powerpoint/2010/main" val="1688688408"/>
       </p:ext>
     </p:extLst>
   </p:cSld>
   <p:clrMapOvr>
     <a:masterClrMapping/>
   </p:clrMapOvr>
+  <p:transition spd="slow">
+    <p:push dir="u"/>
+  </p:transition>
 </p:sld>
 </file>
 
@@ -5159,7 +8218,7 @@
           <p:cNvPr id="2" name="Picture 1">
             <a:extLst>
               <a:ext uri="{FF2B5EF4-FFF2-40B4-BE49-F238E27FC236}">
-                <a16:creationId xmlns:a16="http://schemas.microsoft.com/office/drawing/2014/main" id="{7269E4A2-D769-4962-BF01-BD75583B3DEB}"/>
+                <a16:creationId xmlns:a16="http://schemas.microsoft.com/office/drawing/2014/main" id="{255F8BAC-446F-421A-A720-415CAF828C54}"/>
               </a:ext>
             </a:extLst>
           </p:cNvPr>
@@ -5182,15 +8241,12 @@
         </p:blipFill>
         <p:spPr>
           <a:xfrm>
-            <a:off x="651968" y="759180"/>
-            <a:ext cx="4627044" cy="3569601"/>
+            <a:off x="4451149" y="365626"/>
+            <a:ext cx="1181188" cy="1181188"/>
           </a:xfrm>
           <a:prstGeom prst="rect">
             <a:avLst/>
           </a:prstGeom>
-          <a:ln>
-            <a:noFill/>
-          </a:ln>
         </p:spPr>
       </p:pic>
       <p:pic>
@@ -5198,7 +8254,7 @@
           <p:cNvPr id="3" name="Picture 2">
             <a:extLst>
               <a:ext uri="{FF2B5EF4-FFF2-40B4-BE49-F238E27FC236}">
-                <a16:creationId xmlns:a16="http://schemas.microsoft.com/office/drawing/2014/main" id="{00D1BDA7-FF2D-49C5-BEED-434BF754BE82}"/>
+                <a16:creationId xmlns:a16="http://schemas.microsoft.com/office/drawing/2014/main" id="{B32F1566-3C01-4B25-BF97-57639F5E943E}"/>
               </a:ext>
             </a:extLst>
           </p:cNvPr>
@@ -5221,8 +8277,8 @@
         </p:blipFill>
         <p:spPr>
           <a:xfrm>
-            <a:off x="6462412" y="759180"/>
-            <a:ext cx="4917365" cy="3569601"/>
+            <a:off x="6677159" y="402290"/>
+            <a:ext cx="1107860" cy="1107860"/>
           </a:xfrm>
           <a:prstGeom prst="rect">
             <a:avLst/>
@@ -5231,10 +8287,10 @@
       </p:pic>
       <p:pic>
         <p:nvPicPr>
-          <p:cNvPr id="5" name="Picture 4">
+          <p:cNvPr id="4" name="Picture 3">
             <a:extLst>
               <a:ext uri="{FF2B5EF4-FFF2-40B4-BE49-F238E27FC236}">
-                <a16:creationId xmlns:a16="http://schemas.microsoft.com/office/drawing/2014/main" id="{FECD71C4-F52A-4AEB-8C00-1EAA67A3F4C2}"/>
+                <a16:creationId xmlns:a16="http://schemas.microsoft.com/office/drawing/2014/main" id="{291CE076-D626-4C18-96F1-EBB0403F0C3B}"/>
               </a:ext>
             </a:extLst>
           </p:cNvPr>
@@ -5257,8 +8313,8 @@
         </p:blipFill>
         <p:spPr>
           <a:xfrm>
-            <a:off x="2374896" y="4399807"/>
-            <a:ext cx="1181188" cy="1181188"/>
+            <a:off x="5836909" y="795366"/>
+            <a:ext cx="635678" cy="635678"/>
           </a:xfrm>
           <a:prstGeom prst="rect">
             <a:avLst/>
@@ -5267,10 +8323,10 @@
       </p:pic>
       <p:pic>
         <p:nvPicPr>
-          <p:cNvPr id="7" name="Picture 6">
+          <p:cNvPr id="6" name="Picture 5">
             <a:extLst>
               <a:ext uri="{FF2B5EF4-FFF2-40B4-BE49-F238E27FC236}">
-                <a16:creationId xmlns:a16="http://schemas.microsoft.com/office/drawing/2014/main" id="{91BA16DA-6E24-45E9-A280-FEC7ED2CAE60}"/>
+                <a16:creationId xmlns:a16="http://schemas.microsoft.com/office/drawing/2014/main" id="{B7901599-3A84-4C3D-A93E-26871C6BC617}"/>
               </a:ext>
             </a:extLst>
           </p:cNvPr>
@@ -5280,103 +8336,375 @@
           <p:nvPr/>
         </p:nvPicPr>
         <p:blipFill>
-          <a:blip r:embed="rId5">
-            <a:extLst>
-              <a:ext uri="{28A0092B-C50C-407E-A947-70E740481C1C}">
-                <a14:useLocalDpi xmlns:a14="http://schemas.microsoft.com/office/drawing/2010/main" val="0"/>
-              </a:ext>
-            </a:extLst>
-          </a:blip>
+          <a:blip r:embed="rId5"/>
           <a:stretch>
             <a:fillRect/>
           </a:stretch>
         </p:blipFill>
         <p:spPr>
           <a:xfrm>
-            <a:off x="9294829" y="4399807"/>
-            <a:ext cx="1181188" cy="1181188"/>
+            <a:off x="117812" y="1665862"/>
+            <a:ext cx="6354775" cy="4914047"/>
           </a:xfrm>
           <a:prstGeom prst="rect">
             <a:avLst/>
           </a:prstGeom>
         </p:spPr>
       </p:pic>
-      <p:pic>
-        <p:nvPicPr>
-          <p:cNvPr id="9" name="Picture 8">
+      <p:graphicFrame>
+        <p:nvGraphicFramePr>
+          <p:cNvPr id="7" name="Table 7">
             <a:extLst>
               <a:ext uri="{FF2B5EF4-FFF2-40B4-BE49-F238E27FC236}">
-                <a16:creationId xmlns:a16="http://schemas.microsoft.com/office/drawing/2014/main" id="{E66EECF9-6B73-4C5C-857D-37CFDEF26F4B}"/>
+                <a16:creationId xmlns:a16="http://schemas.microsoft.com/office/drawing/2014/main" id="{62801940-7DED-4A1E-90AD-8D62F44F9F90}"/>
               </a:ext>
             </a:extLst>
           </p:cNvPr>
-          <p:cNvPicPr>
-            <a:picLocks noChangeAspect="1"/>
-          </p:cNvPicPr>
+          <p:cNvGraphicFramePr>
+            <a:graphicFrameLocks noGrp="1"/>
+          </p:cNvGraphicFramePr>
+          <p:nvPr>
+            <p:extLst>
+              <p:ext uri="{D42A27DB-BD31-4B8C-83A1-F6EECF244321}">
+                <p14:modId xmlns:p14="http://schemas.microsoft.com/office/powerpoint/2010/main" val="1004527141"/>
+              </p:ext>
+            </p:extLst>
+          </p:nvPr>
+        </p:nvGraphicFramePr>
+        <p:xfrm>
+          <a:off x="7221662" y="3608109"/>
+          <a:ext cx="3930978" cy="1084778"/>
+        </p:xfrm>
+        <a:graphic>
+          <a:graphicData uri="http://schemas.openxmlformats.org/drawingml/2006/table">
+            <a:tbl>
+              <a:tblPr firstRow="1" bandRow="1">
+                <a:tableStyleId>{74C1A8A3-306A-4EB7-A6B1-4F7E0EB9C5D6}</a:tableStyleId>
+              </a:tblPr>
+              <a:tblGrid>
+                <a:gridCol w="1895532">
+                  <a:extLst>
+                    <a:ext uri="{9D8B030D-6E8A-4147-A177-3AD203B41FA5}">
+                      <a16:colId xmlns:a16="http://schemas.microsoft.com/office/drawing/2014/main" val="3768034971"/>
+                    </a:ext>
+                  </a:extLst>
+                </a:gridCol>
+                <a:gridCol w="2035446">
+                  <a:extLst>
+                    <a:ext uri="{9D8B030D-6E8A-4147-A177-3AD203B41FA5}">
+                      <a16:colId xmlns:a16="http://schemas.microsoft.com/office/drawing/2014/main" val="4110057692"/>
+                    </a:ext>
+                  </a:extLst>
+                </a:gridCol>
+              </a:tblGrid>
+              <a:tr h="409588">
+                <a:tc>
+                  <a:txBody>
+                    <a:bodyPr/>
+                    <a:lstStyle/>
+                    <a:p>
+                      <a:pPr algn="ctr"/>
+                      <a:r>
+                        <a:rPr lang="pl-PL" dirty="0"/>
+                        <a:t>Wartość</a:t>
+                      </a:r>
+                      <a:endParaRPr lang="en-US" dirty="0"/>
+                    </a:p>
+                  </a:txBody>
+                  <a:tcPr anchor="ctr"/>
+                </a:tc>
+                <a:tc>
+                  <a:txBody>
+                    <a:bodyPr/>
+                    <a:lstStyle/>
+                    <a:p>
+                      <a:pPr algn="ctr"/>
+                      <a:r>
+                        <a:rPr lang="pl-PL" dirty="0"/>
+                        <a:t>Znaczenie </a:t>
+                      </a:r>
+                      <a:endParaRPr lang="en-US" dirty="0"/>
+                    </a:p>
+                  </a:txBody>
+                  <a:tcPr anchor="ctr"/>
+                </a:tc>
+                <a:extLst>
+                  <a:ext uri="{0D108BD9-81ED-4DB2-BD59-A6C34878D82A}">
+                    <a16:rowId xmlns:a16="http://schemas.microsoft.com/office/drawing/2014/main" val="3749475524"/>
+                  </a:ext>
+                </a:extLst>
+              </a:tr>
+              <a:tr h="675190">
+                <a:tc>
+                  <a:txBody>
+                    <a:bodyPr/>
+                    <a:lstStyle/>
+                    <a:p>
+                      <a:pPr algn="ctr"/>
+                      <a:r>
+                        <a:rPr lang="pl-PL" dirty="0"/>
+                        <a:t>Współczynnik korelacji R</a:t>
+                      </a:r>
+                      <a:endParaRPr lang="en-US" dirty="0"/>
+                    </a:p>
+                  </a:txBody>
+                  <a:tcPr anchor="ctr"/>
+                </a:tc>
+                <a:tc>
+                  <a:txBody>
+                    <a:bodyPr/>
+                    <a:lstStyle/>
+                    <a:p>
+                      <a:pPr algn="ctr"/>
+                      <a:r>
+                        <a:rPr lang="pl-PL" dirty="0"/>
+                        <a:t>0.9941743</a:t>
+                      </a:r>
+                      <a:endParaRPr lang="en-US" dirty="0"/>
+                    </a:p>
+                  </a:txBody>
+                  <a:tcPr anchor="ctr"/>
+                </a:tc>
+                <a:extLst>
+                  <a:ext uri="{0D108BD9-81ED-4DB2-BD59-A6C34878D82A}">
+                    <a16:rowId xmlns:a16="http://schemas.microsoft.com/office/drawing/2014/main" val="1389591673"/>
+                  </a:ext>
+                </a:extLst>
+              </a:tr>
+            </a:tbl>
+          </a:graphicData>
+        </a:graphic>
+      </p:graphicFrame>
+      <p:sp>
+        <p:nvSpPr>
+          <p:cNvPr id="9" name="TextBox 8">
+            <a:extLst>
+              <a:ext uri="{FF2B5EF4-FFF2-40B4-BE49-F238E27FC236}">
+                <a16:creationId xmlns:a16="http://schemas.microsoft.com/office/drawing/2014/main" id="{597B89EF-CFA4-453C-81B4-0C554DFC1F06}"/>
+              </a:ext>
+            </a:extLst>
+          </p:cNvPr>
+          <p:cNvSpPr txBox="1"/>
           <p:nvPr/>
-        </p:nvPicPr>
-        <p:blipFill>
-          <a:blip r:embed="rId6">
-            <a:extLst>
-              <a:ext uri="{28A0092B-C50C-407E-A947-70E740481C1C}">
-                <a14:useLocalDpi xmlns:a14="http://schemas.microsoft.com/office/drawing/2010/main" val="0"/>
-              </a:ext>
-            </a:extLst>
-          </a:blip>
-          <a:stretch>
-            <a:fillRect/>
-          </a:stretch>
-        </p:blipFill>
-        <p:spPr>
-          <a:xfrm>
-            <a:off x="2559974" y="5789306"/>
-            <a:ext cx="811031" cy="811031"/>
+        </p:nvSpPr>
+        <p:spPr>
+          <a:xfrm>
+            <a:off x="7221662" y="2822993"/>
+            <a:ext cx="3816247" cy="461665"/>
           </a:xfrm>
           <a:prstGeom prst="rect">
             <a:avLst/>
           </a:prstGeom>
-        </p:spPr>
-      </p:pic>
-      <p:pic>
-        <p:nvPicPr>
-          <p:cNvPr id="10" name="Picture 9">
-            <a:extLst>
-              <a:ext uri="{FF2B5EF4-FFF2-40B4-BE49-F238E27FC236}">
-                <a16:creationId xmlns:a16="http://schemas.microsoft.com/office/drawing/2014/main" id="{FA5144B6-5879-4F50-8B0A-B28D56F9BBB9}"/>
-              </a:ext>
-            </a:extLst>
-          </p:cNvPr>
-          <p:cNvPicPr>
-            <a:picLocks noChangeAspect="1"/>
-          </p:cNvPicPr>
-          <p:nvPr/>
-        </p:nvPicPr>
-        <p:blipFill>
-          <a:blip r:embed="rId6">
-            <a:extLst>
-              <a:ext uri="{28A0092B-C50C-407E-A947-70E740481C1C}">
-                <a14:useLocalDpi xmlns:a14="http://schemas.microsoft.com/office/drawing/2010/main" val="0"/>
-              </a:ext>
-            </a:extLst>
-          </a:blip>
-          <a:stretch>
-            <a:fillRect/>
-          </a:stretch>
-        </p:blipFill>
-        <p:spPr>
-          <a:xfrm>
-            <a:off x="9398524" y="5800143"/>
-            <a:ext cx="811031" cy="811031"/>
-          </a:xfrm>
-          <a:prstGeom prst="rect">
-            <a:avLst/>
-          </a:prstGeom>
-        </p:spPr>
-      </p:pic>
+          <a:noFill/>
+        </p:spPr>
+        <p:txBody>
+          <a:bodyPr wrap="square">
+            <a:spAutoFit/>
+          </a:bodyPr>
+          <a:lstStyle/>
+          <a:p>
+            <a:r>
+              <a:rPr lang="en-US" sz="2400" b="1" i="0" dirty="0">
+                <a:effectLst/>
+                <a:latin typeface="Open Sans" panose="020B0606030504020204" pitchFamily="34" charset="0"/>
+              </a:rPr>
+              <a:t>Test </a:t>
+            </a:r>
+            <a:r>
+              <a:rPr lang="en-US" sz="2400" b="1" i="0" dirty="0" err="1">
+                <a:effectLst/>
+                <a:latin typeface="Open Sans" panose="020B0606030504020204" pitchFamily="34" charset="0"/>
+              </a:rPr>
+              <a:t>korelacji</a:t>
+            </a:r>
+            <a:r>
+              <a:rPr lang="en-US" sz="2400" b="1" i="0" dirty="0">
+                <a:effectLst/>
+                <a:latin typeface="Open Sans" panose="020B0606030504020204" pitchFamily="34" charset="0"/>
+              </a:rPr>
+              <a:t> </a:t>
+            </a:r>
+            <a:r>
+              <a:rPr lang="en-US" sz="2400" b="1" i="0" dirty="0" err="1">
+                <a:effectLst/>
+                <a:latin typeface="Open Sans" panose="020B0606030504020204" pitchFamily="34" charset="0"/>
+              </a:rPr>
+              <a:t>Pearsona</a:t>
+            </a:r>
+            <a:endParaRPr lang="en-US" sz="2400" b="1" i="0" dirty="0">
+              <a:effectLst/>
+              <a:latin typeface="Open Sans" panose="020B0606030504020204" pitchFamily="34" charset="0"/>
+            </a:endParaRPr>
+          </a:p>
+        </p:txBody>
+      </p:sp>
+      <mc:AlternateContent xmlns:mc="http://schemas.openxmlformats.org/markup-compatibility/2006">
+        <mc:Choice xmlns:a14="http://schemas.microsoft.com/office/drawing/2010/main" Requires="a14">
+          <p:sp>
+            <p:nvSpPr>
+              <p:cNvPr id="13" name="TextBox 12">
+                <a:extLst>
+                  <a:ext uri="{FF2B5EF4-FFF2-40B4-BE49-F238E27FC236}">
+                    <a16:creationId xmlns:a16="http://schemas.microsoft.com/office/drawing/2014/main" id="{CC9A2B10-77BD-4375-812E-4E12322976CC}"/>
+                  </a:ext>
+                </a:extLst>
+              </p:cNvPr>
+              <p:cNvSpPr txBox="1"/>
+              <p:nvPr/>
+            </p:nvSpPr>
+            <p:spPr>
+              <a:xfrm>
+                <a:off x="7221662" y="5016338"/>
+                <a:ext cx="4647415" cy="369332"/>
+              </a:xfrm>
+              <a:prstGeom prst="rect">
+                <a:avLst/>
+              </a:prstGeom>
+              <a:noFill/>
+            </p:spPr>
+            <p:txBody>
+              <a:bodyPr wrap="square">
+                <a:spAutoFit/>
+              </a:bodyPr>
+              <a:lstStyle/>
+              <a:p>
+                <a:r>
+                  <a:rPr lang="pl-PL" dirty="0">
+                    <a:latin typeface="Arial" panose="020B0604020202020204" pitchFamily="34" charset="0"/>
+                  </a:rPr>
+                  <a:t>K</a:t>
+                </a:r>
+                <a:r>
+                  <a:rPr lang="en-US" b="0" i="0" dirty="0" err="1">
+                    <a:effectLst/>
+                    <a:latin typeface="Arial" panose="020B0604020202020204" pitchFamily="34" charset="0"/>
+                  </a:rPr>
+                  <a:t>orelacja</a:t>
+                </a:r>
+                <a:r>
+                  <a:rPr lang="en-US" b="0" i="0" dirty="0">
+                    <a:effectLst/>
+                    <a:latin typeface="Arial" panose="020B0604020202020204" pitchFamily="34" charset="0"/>
+                  </a:rPr>
+                  <a:t> jest</a:t>
+                </a:r>
+                <a:r>
+                  <a:rPr lang="pl-PL" b="0" i="0" dirty="0">
+                    <a:effectLst/>
+                    <a:latin typeface="Arial" panose="020B0604020202020204" pitchFamily="34" charset="0"/>
+                  </a:rPr>
+                  <a:t> </a:t>
+                </a:r>
+                <a:r>
+                  <a:rPr lang="en-US" b="1" i="0" dirty="0" err="1">
+                    <a:effectLst/>
+                    <a:latin typeface="Arial" panose="020B0604020202020204" pitchFamily="34" charset="0"/>
+                  </a:rPr>
+                  <a:t>bardzo</a:t>
+                </a:r>
+                <a:r>
+                  <a:rPr lang="en-US" b="1" i="0" dirty="0">
+                    <a:effectLst/>
+                    <a:latin typeface="Arial" panose="020B0604020202020204" pitchFamily="34" charset="0"/>
+                  </a:rPr>
+                  <a:t> </a:t>
+                </a:r>
+                <a:r>
+                  <a:rPr lang="en-US" b="1" i="0" dirty="0" err="1">
+                    <a:effectLst/>
+                    <a:latin typeface="Arial" panose="020B0604020202020204" pitchFamily="34" charset="0"/>
+                  </a:rPr>
+                  <a:t>silna</a:t>
+                </a:r>
+                <a:r>
+                  <a:rPr lang="pl-PL" b="0" i="0" dirty="0">
+                    <a:effectLst/>
+                    <a:latin typeface="Arial" panose="020B0604020202020204" pitchFamily="34" charset="0"/>
+                  </a:rPr>
+                  <a:t>, bo 0,8</a:t>
+                </a:r>
+                <a14:m>
+                  <m:oMath xmlns:m="http://schemas.openxmlformats.org/officeDocument/2006/math">
+                    <m:r>
+                      <a:rPr lang="pl-PL" b="0" i="1" smtClean="0">
+                        <a:effectLst/>
+                        <a:latin typeface="Cambria Math" panose="02040503050406030204" pitchFamily="18" charset="0"/>
+                        <a:ea typeface="Cambria Math" panose="02040503050406030204" pitchFamily="18" charset="0"/>
+                      </a:rPr>
+                      <m:t>≤</m:t>
+                    </m:r>
+                    <m:r>
+                      <a:rPr lang="pl-PL" b="0" i="1" smtClean="0">
+                        <a:effectLst/>
+                        <a:latin typeface="Cambria Math" panose="02040503050406030204" pitchFamily="18" charset="0"/>
+                        <a:ea typeface="Cambria Math" panose="02040503050406030204" pitchFamily="18" charset="0"/>
+                      </a:rPr>
+                      <m:t>𝑅</m:t>
+                    </m:r>
+                    <m:r>
+                      <a:rPr lang="pl-PL" b="0" i="1" smtClean="0">
+                        <a:effectLst/>
+                        <a:latin typeface="Cambria Math" panose="02040503050406030204" pitchFamily="18" charset="0"/>
+                        <a:ea typeface="Cambria Math" panose="02040503050406030204" pitchFamily="18" charset="0"/>
+                      </a:rPr>
+                      <m:t>&lt;1</m:t>
+                    </m:r>
+                  </m:oMath>
+                </a14:m>
+                <a:endParaRPr lang="en-US" dirty="0"/>
+              </a:p>
+            </p:txBody>
+          </p:sp>
+        </mc:Choice>
+        <mc:Fallback>
+          <p:sp>
+            <p:nvSpPr>
+              <p:cNvPr id="13" name="TextBox 12">
+                <a:extLst>
+                  <a:ext uri="{FF2B5EF4-FFF2-40B4-BE49-F238E27FC236}">
+                    <a16:creationId xmlns:a16="http://schemas.microsoft.com/office/drawing/2014/main" id="{CC9A2B10-77BD-4375-812E-4E12322976CC}"/>
+                  </a:ext>
+                </a:extLst>
+              </p:cNvPr>
+              <p:cNvSpPr txBox="1">
+                <a:spLocks noRot="1" noChangeAspect="1" noMove="1" noResize="1" noEditPoints="1" noAdjustHandles="1" noChangeArrowheads="1" noChangeShapeType="1" noTextEdit="1"/>
+              </p:cNvSpPr>
+              <p:nvPr/>
+            </p:nvSpPr>
+            <p:spPr>
+              <a:xfrm>
+                <a:off x="7221662" y="5016338"/>
+                <a:ext cx="4647415" cy="369332"/>
+              </a:xfrm>
+              <a:prstGeom prst="rect">
+                <a:avLst/>
+              </a:prstGeom>
+              <a:blipFill>
+                <a:blip r:embed="rId6"/>
+                <a:stretch>
+                  <a:fillRect l="-1181" t="-11667" b="-25000"/>
+                </a:stretch>
+              </a:blipFill>
+            </p:spPr>
+            <p:txBody>
+              <a:bodyPr/>
+              <a:lstStyle/>
+              <a:p>
+                <a:r>
+                  <a:rPr lang="en-US">
+                    <a:noFill/>
+                  </a:rPr>
+                  <a:t> </a:t>
+                </a:r>
+              </a:p>
+            </p:txBody>
+          </p:sp>
+        </mc:Fallback>
+      </mc:AlternateContent>
     </p:spTree>
     <p:extLst>
       <p:ext uri="{BB962C8B-B14F-4D97-AF65-F5344CB8AC3E}">
-        <p14:creationId xmlns:p14="http://schemas.microsoft.com/office/powerpoint/2010/main" val="708649623"/>
+        <p14:creationId xmlns:p14="http://schemas.microsoft.com/office/powerpoint/2010/main" val="3216260609"/>
       </p:ext>
     </p:extLst>
   </p:cSld>
@@ -5405,10 +8733,10 @@
       </p:grpSpPr>
       <p:pic>
         <p:nvPicPr>
-          <p:cNvPr id="2" name="Picture 1">
+          <p:cNvPr id="5" name="Picture 4">
             <a:extLst>
               <a:ext uri="{FF2B5EF4-FFF2-40B4-BE49-F238E27FC236}">
-                <a16:creationId xmlns:a16="http://schemas.microsoft.com/office/drawing/2014/main" id="{FA98B724-5A4A-4EC8-8828-DB9447E6AAC5}"/>
+                <a16:creationId xmlns:a16="http://schemas.microsoft.com/office/drawing/2014/main" id="{C3CA0BE5-166C-4389-B4CC-BA6CFB31C9B4}"/>
               </a:ext>
             </a:extLst>
           </p:cNvPr>
@@ -5418,187 +8746,15 @@
           <p:nvPr/>
         </p:nvPicPr>
         <p:blipFill>
-          <a:blip r:embed="rId2">
-            <a:extLst>
-              <a:ext uri="{28A0092B-C50C-407E-A947-70E740481C1C}">
-                <a14:useLocalDpi xmlns:a14="http://schemas.microsoft.com/office/drawing/2010/main" val="0"/>
-              </a:ext>
-            </a:extLst>
-          </a:blip>
+          <a:blip r:embed="rId2"/>
           <a:stretch>
             <a:fillRect/>
           </a:stretch>
         </p:blipFill>
         <p:spPr>
           <a:xfrm>
-            <a:off x="2440884" y="911890"/>
-            <a:ext cx="2293224" cy="2293224"/>
-          </a:xfrm>
-          <a:prstGeom prst="rect">
-            <a:avLst/>
-          </a:prstGeom>
-        </p:spPr>
-      </p:pic>
-      <p:pic>
-        <p:nvPicPr>
-          <p:cNvPr id="3" name="Picture 2">
-            <a:extLst>
-              <a:ext uri="{FF2B5EF4-FFF2-40B4-BE49-F238E27FC236}">
-                <a16:creationId xmlns:a16="http://schemas.microsoft.com/office/drawing/2014/main" id="{155C2EFC-590D-4832-BE93-DE39709AEC54}"/>
-              </a:ext>
-            </a:extLst>
-          </p:cNvPr>
-          <p:cNvPicPr>
-            <a:picLocks noChangeAspect="1"/>
-          </p:cNvPicPr>
-          <p:nvPr/>
-        </p:nvPicPr>
-        <p:blipFill>
-          <a:blip r:embed="rId3">
-            <a:extLst>
-              <a:ext uri="{28A0092B-C50C-407E-A947-70E740481C1C}">
-                <a14:useLocalDpi xmlns:a14="http://schemas.microsoft.com/office/drawing/2010/main" val="0"/>
-              </a:ext>
-            </a:extLst>
-          </a:blip>
-          <a:stretch>
-            <a:fillRect/>
-          </a:stretch>
-        </p:blipFill>
-        <p:spPr>
-          <a:xfrm>
-            <a:off x="2611226" y="3843626"/>
-            <a:ext cx="2198956" cy="2198956"/>
-          </a:xfrm>
-          <a:prstGeom prst="rect">
-            <a:avLst/>
-          </a:prstGeom>
-        </p:spPr>
-      </p:pic>
-      <p:sp>
-        <p:nvSpPr>
-          <p:cNvPr id="4" name="Rectangle 3">
-            <a:extLst>
-              <a:ext uri="{FF2B5EF4-FFF2-40B4-BE49-F238E27FC236}">
-                <a16:creationId xmlns:a16="http://schemas.microsoft.com/office/drawing/2014/main" id="{313559E2-0466-499B-BFAC-0BFCFD46D06F}"/>
-              </a:ext>
-            </a:extLst>
-          </p:cNvPr>
-          <p:cNvSpPr/>
-          <p:nvPr/>
-        </p:nvSpPr>
-        <p:spPr>
-          <a:xfrm>
-            <a:off x="1645574" y="3407791"/>
-            <a:ext cx="3883843" cy="101339"/>
-          </a:xfrm>
-          <a:prstGeom prst="rect">
-            <a:avLst/>
-          </a:prstGeom>
-        </p:spPr>
-        <p:style>
-          <a:lnRef idx="3">
-            <a:schemeClr val="lt1"/>
-          </a:lnRef>
-          <a:fillRef idx="1">
-            <a:schemeClr val="accent3"/>
-          </a:fillRef>
-          <a:effectRef idx="1">
-            <a:schemeClr val="accent3"/>
-          </a:effectRef>
-          <a:fontRef idx="minor">
-            <a:schemeClr val="lt1"/>
-          </a:fontRef>
-        </p:style>
-        <p:txBody>
-          <a:bodyPr rtlCol="0" anchor="ctr"/>
-          <a:lstStyle/>
-          <a:p>
-            <a:pPr algn="ctr"/>
-            <a:endParaRPr lang="en-US"/>
-          </a:p>
-        </p:txBody>
-      </p:sp>
-      <p:sp>
-        <p:nvSpPr>
-          <p:cNvPr id="5" name="Equals 4">
-            <a:extLst>
-              <a:ext uri="{FF2B5EF4-FFF2-40B4-BE49-F238E27FC236}">
-                <a16:creationId xmlns:a16="http://schemas.microsoft.com/office/drawing/2014/main" id="{B7497AAA-A3D5-4495-90AA-B9D257AC4FD6}"/>
-              </a:ext>
-            </a:extLst>
-          </p:cNvPr>
-          <p:cNvSpPr/>
-          <p:nvPr/>
-        </p:nvSpPr>
-        <p:spPr>
-          <a:xfrm>
-            <a:off x="5963680" y="2938808"/>
-            <a:ext cx="1615126" cy="1140643"/>
-          </a:xfrm>
-          <a:prstGeom prst="mathEqual">
-            <a:avLst/>
-          </a:prstGeom>
-        </p:spPr>
-        <p:style>
-          <a:lnRef idx="2">
-            <a:schemeClr val="accent3">
-              <a:shade val="50000"/>
-            </a:schemeClr>
-          </a:lnRef>
-          <a:fillRef idx="1">
-            <a:schemeClr val="accent3"/>
-          </a:fillRef>
-          <a:effectRef idx="0">
-            <a:schemeClr val="accent3"/>
-          </a:effectRef>
-          <a:fontRef idx="minor">
-            <a:schemeClr val="lt1"/>
-          </a:fontRef>
-        </p:style>
-        <p:txBody>
-          <a:bodyPr rtlCol="0" anchor="ctr"/>
-          <a:lstStyle/>
-          <a:p>
-            <a:pPr algn="ctr"/>
-            <a:endParaRPr lang="en-US">
-              <a:solidFill>
-                <a:schemeClr val="tx1"/>
-              </a:solidFill>
-            </a:endParaRPr>
-          </a:p>
-        </p:txBody>
-      </p:sp>
-      <p:pic>
-        <p:nvPicPr>
-          <p:cNvPr id="7" name="Picture 6">
-            <a:extLst>
-              <a:ext uri="{FF2B5EF4-FFF2-40B4-BE49-F238E27FC236}">
-                <a16:creationId xmlns:a16="http://schemas.microsoft.com/office/drawing/2014/main" id="{CB4F5531-91FC-4BBF-B653-8264E0189FB0}"/>
-              </a:ext>
-            </a:extLst>
-          </p:cNvPr>
-          <p:cNvPicPr>
-            <a:picLocks noChangeAspect="1"/>
-          </p:cNvPicPr>
-          <p:nvPr/>
-        </p:nvPicPr>
-        <p:blipFill>
-          <a:blip r:embed="rId4">
-            <a:extLst>
-              <a:ext uri="{28A0092B-C50C-407E-A947-70E740481C1C}">
-                <a14:useLocalDpi xmlns:a14="http://schemas.microsoft.com/office/drawing/2010/main" val="0"/>
-              </a:ext>
-            </a:extLst>
-          </a:blip>
-          <a:stretch>
-            <a:fillRect/>
-          </a:stretch>
-        </p:blipFill>
-        <p:spPr>
-          <a:xfrm>
-            <a:off x="7230664" y="1376466"/>
-            <a:ext cx="3657295" cy="3657295"/>
+            <a:off x="1131159" y="0"/>
+            <a:ext cx="9929682" cy="6858000"/>
           </a:xfrm>
           <a:prstGeom prst="rect">
             <a:avLst/>
@@ -5608,13 +8764,16 @@
     </p:spTree>
     <p:extLst>
       <p:ext uri="{BB962C8B-B14F-4D97-AF65-F5344CB8AC3E}">
-        <p14:creationId xmlns:p14="http://schemas.microsoft.com/office/powerpoint/2010/main" val="3256864059"/>
+        <p14:creationId xmlns:p14="http://schemas.microsoft.com/office/powerpoint/2010/main" val="1801314820"/>
       </p:ext>
     </p:extLst>
   </p:cSld>
   <p:clrMapOvr>
     <a:masterClrMapping/>
   </p:clrMapOvr>
+  <p:transition spd="slow">
+    <p:push dir="u"/>
+  </p:transition>
 </p:sld>
 </file>
 
@@ -5640,7 +8799,7 @@
           <p:cNvPr id="3" name="Picture 2">
             <a:extLst>
               <a:ext uri="{FF2B5EF4-FFF2-40B4-BE49-F238E27FC236}">
-                <a16:creationId xmlns:a16="http://schemas.microsoft.com/office/drawing/2014/main" id="{A6E1BA9F-4A1B-4F95-B501-418E4483AB4B}"/>
+                <a16:creationId xmlns:a16="http://schemas.microsoft.com/office/drawing/2014/main" id="{B32F1566-3C01-4B25-BF97-57639F5E943E}"/>
               </a:ext>
             </a:extLst>
           </p:cNvPr>
@@ -5663,8 +8822,140 @@
         </p:blipFill>
         <p:spPr>
           <a:xfrm>
-            <a:off x="1198721" y="0"/>
-            <a:ext cx="8889584" cy="6858000"/>
+            <a:off x="6677159" y="402290"/>
+            <a:ext cx="1107860" cy="1107860"/>
+          </a:xfrm>
+          <a:prstGeom prst="rect">
+            <a:avLst/>
+          </a:prstGeom>
+        </p:spPr>
+      </p:pic>
+      <p:pic>
+        <p:nvPicPr>
+          <p:cNvPr id="4" name="Picture 3">
+            <a:extLst>
+              <a:ext uri="{FF2B5EF4-FFF2-40B4-BE49-F238E27FC236}">
+                <a16:creationId xmlns:a16="http://schemas.microsoft.com/office/drawing/2014/main" id="{291CE076-D626-4C18-96F1-EBB0403F0C3B}"/>
+              </a:ext>
+            </a:extLst>
+          </p:cNvPr>
+          <p:cNvPicPr>
+            <a:picLocks noChangeAspect="1"/>
+          </p:cNvPicPr>
+          <p:nvPr/>
+        </p:nvPicPr>
+        <p:blipFill>
+          <a:blip r:embed="rId3">
+            <a:extLst>
+              <a:ext uri="{28A0092B-C50C-407E-A947-70E740481C1C}">
+                <a14:useLocalDpi xmlns:a14="http://schemas.microsoft.com/office/drawing/2010/main" val="0"/>
+              </a:ext>
+            </a:extLst>
+          </a:blip>
+          <a:stretch>
+            <a:fillRect/>
+          </a:stretch>
+        </p:blipFill>
+        <p:spPr>
+          <a:xfrm>
+            <a:off x="5836909" y="795366"/>
+            <a:ext cx="635678" cy="635678"/>
+          </a:xfrm>
+          <a:prstGeom prst="rect">
+            <a:avLst/>
+          </a:prstGeom>
+        </p:spPr>
+      </p:pic>
+      <p:pic>
+        <p:nvPicPr>
+          <p:cNvPr id="10" name="Picture 9">
+            <a:extLst>
+              <a:ext uri="{FF2B5EF4-FFF2-40B4-BE49-F238E27FC236}">
+                <a16:creationId xmlns:a16="http://schemas.microsoft.com/office/drawing/2014/main" id="{6B088C24-2F74-44EE-A46D-89E508B1F102}"/>
+              </a:ext>
+            </a:extLst>
+          </p:cNvPr>
+          <p:cNvPicPr>
+            <a:picLocks noChangeAspect="1"/>
+          </p:cNvPicPr>
+          <p:nvPr/>
+        </p:nvPicPr>
+        <p:blipFill>
+          <a:blip r:embed="rId4">
+            <a:extLst>
+              <a:ext uri="{28A0092B-C50C-407E-A947-70E740481C1C}">
+                <a14:useLocalDpi xmlns:a14="http://schemas.microsoft.com/office/drawing/2010/main" val="0"/>
+              </a:ext>
+            </a:extLst>
+          </a:blip>
+          <a:stretch>
+            <a:fillRect/>
+          </a:stretch>
+        </p:blipFill>
+        <p:spPr>
+          <a:xfrm>
+            <a:off x="4451149" y="402290"/>
+            <a:ext cx="1181188" cy="1181188"/>
+          </a:xfrm>
+          <a:prstGeom prst="rect">
+            <a:avLst/>
+          </a:prstGeom>
+        </p:spPr>
+      </p:pic>
+      <p:pic>
+        <p:nvPicPr>
+          <p:cNvPr id="11" name="Picture 10">
+            <a:extLst>
+              <a:ext uri="{FF2B5EF4-FFF2-40B4-BE49-F238E27FC236}">
+                <a16:creationId xmlns:a16="http://schemas.microsoft.com/office/drawing/2014/main" id="{AC72D7D5-9C9C-4F18-8729-C6AE7462745E}"/>
+              </a:ext>
+            </a:extLst>
+          </p:cNvPr>
+          <p:cNvPicPr>
+            <a:picLocks noChangeAspect="1"/>
+          </p:cNvPicPr>
+          <p:nvPr/>
+        </p:nvPicPr>
+        <p:blipFill>
+          <a:blip r:embed="rId5"/>
+          <a:stretch>
+            <a:fillRect/>
+          </a:stretch>
+        </p:blipFill>
+        <p:spPr>
+          <a:xfrm>
+            <a:off x="254569" y="2159936"/>
+            <a:ext cx="5650709" cy="3902699"/>
+          </a:xfrm>
+          <a:prstGeom prst="rect">
+            <a:avLst/>
+          </a:prstGeom>
+        </p:spPr>
+      </p:pic>
+      <p:pic>
+        <p:nvPicPr>
+          <p:cNvPr id="12" name="Picture 11">
+            <a:extLst>
+              <a:ext uri="{FF2B5EF4-FFF2-40B4-BE49-F238E27FC236}">
+                <a16:creationId xmlns:a16="http://schemas.microsoft.com/office/drawing/2014/main" id="{F8275F71-9CF2-4C97-9962-0B349D1D01DA}"/>
+              </a:ext>
+            </a:extLst>
+          </p:cNvPr>
+          <p:cNvPicPr>
+            <a:picLocks noChangeAspect="1"/>
+          </p:cNvPicPr>
+          <p:nvPr/>
+        </p:nvPicPr>
+        <p:blipFill>
+          <a:blip r:embed="rId6"/>
+          <a:stretch>
+            <a:fillRect/>
+          </a:stretch>
+        </p:blipFill>
+        <p:spPr>
+          <a:xfrm>
+            <a:off x="6286723" y="2159936"/>
+            <a:ext cx="5650708" cy="3902699"/>
           </a:xfrm>
           <a:prstGeom prst="rect">
             <a:avLst/>
@@ -5674,13 +8965,16 @@
     </p:spTree>
     <p:extLst>
       <p:ext uri="{BB962C8B-B14F-4D97-AF65-F5344CB8AC3E}">
-        <p14:creationId xmlns:p14="http://schemas.microsoft.com/office/powerpoint/2010/main" val="1037878587"/>
+        <p14:creationId xmlns:p14="http://schemas.microsoft.com/office/powerpoint/2010/main" val="3129690300"/>
       </p:ext>
     </p:extLst>
   </p:cSld>
   <p:clrMapOvr>
     <a:masterClrMapping/>
   </p:clrMapOvr>
+  <p:transition spd="slow">
+    <p:push dir="u"/>
+  </p:transition>
 </p:sld>
 </file>
 
@@ -5703,10 +8997,10 @@
       </p:grpSpPr>
       <p:pic>
         <p:nvPicPr>
-          <p:cNvPr id="2" name="Picture 1">
+          <p:cNvPr id="3" name="Picture 2">
             <a:extLst>
               <a:ext uri="{FF2B5EF4-FFF2-40B4-BE49-F238E27FC236}">
-                <a16:creationId xmlns:a16="http://schemas.microsoft.com/office/drawing/2014/main" id="{AEE82D1F-7CFE-4A1C-8EBE-4436B05F1B60}"/>
+                <a16:creationId xmlns:a16="http://schemas.microsoft.com/office/drawing/2014/main" id="{B32F1566-3C01-4B25-BF97-57639F5E943E}"/>
               </a:ext>
             </a:extLst>
           </p:cNvPr>
@@ -5729,174 +9023,470 @@
         </p:blipFill>
         <p:spPr>
           <a:xfrm>
-            <a:off x="1198721" y="0"/>
-            <a:ext cx="8889584" cy="6858000"/>
+            <a:off x="6677159" y="402290"/>
+            <a:ext cx="1107860" cy="1107860"/>
           </a:xfrm>
           <a:prstGeom prst="rect">
             <a:avLst/>
           </a:prstGeom>
         </p:spPr>
       </p:pic>
-      <p:sp>
-        <p:nvSpPr>
-          <p:cNvPr id="3" name="Rectangle 2">
+      <p:pic>
+        <p:nvPicPr>
+          <p:cNvPr id="4" name="Picture 3">
             <a:extLst>
               <a:ext uri="{FF2B5EF4-FFF2-40B4-BE49-F238E27FC236}">
-                <a16:creationId xmlns:a16="http://schemas.microsoft.com/office/drawing/2014/main" id="{408768C6-487E-41B1-AE4B-7D34BB63A077}"/>
+                <a16:creationId xmlns:a16="http://schemas.microsoft.com/office/drawing/2014/main" id="{291CE076-D626-4C18-96F1-EBB0403F0C3B}"/>
               </a:ext>
             </a:extLst>
           </p:cNvPr>
-          <p:cNvSpPr/>
+          <p:cNvPicPr>
+            <a:picLocks noChangeAspect="1"/>
+          </p:cNvPicPr>
           <p:nvPr/>
-        </p:nvSpPr>
-        <p:spPr>
-          <a:xfrm>
-            <a:off x="2593941" y="1074657"/>
-            <a:ext cx="6140803" cy="4609706"/>
+        </p:nvPicPr>
+        <p:blipFill>
+          <a:blip r:embed="rId3">
+            <a:extLst>
+              <a:ext uri="{28A0092B-C50C-407E-A947-70E740481C1C}">
+                <a14:useLocalDpi xmlns:a14="http://schemas.microsoft.com/office/drawing/2010/main" val="0"/>
+              </a:ext>
+            </a:extLst>
+          </a:blip>
+          <a:stretch>
+            <a:fillRect/>
+          </a:stretch>
+        </p:blipFill>
+        <p:spPr>
+          <a:xfrm>
+            <a:off x="5836909" y="795366"/>
+            <a:ext cx="635678" cy="635678"/>
           </a:xfrm>
           <a:prstGeom prst="rect">
             <a:avLst/>
           </a:prstGeom>
-          <a:solidFill>
-            <a:srgbClr val="92D050">
-              <a:alpha val="60000"/>
-            </a:srgbClr>
-          </a:solidFill>
-          <a:ln>
-            <a:noFill/>
-          </a:ln>
-        </p:spPr>
-        <p:style>
-          <a:lnRef idx="2">
-            <a:schemeClr val="accent2"/>
-          </a:lnRef>
-          <a:fillRef idx="1">
-            <a:schemeClr val="lt1"/>
-          </a:fillRef>
-          <a:effectRef idx="0">
-            <a:schemeClr val="accent2"/>
-          </a:effectRef>
-          <a:fontRef idx="minor">
-            <a:schemeClr val="dk1"/>
-          </a:fontRef>
-        </p:style>
-        <p:txBody>
-          <a:bodyPr rtlCol="0" anchor="ctr"/>
-          <a:lstStyle/>
-          <a:p>
-            <a:pPr algn="ctr"/>
-            <a:endParaRPr lang="en-US" dirty="0"/>
-          </a:p>
-        </p:txBody>
-      </p:sp>
+        </p:spPr>
+      </p:pic>
+      <p:graphicFrame>
+        <p:nvGraphicFramePr>
+          <p:cNvPr id="7" name="Table 7">
+            <a:extLst>
+              <a:ext uri="{FF2B5EF4-FFF2-40B4-BE49-F238E27FC236}">
+                <a16:creationId xmlns:a16="http://schemas.microsoft.com/office/drawing/2014/main" id="{62801940-7DED-4A1E-90AD-8D62F44F9F90}"/>
+              </a:ext>
+            </a:extLst>
+          </p:cNvPr>
+          <p:cNvGraphicFramePr>
+            <a:graphicFrameLocks noGrp="1"/>
+          </p:cNvGraphicFramePr>
+          <p:nvPr>
+            <p:extLst>
+              <p:ext uri="{D42A27DB-BD31-4B8C-83A1-F6EECF244321}">
+                <p14:modId xmlns:p14="http://schemas.microsoft.com/office/powerpoint/2010/main" val="1102346126"/>
+              </p:ext>
+            </p:extLst>
+          </p:nvPr>
+        </p:nvGraphicFramePr>
+        <p:xfrm>
+          <a:off x="7221662" y="3608109"/>
+          <a:ext cx="3930978" cy="1084778"/>
+        </p:xfrm>
+        <a:graphic>
+          <a:graphicData uri="http://schemas.openxmlformats.org/drawingml/2006/table">
+            <a:tbl>
+              <a:tblPr firstRow="1" bandRow="1">
+                <a:tableStyleId>{74C1A8A3-306A-4EB7-A6B1-4F7E0EB9C5D6}</a:tableStyleId>
+              </a:tblPr>
+              <a:tblGrid>
+                <a:gridCol w="1895532">
+                  <a:extLst>
+                    <a:ext uri="{9D8B030D-6E8A-4147-A177-3AD203B41FA5}">
+                      <a16:colId xmlns:a16="http://schemas.microsoft.com/office/drawing/2014/main" val="3768034971"/>
+                    </a:ext>
+                  </a:extLst>
+                </a:gridCol>
+                <a:gridCol w="2035446">
+                  <a:extLst>
+                    <a:ext uri="{9D8B030D-6E8A-4147-A177-3AD203B41FA5}">
+                      <a16:colId xmlns:a16="http://schemas.microsoft.com/office/drawing/2014/main" val="4110057692"/>
+                    </a:ext>
+                  </a:extLst>
+                </a:gridCol>
+              </a:tblGrid>
+              <a:tr h="409588">
+                <a:tc>
+                  <a:txBody>
+                    <a:bodyPr/>
+                    <a:lstStyle/>
+                    <a:p>
+                      <a:pPr algn="ctr"/>
+                      <a:r>
+                        <a:rPr lang="pl-PL" dirty="0"/>
+                        <a:t>Wartość</a:t>
+                      </a:r>
+                      <a:endParaRPr lang="en-US" dirty="0"/>
+                    </a:p>
+                  </a:txBody>
+                  <a:tcPr anchor="ctr"/>
+                </a:tc>
+                <a:tc>
+                  <a:txBody>
+                    <a:bodyPr/>
+                    <a:lstStyle/>
+                    <a:p>
+                      <a:pPr algn="ctr"/>
+                      <a:r>
+                        <a:rPr lang="pl-PL" dirty="0"/>
+                        <a:t>Znaczenie </a:t>
+                      </a:r>
+                      <a:endParaRPr lang="en-US" dirty="0"/>
+                    </a:p>
+                  </a:txBody>
+                  <a:tcPr anchor="ctr"/>
+                </a:tc>
+                <a:extLst>
+                  <a:ext uri="{0D108BD9-81ED-4DB2-BD59-A6C34878D82A}">
+                    <a16:rowId xmlns:a16="http://schemas.microsoft.com/office/drawing/2014/main" val="3749475524"/>
+                  </a:ext>
+                </a:extLst>
+              </a:tr>
+              <a:tr h="675190">
+                <a:tc>
+                  <a:txBody>
+                    <a:bodyPr/>
+                    <a:lstStyle/>
+                    <a:p>
+                      <a:pPr algn="ctr"/>
+                      <a:r>
+                        <a:rPr lang="pl-PL" dirty="0"/>
+                        <a:t>Współczynnik korelacji R</a:t>
+                      </a:r>
+                      <a:endParaRPr lang="en-US" dirty="0"/>
+                    </a:p>
+                  </a:txBody>
+                  <a:tcPr anchor="ctr"/>
+                </a:tc>
+                <a:tc>
+                  <a:txBody>
+                    <a:bodyPr/>
+                    <a:lstStyle/>
+                    <a:p>
+                      <a:pPr algn="ctr"/>
+                      <a:r>
+                        <a:rPr lang="pl-PL" dirty="0"/>
+                        <a:t>0.9059034 </a:t>
+                      </a:r>
+                      <a:endParaRPr lang="en-US" dirty="0"/>
+                    </a:p>
+                  </a:txBody>
+                  <a:tcPr anchor="ctr"/>
+                </a:tc>
+                <a:extLst>
+                  <a:ext uri="{0D108BD9-81ED-4DB2-BD59-A6C34878D82A}">
+                    <a16:rowId xmlns:a16="http://schemas.microsoft.com/office/drawing/2014/main" val="1389591673"/>
+                  </a:ext>
+                </a:extLst>
+              </a:tr>
+            </a:tbl>
+          </a:graphicData>
+        </a:graphic>
+      </p:graphicFrame>
       <p:sp>
         <p:nvSpPr>
-          <p:cNvPr id="4" name="Rectangle 3">
+          <p:cNvPr id="9" name="TextBox 8">
             <a:extLst>
               <a:ext uri="{FF2B5EF4-FFF2-40B4-BE49-F238E27FC236}">
-                <a16:creationId xmlns:a16="http://schemas.microsoft.com/office/drawing/2014/main" id="{1323E44B-D5D7-4453-8F2C-D35CAA069620}"/>
+                <a16:creationId xmlns:a16="http://schemas.microsoft.com/office/drawing/2014/main" id="{597B89EF-CFA4-453C-81B4-0C554DFC1F06}"/>
               </a:ext>
             </a:extLst>
           </p:cNvPr>
-          <p:cNvSpPr/>
+          <p:cNvSpPr txBox="1"/>
           <p:nvPr/>
         </p:nvSpPr>
         <p:spPr>
           <a:xfrm>
-            <a:off x="8734745" y="1074657"/>
-            <a:ext cx="622169" cy="4609706"/>
+            <a:off x="7221662" y="2822993"/>
+            <a:ext cx="3816247" cy="461665"/>
           </a:xfrm>
           <a:prstGeom prst="rect">
             <a:avLst/>
           </a:prstGeom>
-          <a:solidFill>
-            <a:srgbClr val="FFC412">
-              <a:alpha val="60000"/>
-            </a:srgbClr>
-          </a:solidFill>
-          <a:ln>
-            <a:noFill/>
-          </a:ln>
-        </p:spPr>
-        <p:style>
-          <a:lnRef idx="2">
-            <a:schemeClr val="accent2"/>
-          </a:lnRef>
-          <a:fillRef idx="1">
-            <a:schemeClr val="lt1"/>
-          </a:fillRef>
-          <a:effectRef idx="0">
-            <a:schemeClr val="accent2"/>
-          </a:effectRef>
-          <a:fontRef idx="minor">
-            <a:schemeClr val="dk1"/>
-          </a:fontRef>
-        </p:style>
+          <a:noFill/>
+        </p:spPr>
         <p:txBody>
-          <a:bodyPr rtlCol="0" anchor="ctr"/>
+          <a:bodyPr wrap="square">
+            <a:spAutoFit/>
+          </a:bodyPr>
           <a:lstStyle/>
           <a:p>
-            <a:pPr algn="ctr"/>
-            <a:endParaRPr lang="en-US"/>
+            <a:r>
+              <a:rPr lang="en-US" sz="2400" b="1" i="0" dirty="0">
+                <a:effectLst/>
+                <a:latin typeface="Open Sans" panose="020B0606030504020204" pitchFamily="34" charset="0"/>
+              </a:rPr>
+              <a:t>Test </a:t>
+            </a:r>
+            <a:r>
+              <a:rPr lang="en-US" sz="2400" b="1" i="0" dirty="0" err="1">
+                <a:effectLst/>
+                <a:latin typeface="Open Sans" panose="020B0606030504020204" pitchFamily="34" charset="0"/>
+              </a:rPr>
+              <a:t>korelacji</a:t>
+            </a:r>
+            <a:r>
+              <a:rPr lang="en-US" sz="2400" b="1" i="0" dirty="0">
+                <a:effectLst/>
+                <a:latin typeface="Open Sans" panose="020B0606030504020204" pitchFamily="34" charset="0"/>
+              </a:rPr>
+              <a:t> </a:t>
+            </a:r>
+            <a:r>
+              <a:rPr lang="en-US" sz="2400" b="1" i="0" dirty="0" err="1">
+                <a:effectLst/>
+                <a:latin typeface="Open Sans" panose="020B0606030504020204" pitchFamily="34" charset="0"/>
+              </a:rPr>
+              <a:t>Pearsona</a:t>
+            </a:r>
+            <a:endParaRPr lang="en-US" sz="2400" b="1" i="0" dirty="0">
+              <a:effectLst/>
+              <a:latin typeface="Open Sans" panose="020B0606030504020204" pitchFamily="34" charset="0"/>
+            </a:endParaRPr>
           </a:p>
         </p:txBody>
       </p:sp>
-      <p:sp>
-        <p:nvSpPr>
-          <p:cNvPr id="5" name="Rectangle 4">
+      <mc:AlternateContent xmlns:mc="http://schemas.openxmlformats.org/markup-compatibility/2006">
+        <mc:Choice xmlns:a14="http://schemas.microsoft.com/office/drawing/2010/main" Requires="a14">
+          <p:sp>
+            <p:nvSpPr>
+              <p:cNvPr id="13" name="TextBox 12">
+                <a:extLst>
+                  <a:ext uri="{FF2B5EF4-FFF2-40B4-BE49-F238E27FC236}">
+                    <a16:creationId xmlns:a16="http://schemas.microsoft.com/office/drawing/2014/main" id="{CC9A2B10-77BD-4375-812E-4E12322976CC}"/>
+                  </a:ext>
+                </a:extLst>
+              </p:cNvPr>
+              <p:cNvSpPr txBox="1"/>
+              <p:nvPr/>
+            </p:nvSpPr>
+            <p:spPr>
+              <a:xfrm>
+                <a:off x="7221662" y="5016338"/>
+                <a:ext cx="4647415" cy="369332"/>
+              </a:xfrm>
+              <a:prstGeom prst="rect">
+                <a:avLst/>
+              </a:prstGeom>
+              <a:noFill/>
+            </p:spPr>
+            <p:txBody>
+              <a:bodyPr wrap="square">
+                <a:spAutoFit/>
+              </a:bodyPr>
+              <a:lstStyle/>
+              <a:p>
+                <a:r>
+                  <a:rPr lang="pl-PL" dirty="0">
+                    <a:latin typeface="Arial" panose="020B0604020202020204" pitchFamily="34" charset="0"/>
+                  </a:rPr>
+                  <a:t>K</a:t>
+                </a:r>
+                <a:r>
+                  <a:rPr lang="en-US" b="0" i="0" dirty="0" err="1">
+                    <a:effectLst/>
+                    <a:latin typeface="Arial" panose="020B0604020202020204" pitchFamily="34" charset="0"/>
+                  </a:rPr>
+                  <a:t>orelacja</a:t>
+                </a:r>
+                <a:r>
+                  <a:rPr lang="en-US" b="0" i="0" dirty="0">
+                    <a:effectLst/>
+                    <a:latin typeface="Arial" panose="020B0604020202020204" pitchFamily="34" charset="0"/>
+                  </a:rPr>
+                  <a:t> jest</a:t>
+                </a:r>
+                <a:r>
+                  <a:rPr lang="pl-PL" b="0" i="0" dirty="0">
+                    <a:effectLst/>
+                    <a:latin typeface="Arial" panose="020B0604020202020204" pitchFamily="34" charset="0"/>
+                  </a:rPr>
+                  <a:t> </a:t>
+                </a:r>
+                <a:r>
+                  <a:rPr lang="en-US" b="1" i="0" dirty="0" err="1">
+                    <a:effectLst/>
+                    <a:latin typeface="Arial" panose="020B0604020202020204" pitchFamily="34" charset="0"/>
+                  </a:rPr>
+                  <a:t>bardzo</a:t>
+                </a:r>
+                <a:r>
+                  <a:rPr lang="en-US" b="1" i="0" dirty="0">
+                    <a:effectLst/>
+                    <a:latin typeface="Arial" panose="020B0604020202020204" pitchFamily="34" charset="0"/>
+                  </a:rPr>
+                  <a:t> </a:t>
+                </a:r>
+                <a:r>
+                  <a:rPr lang="en-US" b="1" i="0" dirty="0" err="1">
+                    <a:effectLst/>
+                    <a:latin typeface="Arial" panose="020B0604020202020204" pitchFamily="34" charset="0"/>
+                  </a:rPr>
+                  <a:t>silna</a:t>
+                </a:r>
+                <a:r>
+                  <a:rPr lang="pl-PL" b="0" i="0" dirty="0">
+                    <a:effectLst/>
+                    <a:latin typeface="Arial" panose="020B0604020202020204" pitchFamily="34" charset="0"/>
+                  </a:rPr>
+                  <a:t>, bo 0,8</a:t>
+                </a:r>
+                <a14:m>
+                  <m:oMath xmlns:m="http://schemas.openxmlformats.org/officeDocument/2006/math">
+                    <m:r>
+                      <a:rPr lang="pl-PL" b="0" i="1" smtClean="0">
+                        <a:effectLst/>
+                        <a:latin typeface="Cambria Math" panose="02040503050406030204" pitchFamily="18" charset="0"/>
+                        <a:ea typeface="Cambria Math" panose="02040503050406030204" pitchFamily="18" charset="0"/>
+                      </a:rPr>
+                      <m:t>≤</m:t>
+                    </m:r>
+                    <m:r>
+                      <a:rPr lang="pl-PL" b="0" i="1" smtClean="0">
+                        <a:effectLst/>
+                        <a:latin typeface="Cambria Math" panose="02040503050406030204" pitchFamily="18" charset="0"/>
+                        <a:ea typeface="Cambria Math" panose="02040503050406030204" pitchFamily="18" charset="0"/>
+                      </a:rPr>
+                      <m:t>𝑅</m:t>
+                    </m:r>
+                    <m:r>
+                      <a:rPr lang="pl-PL" b="0" i="1" smtClean="0">
+                        <a:effectLst/>
+                        <a:latin typeface="Cambria Math" panose="02040503050406030204" pitchFamily="18" charset="0"/>
+                        <a:ea typeface="Cambria Math" panose="02040503050406030204" pitchFamily="18" charset="0"/>
+                      </a:rPr>
+                      <m:t>&lt;1</m:t>
+                    </m:r>
+                  </m:oMath>
+                </a14:m>
+                <a:endParaRPr lang="en-US" dirty="0"/>
+              </a:p>
+            </p:txBody>
+          </p:sp>
+        </mc:Choice>
+        <mc:Fallback>
+          <p:sp>
+            <p:nvSpPr>
+              <p:cNvPr id="13" name="TextBox 12">
+                <a:extLst>
+                  <a:ext uri="{FF2B5EF4-FFF2-40B4-BE49-F238E27FC236}">
+                    <a16:creationId xmlns:a16="http://schemas.microsoft.com/office/drawing/2014/main" id="{CC9A2B10-77BD-4375-812E-4E12322976CC}"/>
+                  </a:ext>
+                </a:extLst>
+              </p:cNvPr>
+              <p:cNvSpPr txBox="1">
+                <a:spLocks noRot="1" noChangeAspect="1" noMove="1" noResize="1" noEditPoints="1" noAdjustHandles="1" noChangeArrowheads="1" noChangeShapeType="1" noTextEdit="1"/>
+              </p:cNvSpPr>
+              <p:nvPr/>
+            </p:nvSpPr>
+            <p:spPr>
+              <a:xfrm>
+                <a:off x="7221662" y="5016338"/>
+                <a:ext cx="4647415" cy="369332"/>
+              </a:xfrm>
+              <a:prstGeom prst="rect">
+                <a:avLst/>
+              </a:prstGeom>
+              <a:blipFill>
+                <a:blip r:embed="rId4"/>
+                <a:stretch>
+                  <a:fillRect l="-1181" t="-11667" b="-25000"/>
+                </a:stretch>
+              </a:blipFill>
+            </p:spPr>
+            <p:txBody>
+              <a:bodyPr/>
+              <a:lstStyle/>
+              <a:p>
+                <a:r>
+                  <a:rPr lang="en-US">
+                    <a:noFill/>
+                  </a:rPr>
+                  <a:t> </a:t>
+                </a:r>
+              </a:p>
+            </p:txBody>
+          </p:sp>
+        </mc:Fallback>
+      </mc:AlternateContent>
+      <p:pic>
+        <p:nvPicPr>
+          <p:cNvPr id="10" name="Picture 9">
             <a:extLst>
               <a:ext uri="{FF2B5EF4-FFF2-40B4-BE49-F238E27FC236}">
-                <a16:creationId xmlns:a16="http://schemas.microsoft.com/office/drawing/2014/main" id="{E490BA1B-37FD-41AF-98DF-EFC9D223902C}"/>
+                <a16:creationId xmlns:a16="http://schemas.microsoft.com/office/drawing/2014/main" id="{6B088C24-2F74-44EE-A46D-89E508B1F102}"/>
               </a:ext>
             </a:extLst>
           </p:cNvPr>
-          <p:cNvSpPr/>
+          <p:cNvPicPr>
+            <a:picLocks noChangeAspect="1"/>
+          </p:cNvPicPr>
           <p:nvPr/>
-        </p:nvSpPr>
-        <p:spPr>
-          <a:xfrm>
-            <a:off x="9356914" y="1074657"/>
-            <a:ext cx="311085" cy="4609706"/>
+        </p:nvPicPr>
+        <p:blipFill>
+          <a:blip r:embed="rId5">
+            <a:extLst>
+              <a:ext uri="{28A0092B-C50C-407E-A947-70E740481C1C}">
+                <a14:useLocalDpi xmlns:a14="http://schemas.microsoft.com/office/drawing/2010/main" val="0"/>
+              </a:ext>
+            </a:extLst>
+          </a:blip>
+          <a:stretch>
+            <a:fillRect/>
+          </a:stretch>
+        </p:blipFill>
+        <p:spPr>
+          <a:xfrm>
+            <a:off x="4451149" y="402290"/>
+            <a:ext cx="1181188" cy="1181188"/>
           </a:xfrm>
           <a:prstGeom prst="rect">
             <a:avLst/>
           </a:prstGeom>
-          <a:solidFill>
-            <a:srgbClr val="FF0000">
-              <a:alpha val="60000"/>
-            </a:srgbClr>
-          </a:solidFill>
-          <a:ln>
-            <a:noFill/>
-          </a:ln>
-        </p:spPr>
-        <p:style>
-          <a:lnRef idx="2">
-            <a:schemeClr val="accent2"/>
-          </a:lnRef>
-          <a:fillRef idx="1">
-            <a:schemeClr val="lt1"/>
-          </a:fillRef>
-          <a:effectRef idx="0">
-            <a:schemeClr val="accent2"/>
-          </a:effectRef>
-          <a:fontRef idx="minor">
-            <a:schemeClr val="dk1"/>
-          </a:fontRef>
-        </p:style>
-        <p:txBody>
-          <a:bodyPr rtlCol="0" anchor="ctr"/>
-          <a:lstStyle/>
-          <a:p>
-            <a:pPr algn="ctr"/>
-            <a:endParaRPr lang="en-US"/>
-          </a:p>
-        </p:txBody>
-      </p:sp>
+        </p:spPr>
+      </p:pic>
+      <p:pic>
+        <p:nvPicPr>
+          <p:cNvPr id="8" name="Picture 7">
+            <a:extLst>
+              <a:ext uri="{FF2B5EF4-FFF2-40B4-BE49-F238E27FC236}">
+                <a16:creationId xmlns:a16="http://schemas.microsoft.com/office/drawing/2014/main" id="{9391E738-7643-48CB-B13E-F0F2424175FF}"/>
+              </a:ext>
+            </a:extLst>
+          </p:cNvPr>
+          <p:cNvPicPr>
+            <a:picLocks noChangeAspect="1"/>
+          </p:cNvPicPr>
+          <p:nvPr/>
+        </p:nvPicPr>
+        <p:blipFill>
+          <a:blip r:embed="rId6"/>
+          <a:stretch>
+            <a:fillRect/>
+          </a:stretch>
+        </p:blipFill>
+        <p:spPr>
+          <a:xfrm>
+            <a:off x="460591" y="1910390"/>
+            <a:ext cx="5793750" cy="4480216"/>
+          </a:xfrm>
+          <a:prstGeom prst="rect">
+            <a:avLst/>
+          </a:prstGeom>
+        </p:spPr>
+      </p:pic>
     </p:spTree>
     <p:extLst>
       <p:ext uri="{BB962C8B-B14F-4D97-AF65-F5344CB8AC3E}">
-        <p14:creationId xmlns:p14="http://schemas.microsoft.com/office/powerpoint/2010/main" val="1684603955"/>
+        <p14:creationId xmlns:p14="http://schemas.microsoft.com/office/powerpoint/2010/main" val="1077470530"/>
       </p:ext>
     </p:extLst>
   </p:cSld>

--- a/Problem2/SAD_Problem_2.pptx
+++ b/Problem2/SAD_Problem_2.pptx
@@ -5137,8 +5137,8 @@
         </p:nvSpPr>
         <p:spPr>
           <a:xfrm>
-            <a:off x="9502218" y="1173637"/>
-            <a:ext cx="631596" cy="4421171"/>
+            <a:off x="9502217" y="1173637"/>
+            <a:ext cx="763571" cy="4421171"/>
           </a:xfrm>
           <a:prstGeom prst="rect">
             <a:avLst/>
@@ -5189,8 +5189,8 @@
         </p:nvSpPr>
         <p:spPr>
           <a:xfrm>
-            <a:off x="10133815" y="1173637"/>
-            <a:ext cx="471340" cy="4421171"/>
+            <a:off x="10265789" y="1173637"/>
+            <a:ext cx="339365" cy="4421171"/>
           </a:xfrm>
           <a:prstGeom prst="rect">
             <a:avLst/>
@@ -6483,8 +6483,8 @@
         </p:nvSpPr>
         <p:spPr>
           <a:xfrm>
-            <a:off x="10642863" y="2922310"/>
-            <a:ext cx="471340" cy="3190976"/>
+            <a:off x="10642862" y="2922310"/>
+            <a:ext cx="537327" cy="3190976"/>
           </a:xfrm>
           <a:prstGeom prst="rect">
             <a:avLst/>
@@ -6535,8 +6535,8 @@
         </p:nvSpPr>
         <p:spPr>
           <a:xfrm>
-            <a:off x="11114204" y="2922309"/>
-            <a:ext cx="320510" cy="3190976"/>
+            <a:off x="11184846" y="2922310"/>
+            <a:ext cx="259294" cy="3190976"/>
           </a:xfrm>
           <a:prstGeom prst="rect">
             <a:avLst/>

--- a/Problem2/SAD_Problem_2.pptx
+++ b/Problem2/SAD_Problem_2.pptx
@@ -667,7 +667,7 @@
                   <c:v>Mięso</c:v>
                 </c:pt>
                 <c:pt idx="4">
-                  <c:v>Ryba</c:v>
+                  <c:v>Ryby</c:v>
                 </c:pt>
                 <c:pt idx="5">
                   <c:v>Inne</c:v>
@@ -4476,6 +4476,103 @@
           </a:prstGeom>
         </p:spPr>
       </p:pic>
+      <p:sp>
+        <p:nvSpPr>
+          <p:cNvPr id="17" name="TextBox 16">
+            <a:extLst>
+              <a:ext uri="{FF2B5EF4-FFF2-40B4-BE49-F238E27FC236}">
+                <a16:creationId xmlns:a16="http://schemas.microsoft.com/office/drawing/2014/main" id="{691F0D0D-206E-49EC-87AC-7ED97FA4BDAF}"/>
+              </a:ext>
+            </a:extLst>
+          </p:cNvPr>
+          <p:cNvSpPr txBox="1"/>
+          <p:nvPr/>
+        </p:nvSpPr>
+        <p:spPr>
+          <a:xfrm>
+            <a:off x="4451023" y="5303093"/>
+            <a:ext cx="3289954" cy="584775"/>
+          </a:xfrm>
+          <a:prstGeom prst="rect">
+            <a:avLst/>
+          </a:prstGeom>
+          <a:noFill/>
+        </p:spPr>
+        <p:txBody>
+          <a:bodyPr wrap="square" rtlCol="0">
+            <a:spAutoFit/>
+          </a:bodyPr>
+          <a:lstStyle/>
+          <a:p>
+            <a:pPr algn="ctr"/>
+            <a:r>
+              <a:rPr lang="pl-PL" sz="1600" i="1" dirty="0">
+                <a:solidFill>
+                  <a:srgbClr val="002060"/>
+                </a:solidFill>
+                <a:latin typeface="Arial" panose="020B0604020202020204" pitchFamily="34" charset="0"/>
+              </a:rPr>
+              <a:t>Yaroslav Harbar</a:t>
+            </a:r>
+            <a:r>
+              <a:rPr lang="pl-PL" sz="1600" i="1">
+                <a:solidFill>
+                  <a:srgbClr val="002060"/>
+                </a:solidFill>
+                <a:latin typeface="Arial" panose="020B0604020202020204" pitchFamily="34" charset="0"/>
+              </a:rPr>
+              <a:t>, 317044</a:t>
+            </a:r>
+            <a:endParaRPr lang="pl-PL" sz="1600" b="0" i="1">
+              <a:solidFill>
+                <a:srgbClr val="002060"/>
+              </a:solidFill>
+              <a:effectLst/>
+              <a:latin typeface="Arial" panose="020B0604020202020204" pitchFamily="34" charset="0"/>
+            </a:endParaRPr>
+          </a:p>
+          <a:p>
+            <a:pPr algn="ctr"/>
+            <a:r>
+              <a:rPr lang="en-US" sz="1600" b="0" i="1" dirty="0">
+                <a:solidFill>
+                  <a:srgbClr val="002060"/>
+                </a:solidFill>
+                <a:effectLst/>
+                <a:latin typeface="Arial" panose="020B0604020202020204" pitchFamily="34" charset="0"/>
+              </a:rPr>
+              <a:t>Joanna </a:t>
+            </a:r>
+            <a:r>
+              <a:rPr lang="en-US" sz="1600" b="0" i="1" dirty="0" err="1">
+                <a:solidFill>
+                  <a:srgbClr val="002060"/>
+                </a:solidFill>
+                <a:effectLst/>
+                <a:latin typeface="Arial" panose="020B0604020202020204" pitchFamily="34" charset="0"/>
+              </a:rPr>
+              <a:t>Sokołowska</a:t>
+            </a:r>
+            <a:r>
+              <a:rPr lang="en-US" sz="1600" b="0" i="1" dirty="0">
+                <a:solidFill>
+                  <a:srgbClr val="002060"/>
+                </a:solidFill>
+                <a:effectLst/>
+                <a:latin typeface="Arial" panose="020B0604020202020204" pitchFamily="34" charset="0"/>
+              </a:rPr>
+              <a:t>, 289463</a:t>
+            </a:r>
+            <a:endParaRPr lang="pl-PL" sz="1600" b="0" i="1" dirty="0">
+              <a:solidFill>
+                <a:srgbClr val="002060"/>
+              </a:solidFill>
+              <a:effectLst/>
+              <a:latin typeface="Arial" panose="020B0604020202020204" pitchFamily="34" charset="0"/>
+            </a:endParaRPr>
+          </a:p>
+        </p:txBody>
+      </p:sp>
     </p:spTree>
     <p:extLst>
       <p:ext uri="{BB962C8B-B14F-4D97-AF65-F5344CB8AC3E}">
@@ -4652,10 +4749,10 @@
       </p:pic>
       <p:pic>
         <p:nvPicPr>
-          <p:cNvPr id="11" name="Picture 10">
+          <p:cNvPr id="13" name="Picture 12">
             <a:extLst>
               <a:ext uri="{FF2B5EF4-FFF2-40B4-BE49-F238E27FC236}">
-                <a16:creationId xmlns:a16="http://schemas.microsoft.com/office/drawing/2014/main" id="{6591A6D3-B862-41A9-BAB8-25D9D74E9BE0}"/>
+                <a16:creationId xmlns:a16="http://schemas.microsoft.com/office/drawing/2014/main" id="{E0468A9C-116C-46F6-B0B1-2DF433DC48D7}"/>
               </a:ext>
             </a:extLst>
           </p:cNvPr>
@@ -4672,8 +4769,8 @@
         </p:blipFill>
         <p:spPr>
           <a:xfrm>
-            <a:off x="654769" y="615592"/>
-            <a:ext cx="5074820" cy="3504958"/>
+            <a:off x="6513613" y="277960"/>
+            <a:ext cx="5048729" cy="3902699"/>
           </a:xfrm>
           <a:prstGeom prst="rect">
             <a:avLst/>
@@ -4682,10 +4779,10 @@
       </p:pic>
       <p:pic>
         <p:nvPicPr>
-          <p:cNvPr id="12" name="Picture 11">
+          <p:cNvPr id="14" name="Picture 13">
             <a:extLst>
               <a:ext uri="{FF2B5EF4-FFF2-40B4-BE49-F238E27FC236}">
-                <a16:creationId xmlns:a16="http://schemas.microsoft.com/office/drawing/2014/main" id="{C31A6A71-53D4-4540-B8E2-222E811922F1}"/>
+                <a16:creationId xmlns:a16="http://schemas.microsoft.com/office/drawing/2014/main" id="{4259751E-F6DC-498B-B134-B1C456EE6563}"/>
               </a:ext>
             </a:extLst>
           </p:cNvPr>
@@ -4702,8 +4799,8 @@
         </p:blipFill>
         <p:spPr>
           <a:xfrm>
-            <a:off x="6551629" y="615592"/>
-            <a:ext cx="5074821" cy="3504958"/>
+            <a:off x="629658" y="288797"/>
+            <a:ext cx="5048729" cy="3902699"/>
           </a:xfrm>
           <a:prstGeom prst="rect">
             <a:avLst/>
@@ -4873,7 +4970,7 @@
         </p:nvSpPr>
         <p:spPr>
           <a:xfrm>
-            <a:off x="5963680" y="2938808"/>
+            <a:off x="5970132" y="2858678"/>
             <a:ext cx="1615126" cy="1140643"/>
           </a:xfrm>
           <a:prstGeom prst="mathEqual">
@@ -6110,10 +6207,10 @@
       </p:grpSpPr>
       <p:pic>
         <p:nvPicPr>
-          <p:cNvPr id="10" name="Picture 9">
+          <p:cNvPr id="12" name="Picture 11">
             <a:extLst>
               <a:ext uri="{FF2B5EF4-FFF2-40B4-BE49-F238E27FC236}">
-                <a16:creationId xmlns:a16="http://schemas.microsoft.com/office/drawing/2014/main" id="{B3E75CC2-B0EB-4B9B-B9FB-345F1F82A270}"/>
+                <a16:creationId xmlns:a16="http://schemas.microsoft.com/office/drawing/2014/main" id="{07D9E880-F576-4F89-877B-4522EA45DEC3}"/>
               </a:ext>
             </a:extLst>
           </p:cNvPr>
@@ -6130,8 +6227,8 @@
         </p:blipFill>
         <p:spPr>
           <a:xfrm>
-            <a:off x="4549946" y="2071115"/>
-            <a:ext cx="7194280" cy="4968777"/>
+            <a:off x="5373278" y="1997587"/>
+            <a:ext cx="6287678" cy="4860413"/>
           </a:xfrm>
           <a:prstGeom prst="rect">
             <a:avLst/>
@@ -6431,8 +6528,8 @@
         </p:nvSpPr>
         <p:spPr>
           <a:xfrm>
-            <a:off x="5656082" y="2922310"/>
-            <a:ext cx="4986780" cy="3190976"/>
+            <a:off x="6183984" y="2658358"/>
+            <a:ext cx="4458878" cy="3454927"/>
           </a:xfrm>
           <a:prstGeom prst="rect">
             <a:avLst/>
@@ -6483,8 +6580,8 @@
         </p:nvSpPr>
         <p:spPr>
           <a:xfrm>
-            <a:off x="10642862" y="2922310"/>
-            <a:ext cx="537327" cy="3190976"/>
+            <a:off x="10642863" y="2658359"/>
+            <a:ext cx="499620" cy="3454927"/>
           </a:xfrm>
           <a:prstGeom prst="rect">
             <a:avLst/>
@@ -6535,8 +6632,8 @@
         </p:nvSpPr>
         <p:spPr>
           <a:xfrm>
-            <a:off x="11184846" y="2922310"/>
-            <a:ext cx="259294" cy="3190976"/>
+            <a:off x="11142483" y="2658358"/>
+            <a:ext cx="235670" cy="3454927"/>
           </a:xfrm>
           <a:prstGeom prst="rect">
             <a:avLst/>
@@ -6705,7 +6802,7 @@
                                           </p:stCondLst>
                                         </p:cTn>
                                         <p:tgtEl>
-                                          <p:spTgt spid="10"/>
+                                          <p:spTgt spid="12"/>
                                         </p:tgtEl>
                                         <p:attrNameLst>
                                           <p:attrName>style.visibility</p:attrName>
@@ -6719,7 +6816,7 @@
                                       <p:cBhvr>
                                         <p:cTn id="11" dur="500"/>
                                         <p:tgtEl>
-                                          <p:spTgt spid="10"/>
+                                          <p:spTgt spid="12"/>
                                         </p:tgtEl>
                                       </p:cBhvr>
                                     </p:animEffect>
@@ -7901,7 +7998,7 @@
           <p:nvPr>
             <p:extLst>
               <p:ext uri="{D42A27DB-BD31-4B8C-83A1-F6EECF244321}">
-                <p14:modId xmlns:p14="http://schemas.microsoft.com/office/powerpoint/2010/main" val="2976669205"/>
+                <p14:modId xmlns:p14="http://schemas.microsoft.com/office/powerpoint/2010/main" val="4166810889"/>
               </p:ext>
             </p:extLst>
           </p:nvPr>
@@ -7951,10 +8048,10 @@
       </p:grpSpPr>
       <p:pic>
         <p:nvPicPr>
-          <p:cNvPr id="7" name="Picture 6">
+          <p:cNvPr id="11" name="Picture 10">
             <a:extLst>
               <a:ext uri="{FF2B5EF4-FFF2-40B4-BE49-F238E27FC236}">
-                <a16:creationId xmlns:a16="http://schemas.microsoft.com/office/drawing/2014/main" id="{6C0B8BF7-06C9-4B1F-B878-CAB7BD3A85D7}"/>
+                <a16:creationId xmlns:a16="http://schemas.microsoft.com/office/drawing/2014/main" id="{6864E7B2-4B06-4C4B-A442-B22FF8EC0AFA}"/>
               </a:ext>
             </a:extLst>
           </p:cNvPr>
@@ -7971,8 +8068,8 @@
         </p:blipFill>
         <p:spPr>
           <a:xfrm>
-            <a:off x="1131159" y="0"/>
-            <a:ext cx="9929682" cy="6858000"/>
+            <a:off x="1660071" y="0"/>
+            <a:ext cx="8871857" cy="6858000"/>
           </a:xfrm>
           <a:prstGeom prst="rect">
             <a:avLst/>
@@ -8122,10 +8219,10 @@
       </p:pic>
       <p:pic>
         <p:nvPicPr>
-          <p:cNvPr id="6" name="Picture 5">
+          <p:cNvPr id="11" name="Picture 10">
             <a:extLst>
               <a:ext uri="{FF2B5EF4-FFF2-40B4-BE49-F238E27FC236}">
-                <a16:creationId xmlns:a16="http://schemas.microsoft.com/office/drawing/2014/main" id="{110A5F71-37F8-4227-BEA6-E617FAFD397A}"/>
+                <a16:creationId xmlns:a16="http://schemas.microsoft.com/office/drawing/2014/main" id="{F308A540-AD0A-46DB-AE94-E69C8FCD9C48}"/>
               </a:ext>
             </a:extLst>
           </p:cNvPr>
@@ -8142,8 +8239,8 @@
         </p:blipFill>
         <p:spPr>
           <a:xfrm>
-            <a:off x="332171" y="2159936"/>
-            <a:ext cx="5650708" cy="3902698"/>
+            <a:off x="-1" y="2015840"/>
+            <a:ext cx="5791070" cy="4476534"/>
           </a:xfrm>
           <a:prstGeom prst="rect">
             <a:avLst/>
@@ -8152,10 +8249,10 @@
       </p:pic>
       <p:pic>
         <p:nvPicPr>
-          <p:cNvPr id="7" name="Picture 6">
+          <p:cNvPr id="12" name="Picture 11">
             <a:extLst>
               <a:ext uri="{FF2B5EF4-FFF2-40B4-BE49-F238E27FC236}">
-                <a16:creationId xmlns:a16="http://schemas.microsoft.com/office/drawing/2014/main" id="{D3751CA5-E9D0-4334-88A5-BB29C9253F4D}"/>
+                <a16:creationId xmlns:a16="http://schemas.microsoft.com/office/drawing/2014/main" id="{B91383B7-A792-4B91-9B98-8781DF856C94}"/>
               </a:ext>
             </a:extLst>
           </p:cNvPr>
@@ -8172,8 +8269,8 @@
         </p:blipFill>
         <p:spPr>
           <a:xfrm>
-            <a:off x="6286723" y="2159936"/>
-            <a:ext cx="5650708" cy="3902699"/>
+            <a:off x="6154748" y="2015841"/>
+            <a:ext cx="5791071" cy="4476533"/>
           </a:xfrm>
           <a:prstGeom prst="rect">
             <a:avLst/>
@@ -8733,10 +8830,10 @@
       </p:grpSpPr>
       <p:pic>
         <p:nvPicPr>
-          <p:cNvPr id="5" name="Picture 4">
+          <p:cNvPr id="7" name="Picture 6">
             <a:extLst>
               <a:ext uri="{FF2B5EF4-FFF2-40B4-BE49-F238E27FC236}">
-                <a16:creationId xmlns:a16="http://schemas.microsoft.com/office/drawing/2014/main" id="{C3CA0BE5-166C-4389-B4CC-BA6CFB31C9B4}"/>
+                <a16:creationId xmlns:a16="http://schemas.microsoft.com/office/drawing/2014/main" id="{06C5B3FC-4402-49E1-BF1B-1325D3477E2C}"/>
               </a:ext>
             </a:extLst>
           </p:cNvPr>
@@ -8753,8 +8850,8 @@
         </p:blipFill>
         <p:spPr>
           <a:xfrm>
-            <a:off x="1131159" y="0"/>
-            <a:ext cx="9929682" cy="6858000"/>
+            <a:off x="1660071" y="0"/>
+            <a:ext cx="8871857" cy="6858000"/>
           </a:xfrm>
           <a:prstGeom prst="rect">
             <a:avLst/>
@@ -8904,10 +9001,10 @@
       </p:pic>
       <p:pic>
         <p:nvPicPr>
-          <p:cNvPr id="11" name="Picture 10">
+          <p:cNvPr id="5" name="Picture 4">
             <a:extLst>
               <a:ext uri="{FF2B5EF4-FFF2-40B4-BE49-F238E27FC236}">
-                <a16:creationId xmlns:a16="http://schemas.microsoft.com/office/drawing/2014/main" id="{AC72D7D5-9C9C-4F18-8729-C6AE7462745E}"/>
+                <a16:creationId xmlns:a16="http://schemas.microsoft.com/office/drawing/2014/main" id="{89BCA937-661E-4E63-B489-205B9679C1BB}"/>
               </a:ext>
             </a:extLst>
           </p:cNvPr>
@@ -8924,8 +9021,8 @@
         </p:blipFill>
         <p:spPr>
           <a:xfrm>
-            <a:off x="254569" y="2159936"/>
-            <a:ext cx="5650709" cy="3902699"/>
+            <a:off x="-26752" y="2015841"/>
+            <a:ext cx="5791070" cy="4476533"/>
           </a:xfrm>
           <a:prstGeom prst="rect">
             <a:avLst/>
@@ -8934,10 +9031,10 @@
       </p:pic>
       <p:pic>
         <p:nvPicPr>
-          <p:cNvPr id="12" name="Picture 11">
+          <p:cNvPr id="14" name="Picture 13">
             <a:extLst>
               <a:ext uri="{FF2B5EF4-FFF2-40B4-BE49-F238E27FC236}">
-                <a16:creationId xmlns:a16="http://schemas.microsoft.com/office/drawing/2014/main" id="{F8275F71-9CF2-4C97-9962-0B349D1D01DA}"/>
+                <a16:creationId xmlns:a16="http://schemas.microsoft.com/office/drawing/2014/main" id="{1053B3F5-32CF-49B4-BEED-A71D7C31C56B}"/>
               </a:ext>
             </a:extLst>
           </p:cNvPr>
@@ -8954,8 +9051,8 @@
         </p:blipFill>
         <p:spPr>
           <a:xfrm>
-            <a:off x="6286723" y="2159936"/>
-            <a:ext cx="5650708" cy="3902699"/>
+            <a:off x="6154748" y="2015841"/>
+            <a:ext cx="5791071" cy="4476533"/>
           </a:xfrm>
           <a:prstGeom prst="rect">
             <a:avLst/>
